--- a/graficos.pptx
+++ b/graficos.pptx
@@ -6,11 +6,13 @@
   </p:sldMasterIdLst>
   <p:sldIdLst>
     <p:sldId id="258" r:id="rId2"/>
+    <p:sldId id="259" r:id="rId3"/>
+    <p:sldId id="260" r:id="rId4"/>
   </p:sldIdLst>
   <p:sldSz cx="12192000" cy="6858000"/>
   <p:notesSz cx="6858000" cy="9144000"/>
   <p:custDataLst>
-    <p:tags r:id="rId3"/>
+    <p:tags r:id="rId5"/>
   </p:custDataLst>
   <p:defaultTextStyle>
     <a:defPPr>
@@ -107,6 +109,11 @@
       </a:defRPr>
     </a:lvl9pPr>
   </p:defaultTextStyle>
+  <p:extLst>
+    <p:ext uri="{EFAFB233-063F-42B5-8137-9DF3F51BA10A}">
+      <p15:sldGuideLst xmlns:p15="http://schemas.microsoft.com/office/powerpoint/2012/main"/>
+    </p:ext>
+  </p:extLst>
 </p:presentation>
 </file>
 
@@ -209,11 +216,11 @@
         </c:dLbls>
         <c:gapWidth val="80"/>
         <c:overlap val="100"/>
-        <c:axId val="913467312"/>
-        <c:axId val="913467856"/>
+        <c:axId val="1494980048"/>
+        <c:axId val="1494987664"/>
       </c:barChart>
       <c:catAx>
-        <c:axId val="913467312"/>
+        <c:axId val="1494980048"/>
         <c:scaling>
           <c:orientation val="minMax"/>
         </c:scaling>
@@ -237,7 +244,7 @@
             <a:prstDash val="solid"/>
           </a:ln>
         </c:spPr>
-        <c:crossAx val="913467856"/>
+        <c:crossAx val="1494987664"/>
         <c:crosses val="min"/>
         <c:auto val="0"/>
         <c:lblAlgn val="ctr"/>
@@ -245,7 +252,7 @@
         <c:noMultiLvlLbl val="0"/>
       </c:catAx>
       <c:valAx>
-        <c:axId val="913467856"/>
+        <c:axId val="1494987664"/>
         <c:scaling>
           <c:orientation val="minMax"/>
           <c:max val="141666667"/>
@@ -257,9 +264,1132 @@
         <c:majorTickMark val="out"/>
         <c:minorTickMark val="none"/>
         <c:tickLblPos val="nextTo"/>
-        <c:crossAx val="913467312"/>
+        <c:crossAx val="1494980048"/>
         <c:crosses val="min"/>
         <c:crossBetween val="between"/>
+      </c:valAx>
+    </c:plotArea>
+    <c:plotVisOnly val="0"/>
+    <c:dispBlanksAs val="gap"/>
+    <c:showDLblsOverMax val="1"/>
+  </c:chart>
+  <c:externalData r:id="rId1">
+    <c:autoUpdate val="0"/>
+  </c:externalData>
+</c:chartSpace>
+</file>
+
+<file path=ppt/charts/chart2.xml><?xml version="1.0" encoding="utf-8"?>
+<c:chartSpace xmlns:c="http://schemas.openxmlformats.org/drawingml/2006/chart" xmlns:a="http://schemas.openxmlformats.org/drawingml/2006/main" xmlns:r="http://schemas.openxmlformats.org/officeDocument/2006/relationships">
+  <c:date1904 val="0"/>
+  <c:lang val="en-US"/>
+  <c:roundedCorners val="0"/>
+  <mc:AlternateContent xmlns:mc="http://schemas.openxmlformats.org/markup-compatibility/2006">
+    <mc:Choice xmlns:c14="http://schemas.microsoft.com/office/drawing/2007/8/2/chart" Requires="c14">
+      <c14:style val="102"/>
+    </mc:Choice>
+    <mc:Fallback>
+      <c:style val="2"/>
+    </mc:Fallback>
+  </mc:AlternateContent>
+  <c:chart>
+    <c:autoTitleDeleted val="0"/>
+    <c:plotArea>
+      <c:layout>
+        <c:manualLayout>
+          <c:layoutTarget val="inner"/>
+          <c:xMode val="edge"/>
+          <c:yMode val="edge"/>
+          <c:x val="6.6915454896409729E-3"/>
+          <c:y val="7.919930374238468E-2"/>
+          <c:w val="0.98661690902071808"/>
+          <c:h val="0.86480997969248619"/>
+        </c:manualLayout>
+      </c:layout>
+      <c:barChart>
+        <c:barDir val="col"/>
+        <c:grouping val="stacked"/>
+        <c:varyColors val="0"/>
+        <c:ser>
+          <c:idx val="0"/>
+          <c:order val="0"/>
+          <c:spPr>
+            <a:solidFill>
+              <a:schemeClr val="accent6"/>
+            </a:solidFill>
+            <a:ln>
+              <a:noFill/>
+            </a:ln>
+          </c:spPr>
+          <c:invertIfNegative val="0"/>
+          <c:dLbls>
+            <c:dLbl>
+              <c:idx val="0"/>
+              <c:layout>
+                <c:manualLayout>
+                  <c:x val="0"/>
+                  <c:y val="-0.40150855816652159"/>
+                </c:manualLayout>
+              </c:layout>
+              <c:numFmt formatCode="#,##0.0;&quot;-&quot;#,##0.0" sourceLinked="0"/>
+              <c:spPr>
+                <a:noFill/>
+                <a:ln>
+                  <a:noFill/>
+                </a:ln>
+              </c:spPr>
+              <c:txPr>
+                <a:bodyPr wrap="none"/>
+                <a:lstStyle/>
+                <a:p>
+                  <a:pPr>
+                    <a:defRPr sz="1400" kern="1200">
+                      <a:solidFill>
+                        <a:schemeClr val="tx1"/>
+                      </a:solidFill>
+                      <a:latin typeface="+mn-lt"/>
+                      <a:ea typeface="+mn-ea"/>
+                      <a:cs typeface="+mn-cs"/>
+                    </a:defRPr>
+                  </a:pPr>
+                  <a:endParaRPr lang="pt-BR"/>
+                </a:p>
+              </c:txPr>
+              <c:dLblPos val="ctr"/>
+              <c:showLegendKey val="0"/>
+              <c:showVal val="1"/>
+              <c:showCatName val="0"/>
+              <c:showSerName val="0"/>
+              <c:showPercent val="0"/>
+              <c:showBubbleSize val="0"/>
+              <c:extLst>
+                <c:ext xmlns:c15="http://schemas.microsoft.com/office/drawing/2012/chart" uri="{CE6537A1-D6FC-4f65-9D91-7224C49458BB}">
+                  <c15:spPr xmlns:c15="http://schemas.microsoft.com/office/drawing/2012/chart">
+                    <a:prstGeom prst="rect">
+                      <a:avLst/>
+                    </a:prstGeom>
+                  </c15:spPr>
+                  <c15:layout/>
+                </c:ext>
+              </c:extLst>
+            </c:dLbl>
+            <c:dLbl>
+              <c:idx val="1"/>
+              <c:layout>
+                <c:manualLayout>
+                  <c:x val="0"/>
+                  <c:y val="-0.26660864519872352"/>
+                </c:manualLayout>
+              </c:layout>
+              <c:numFmt formatCode="#,##0.0;&quot;-&quot;#,##0.0" sourceLinked="0"/>
+              <c:spPr>
+                <a:noFill/>
+                <a:ln>
+                  <a:noFill/>
+                </a:ln>
+              </c:spPr>
+              <c:txPr>
+                <a:bodyPr wrap="none"/>
+                <a:lstStyle/>
+                <a:p>
+                  <a:pPr>
+                    <a:defRPr sz="1400" kern="1200">
+                      <a:solidFill>
+                        <a:schemeClr val="tx1"/>
+                      </a:solidFill>
+                      <a:latin typeface="+mn-lt"/>
+                      <a:ea typeface="+mn-ea"/>
+                      <a:cs typeface="+mn-cs"/>
+                    </a:defRPr>
+                  </a:pPr>
+                  <a:endParaRPr lang="pt-BR"/>
+                </a:p>
+              </c:txPr>
+              <c:dLblPos val="ctr"/>
+              <c:showLegendKey val="0"/>
+              <c:showVal val="1"/>
+              <c:showCatName val="0"/>
+              <c:showSerName val="0"/>
+              <c:showPercent val="0"/>
+              <c:showBubbleSize val="0"/>
+              <c:extLst>
+                <c:ext xmlns:c15="http://schemas.microsoft.com/office/drawing/2012/chart" uri="{CE6537A1-D6FC-4f65-9D91-7224C49458BB}">
+                  <c15:spPr xmlns:c15="http://schemas.microsoft.com/office/drawing/2012/chart">
+                    <a:prstGeom prst="rect">
+                      <a:avLst/>
+                    </a:prstGeom>
+                  </c15:spPr>
+                  <c15:layout/>
+                </c:ext>
+              </c:extLst>
+            </c:dLbl>
+            <c:dLbl>
+              <c:idx val="2"/>
+              <c:layout>
+                <c:manualLayout>
+                  <c:x val="0"/>
+                  <c:y val="-0.26660864519872352"/>
+                </c:manualLayout>
+              </c:layout>
+              <c:numFmt formatCode="#,##0.0;&quot;-&quot;#,##0.0" sourceLinked="0"/>
+              <c:spPr>
+                <a:noFill/>
+                <a:ln>
+                  <a:noFill/>
+                </a:ln>
+              </c:spPr>
+              <c:txPr>
+                <a:bodyPr wrap="none"/>
+                <a:lstStyle/>
+                <a:p>
+                  <a:pPr>
+                    <a:defRPr sz="1400" kern="1200">
+                      <a:solidFill>
+                        <a:schemeClr val="tx1"/>
+                      </a:solidFill>
+                      <a:latin typeface="+mn-lt"/>
+                      <a:ea typeface="+mn-ea"/>
+                      <a:cs typeface="+mn-cs"/>
+                    </a:defRPr>
+                  </a:pPr>
+                  <a:endParaRPr lang="pt-BR"/>
+                </a:p>
+              </c:txPr>
+              <c:dLblPos val="ctr"/>
+              <c:showLegendKey val="0"/>
+              <c:showVal val="1"/>
+              <c:showCatName val="0"/>
+              <c:showSerName val="0"/>
+              <c:showPercent val="0"/>
+              <c:showBubbleSize val="0"/>
+              <c:extLst>
+                <c:ext xmlns:c15="http://schemas.microsoft.com/office/drawing/2012/chart" uri="{CE6537A1-D6FC-4f65-9D91-7224C49458BB}">
+                  <c15:spPr xmlns:c15="http://schemas.microsoft.com/office/drawing/2012/chart">
+                    <a:prstGeom prst="rect">
+                      <a:avLst/>
+                    </a:prstGeom>
+                  </c15:spPr>
+                  <c15:layout/>
+                </c:ext>
+              </c:extLst>
+            </c:dLbl>
+            <c:dLbl>
+              <c:idx val="3"/>
+              <c:layout>
+                <c:manualLayout>
+                  <c:x val="0"/>
+                  <c:y val="-0.29329852045256743"/>
+                </c:manualLayout>
+              </c:layout>
+              <c:numFmt formatCode="#,##0.0;&quot;-&quot;#,##0.0" sourceLinked="0"/>
+              <c:spPr>
+                <a:noFill/>
+                <a:ln>
+                  <a:noFill/>
+                </a:ln>
+              </c:spPr>
+              <c:txPr>
+                <a:bodyPr wrap="none"/>
+                <a:lstStyle/>
+                <a:p>
+                  <a:pPr>
+                    <a:defRPr sz="1400" kern="1200">
+                      <a:solidFill>
+                        <a:schemeClr val="tx1"/>
+                      </a:solidFill>
+                      <a:latin typeface="+mn-lt"/>
+                      <a:ea typeface="+mn-ea"/>
+                      <a:cs typeface="+mn-cs"/>
+                    </a:defRPr>
+                  </a:pPr>
+                  <a:endParaRPr lang="pt-BR"/>
+                </a:p>
+              </c:txPr>
+              <c:dLblPos val="ctr"/>
+              <c:showLegendKey val="0"/>
+              <c:showVal val="1"/>
+              <c:showCatName val="0"/>
+              <c:showSerName val="0"/>
+              <c:showPercent val="0"/>
+              <c:showBubbleSize val="0"/>
+              <c:extLst>
+                <c:ext xmlns:c15="http://schemas.microsoft.com/office/drawing/2012/chart" uri="{CE6537A1-D6FC-4f65-9D91-7224C49458BB}">
+                  <c15:spPr xmlns:c15="http://schemas.microsoft.com/office/drawing/2012/chart">
+                    <a:prstGeom prst="rect">
+                      <a:avLst/>
+                    </a:prstGeom>
+                  </c15:spPr>
+                  <c15:layout/>
+                </c:ext>
+              </c:extLst>
+            </c:dLbl>
+            <c:dLbl>
+              <c:idx val="4"/>
+              <c:layout>
+                <c:manualLayout>
+                  <c:x val="0"/>
+                  <c:y val="-0.42877864809979693"/>
+                </c:manualLayout>
+              </c:layout>
+              <c:numFmt formatCode="#,##0.0;&quot;-&quot;#,##0.0" sourceLinked="0"/>
+              <c:spPr>
+                <a:noFill/>
+                <a:ln>
+                  <a:noFill/>
+                </a:ln>
+              </c:spPr>
+              <c:txPr>
+                <a:bodyPr wrap="none"/>
+                <a:lstStyle/>
+                <a:p>
+                  <a:pPr>
+                    <a:defRPr sz="1400" kern="1200">
+                      <a:solidFill>
+                        <a:schemeClr val="tx1"/>
+                      </a:solidFill>
+                      <a:latin typeface="+mn-lt"/>
+                      <a:ea typeface="+mn-ea"/>
+                      <a:cs typeface="+mn-cs"/>
+                    </a:defRPr>
+                  </a:pPr>
+                  <a:endParaRPr lang="pt-BR"/>
+                </a:p>
+              </c:txPr>
+              <c:dLblPos val="ctr"/>
+              <c:showLegendKey val="0"/>
+              <c:showVal val="1"/>
+              <c:showCatName val="0"/>
+              <c:showSerName val="0"/>
+              <c:showPercent val="0"/>
+              <c:showBubbleSize val="0"/>
+              <c:extLst>
+                <c:ext xmlns:c15="http://schemas.microsoft.com/office/drawing/2012/chart" uri="{CE6537A1-D6FC-4f65-9D91-7224C49458BB}">
+                  <c15:spPr xmlns:c15="http://schemas.microsoft.com/office/drawing/2012/chart">
+                    <a:prstGeom prst="rect">
+                      <a:avLst/>
+                    </a:prstGeom>
+                  </c15:spPr>
+                  <c15:layout/>
+                </c:ext>
+              </c:extLst>
+            </c:dLbl>
+            <c:dLbl>
+              <c:idx val="5"/>
+              <c:layout>
+                <c:manualLayout>
+                  <c:x val="0"/>
+                  <c:y val="-0.34754859297940238"/>
+                </c:manualLayout>
+              </c:layout>
+              <c:numFmt formatCode="#,##0.0;&quot;-&quot;#,##0.0" sourceLinked="0"/>
+              <c:spPr>
+                <a:noFill/>
+                <a:ln>
+                  <a:noFill/>
+                </a:ln>
+              </c:spPr>
+              <c:txPr>
+                <a:bodyPr wrap="none"/>
+                <a:lstStyle/>
+                <a:p>
+                  <a:pPr>
+                    <a:defRPr sz="1400" kern="1200">
+                      <a:solidFill>
+                        <a:schemeClr val="tx1"/>
+                      </a:solidFill>
+                      <a:latin typeface="+mn-lt"/>
+                      <a:ea typeface="+mn-ea"/>
+                      <a:cs typeface="+mn-cs"/>
+                    </a:defRPr>
+                  </a:pPr>
+                  <a:endParaRPr lang="pt-BR"/>
+                </a:p>
+              </c:txPr>
+              <c:dLblPos val="ctr"/>
+              <c:showLegendKey val="0"/>
+              <c:showVal val="1"/>
+              <c:showCatName val="0"/>
+              <c:showSerName val="0"/>
+              <c:showPercent val="0"/>
+              <c:showBubbleSize val="0"/>
+              <c:extLst>
+                <c:ext xmlns:c15="http://schemas.microsoft.com/office/drawing/2012/chart" uri="{CE6537A1-D6FC-4f65-9D91-7224C49458BB}">
+                  <c15:spPr xmlns:c15="http://schemas.microsoft.com/office/drawing/2012/chart">
+                    <a:prstGeom prst="rect">
+                      <a:avLst/>
+                    </a:prstGeom>
+                  </c15:spPr>
+                  <c15:layout/>
+                </c:ext>
+              </c:extLst>
+            </c:dLbl>
+            <c:dLbl>
+              <c:idx val="6"/>
+              <c:layout>
+                <c:manualLayout>
+                  <c:x val="0"/>
+                  <c:y val="-0.45575863069335654"/>
+                </c:manualLayout>
+              </c:layout>
+              <c:numFmt formatCode="#,##0.0;&quot;-&quot;#,##0.0" sourceLinked="0"/>
+              <c:spPr>
+                <a:noFill/>
+                <a:ln>
+                  <a:noFill/>
+                </a:ln>
+              </c:spPr>
+              <c:txPr>
+                <a:bodyPr wrap="none"/>
+                <a:lstStyle/>
+                <a:p>
+                  <a:pPr>
+                    <a:defRPr sz="1400" kern="1200">
+                      <a:solidFill>
+                        <a:schemeClr val="tx1"/>
+                      </a:solidFill>
+                      <a:latin typeface="+mn-lt"/>
+                      <a:ea typeface="+mn-ea"/>
+                      <a:cs typeface="+mn-cs"/>
+                    </a:defRPr>
+                  </a:pPr>
+                  <a:endParaRPr lang="pt-BR"/>
+                </a:p>
+              </c:txPr>
+              <c:dLblPos val="ctr"/>
+              <c:showLegendKey val="0"/>
+              <c:showVal val="1"/>
+              <c:showCatName val="0"/>
+              <c:showSerName val="0"/>
+              <c:showPercent val="0"/>
+              <c:showBubbleSize val="0"/>
+              <c:extLst>
+                <c:ext xmlns:c15="http://schemas.microsoft.com/office/drawing/2012/chart" uri="{CE6537A1-D6FC-4f65-9D91-7224C49458BB}">
+                  <c15:spPr xmlns:c15="http://schemas.microsoft.com/office/drawing/2012/chart">
+                    <a:prstGeom prst="rect">
+                      <a:avLst/>
+                    </a:prstGeom>
+                  </c15:spPr>
+                  <c15:layout/>
+                </c:ext>
+              </c:extLst>
+            </c:dLbl>
+            <c:dLbl>
+              <c:idx val="7"/>
+              <c:layout>
+                <c:manualLayout>
+                  <c:x val="0"/>
+                  <c:y val="-0.37452857557296199"/>
+                </c:manualLayout>
+              </c:layout>
+              <c:numFmt formatCode="#,##0.0;&quot;-&quot;#,##0.0" sourceLinked="0"/>
+              <c:spPr>
+                <a:noFill/>
+                <a:ln>
+                  <a:noFill/>
+                </a:ln>
+              </c:spPr>
+              <c:txPr>
+                <a:bodyPr wrap="none"/>
+                <a:lstStyle/>
+                <a:p>
+                  <a:pPr>
+                    <a:defRPr sz="1400" kern="1200">
+                      <a:solidFill>
+                        <a:schemeClr val="tx1"/>
+                      </a:solidFill>
+                      <a:latin typeface="+mn-lt"/>
+                      <a:ea typeface="+mn-ea"/>
+                      <a:cs typeface="+mn-cs"/>
+                    </a:defRPr>
+                  </a:pPr>
+                  <a:endParaRPr lang="pt-BR"/>
+                </a:p>
+              </c:txPr>
+              <c:dLblPos val="ctr"/>
+              <c:showLegendKey val="0"/>
+              <c:showVal val="1"/>
+              <c:showCatName val="0"/>
+              <c:showSerName val="0"/>
+              <c:showPercent val="0"/>
+              <c:showBubbleSize val="0"/>
+              <c:extLst>
+                <c:ext xmlns:c15="http://schemas.microsoft.com/office/drawing/2012/chart" uri="{CE6537A1-D6FC-4f65-9D91-7224C49458BB}">
+                  <c15:spPr xmlns:c15="http://schemas.microsoft.com/office/drawing/2012/chart">
+                    <a:prstGeom prst="rect">
+                      <a:avLst/>
+                    </a:prstGeom>
+                  </c15:spPr>
+                  <c15:layout/>
+                </c:ext>
+              </c:extLst>
+            </c:dLbl>
+            <c:dLbl>
+              <c:idx val="8"/>
+              <c:layout>
+                <c:manualLayout>
+                  <c:x val="0"/>
+                  <c:y val="-0.26660864519872352"/>
+                </c:manualLayout>
+              </c:layout>
+              <c:numFmt formatCode="#,##0.0;&quot;-&quot;#,##0.0" sourceLinked="0"/>
+              <c:spPr>
+                <a:noFill/>
+                <a:ln>
+                  <a:noFill/>
+                </a:ln>
+              </c:spPr>
+              <c:txPr>
+                <a:bodyPr wrap="none"/>
+                <a:lstStyle/>
+                <a:p>
+                  <a:pPr>
+                    <a:defRPr sz="1400" kern="1200">
+                      <a:solidFill>
+                        <a:schemeClr val="tx1"/>
+                      </a:solidFill>
+                      <a:latin typeface="+mn-lt"/>
+                      <a:ea typeface="+mn-ea"/>
+                      <a:cs typeface="+mn-cs"/>
+                    </a:defRPr>
+                  </a:pPr>
+                  <a:endParaRPr lang="pt-BR"/>
+                </a:p>
+              </c:txPr>
+              <c:dLblPos val="ctr"/>
+              <c:showLegendKey val="0"/>
+              <c:showVal val="1"/>
+              <c:showCatName val="0"/>
+              <c:showSerName val="0"/>
+              <c:showPercent val="0"/>
+              <c:showBubbleSize val="0"/>
+              <c:extLst>
+                <c:ext xmlns:c15="http://schemas.microsoft.com/office/drawing/2012/chart" uri="{CE6537A1-D6FC-4f65-9D91-7224C49458BB}">
+                  <c15:spPr xmlns:c15="http://schemas.microsoft.com/office/drawing/2012/chart">
+                    <a:prstGeom prst="rect">
+                      <a:avLst/>
+                    </a:prstGeom>
+                  </c15:spPr>
+                  <c15:layout/>
+                </c:ext>
+              </c:extLst>
+            </c:dLbl>
+            <c:dLbl>
+              <c:idx val="9"/>
+              <c:layout>
+                <c:manualLayout>
+                  <c:x val="0"/>
+                  <c:y val="-0.37452857557296199"/>
+                </c:manualLayout>
+              </c:layout>
+              <c:numFmt formatCode="#,##0.0;&quot;-&quot;#,##0.0" sourceLinked="0"/>
+              <c:spPr>
+                <a:noFill/>
+                <a:ln>
+                  <a:noFill/>
+                </a:ln>
+              </c:spPr>
+              <c:txPr>
+                <a:bodyPr wrap="none"/>
+                <a:lstStyle/>
+                <a:p>
+                  <a:pPr>
+                    <a:defRPr sz="1400" kern="1200">
+                      <a:solidFill>
+                        <a:schemeClr val="tx1"/>
+                      </a:solidFill>
+                      <a:latin typeface="+mn-lt"/>
+                      <a:ea typeface="+mn-ea"/>
+                      <a:cs typeface="+mn-cs"/>
+                    </a:defRPr>
+                  </a:pPr>
+                  <a:endParaRPr lang="pt-BR"/>
+                </a:p>
+              </c:txPr>
+              <c:dLblPos val="ctr"/>
+              <c:showLegendKey val="0"/>
+              <c:showVal val="1"/>
+              <c:showCatName val="0"/>
+              <c:showSerName val="0"/>
+              <c:showPercent val="0"/>
+              <c:showBubbleSize val="0"/>
+              <c:extLst>
+                <c:ext xmlns:c15="http://schemas.microsoft.com/office/drawing/2012/chart" uri="{CE6537A1-D6FC-4f65-9D91-7224C49458BB}">
+                  <c15:spPr xmlns:c15="http://schemas.microsoft.com/office/drawing/2012/chart">
+                    <a:prstGeom prst="rect">
+                      <a:avLst/>
+                    </a:prstGeom>
+                  </c15:spPr>
+                  <c15:layout/>
+                </c:ext>
+              </c:extLst>
+            </c:dLbl>
+            <c:dLbl>
+              <c:idx val="10"/>
+              <c:layout>
+                <c:manualLayout>
+                  <c:x val="0"/>
+                  <c:y val="-0.40150855816652159"/>
+                </c:manualLayout>
+              </c:layout>
+              <c:numFmt formatCode="#,##0.0;&quot;-&quot;#,##0.0" sourceLinked="0"/>
+              <c:spPr>
+                <a:noFill/>
+                <a:ln>
+                  <a:noFill/>
+                </a:ln>
+              </c:spPr>
+              <c:txPr>
+                <a:bodyPr wrap="none"/>
+                <a:lstStyle/>
+                <a:p>
+                  <a:pPr>
+                    <a:defRPr sz="1400" kern="1200">
+                      <a:solidFill>
+                        <a:schemeClr val="tx1"/>
+                      </a:solidFill>
+                      <a:latin typeface="+mn-lt"/>
+                      <a:ea typeface="+mn-ea"/>
+                      <a:cs typeface="+mn-cs"/>
+                    </a:defRPr>
+                  </a:pPr>
+                  <a:endParaRPr lang="pt-BR"/>
+                </a:p>
+              </c:txPr>
+              <c:dLblPos val="ctr"/>
+              <c:showLegendKey val="0"/>
+              <c:showVal val="1"/>
+              <c:showCatName val="0"/>
+              <c:showSerName val="0"/>
+              <c:showPercent val="0"/>
+              <c:showBubbleSize val="0"/>
+              <c:extLst>
+                <c:ext xmlns:c15="http://schemas.microsoft.com/office/drawing/2012/chart" uri="{CE6537A1-D6FC-4f65-9D91-7224C49458BB}">
+                  <c15:spPr xmlns:c15="http://schemas.microsoft.com/office/drawing/2012/chart">
+                    <a:prstGeom prst="rect">
+                      <a:avLst/>
+                    </a:prstGeom>
+                  </c15:spPr>
+                  <c15:layout/>
+                </c:ext>
+              </c:extLst>
+            </c:dLbl>
+            <c:dLbl>
+              <c:idx val="11"/>
+              <c:layout>
+                <c:manualLayout>
+                  <c:x val="0"/>
+                  <c:y val="-0.37452857557296199"/>
+                </c:manualLayout>
+              </c:layout>
+              <c:numFmt formatCode="#,##0.0;&quot;-&quot;#,##0.0" sourceLinked="0"/>
+              <c:spPr>
+                <a:noFill/>
+                <a:ln>
+                  <a:noFill/>
+                </a:ln>
+              </c:spPr>
+              <c:txPr>
+                <a:bodyPr wrap="none"/>
+                <a:lstStyle/>
+                <a:p>
+                  <a:pPr>
+                    <a:defRPr sz="1400" kern="1200">
+                      <a:solidFill>
+                        <a:schemeClr val="tx1"/>
+                      </a:solidFill>
+                      <a:latin typeface="+mn-lt"/>
+                      <a:ea typeface="+mn-ea"/>
+                      <a:cs typeface="+mn-cs"/>
+                    </a:defRPr>
+                  </a:pPr>
+                  <a:endParaRPr lang="pt-BR"/>
+                </a:p>
+              </c:txPr>
+              <c:dLblPos val="ctr"/>
+              <c:showLegendKey val="0"/>
+              <c:showVal val="1"/>
+              <c:showCatName val="0"/>
+              <c:showSerName val="0"/>
+              <c:showPercent val="0"/>
+              <c:showBubbleSize val="0"/>
+              <c:extLst>
+                <c:ext xmlns:c15="http://schemas.microsoft.com/office/drawing/2012/chart" uri="{CE6537A1-D6FC-4f65-9D91-7224C49458BB}">
+                  <c15:spPr xmlns:c15="http://schemas.microsoft.com/office/drawing/2012/chart">
+                    <a:prstGeom prst="rect">
+                      <a:avLst/>
+                    </a:prstGeom>
+                  </c15:spPr>
+                  <c15:layout/>
+                </c:ext>
+              </c:extLst>
+            </c:dLbl>
+            <c:spPr>
+              <a:noFill/>
+              <a:ln>
+                <a:noFill/>
+              </a:ln>
+              <a:effectLst/>
+            </c:spPr>
+            <c:showLegendKey val="0"/>
+            <c:showVal val="0"/>
+            <c:showCatName val="0"/>
+            <c:showSerName val="0"/>
+            <c:showPercent val="0"/>
+            <c:showBubbleSize val="0"/>
+            <c:extLst>
+              <c:ext xmlns:c15="http://schemas.microsoft.com/office/drawing/2012/chart" uri="{CE6537A1-D6FC-4f65-9D91-7224C49458BB}">
+                <c15:showLeaderLines val="0"/>
+              </c:ext>
+            </c:extLst>
+          </c:dLbls>
+          <c:val>
+            <c:numRef>
+              <c:f>Sheet1!$A$1:$L$1</c:f>
+              <c:numCache>
+                <c:formatCode>General</c:formatCode>
+                <c:ptCount val="12"/>
+                <c:pt idx="0">
+                  <c:v>180</c:v>
+                </c:pt>
+                <c:pt idx="1">
+                  <c:v>130</c:v>
+                </c:pt>
+                <c:pt idx="2">
+                  <c:v>130</c:v>
+                </c:pt>
+                <c:pt idx="3">
+                  <c:v>140</c:v>
+                </c:pt>
+                <c:pt idx="4">
+                  <c:v>190</c:v>
+                </c:pt>
+                <c:pt idx="5">
+                  <c:v>160</c:v>
+                </c:pt>
+                <c:pt idx="6">
+                  <c:v>200</c:v>
+                </c:pt>
+                <c:pt idx="7">
+                  <c:v>170</c:v>
+                </c:pt>
+                <c:pt idx="8">
+                  <c:v>130</c:v>
+                </c:pt>
+                <c:pt idx="9">
+                  <c:v>170</c:v>
+                </c:pt>
+                <c:pt idx="10">
+                  <c:v>180</c:v>
+                </c:pt>
+                <c:pt idx="11">
+                  <c:v>170</c:v>
+                </c:pt>
+              </c:numCache>
+            </c:numRef>
+          </c:val>
+        </c:ser>
+        <c:dLbls>
+          <c:showLegendKey val="0"/>
+          <c:showVal val="0"/>
+          <c:showCatName val="0"/>
+          <c:showSerName val="0"/>
+          <c:showPercent val="0"/>
+          <c:showBubbleSize val="0"/>
+        </c:dLbls>
+        <c:gapWidth val="80"/>
+        <c:overlap val="100"/>
+        <c:axId val="1494985488"/>
+        <c:axId val="1494986032"/>
+      </c:barChart>
+      <c:catAx>
+        <c:axId val="1494985488"/>
+        <c:scaling>
+          <c:orientation val="minMax"/>
+        </c:scaling>
+        <c:delete val="0"/>
+        <c:axPos val="b"/>
+        <c:majorGridlines>
+          <c:spPr>
+            <a:ln>
+              <a:noFill/>
+            </a:ln>
+          </c:spPr>
+        </c:majorGridlines>
+        <c:majorTickMark val="none"/>
+        <c:minorTickMark val="none"/>
+        <c:tickLblPos val="none"/>
+        <c:spPr>
+          <a:ln w="9525" cmpd="sng" algn="ctr">
+            <a:solidFill>
+              <a:schemeClr val="tx1"/>
+            </a:solidFill>
+            <a:prstDash val="solid"/>
+          </a:ln>
+        </c:spPr>
+        <c:crossAx val="1494986032"/>
+        <c:crosses val="min"/>
+        <c:auto val="0"/>
+        <c:lblAlgn val="ctr"/>
+        <c:lblOffset val="100"/>
+        <c:noMultiLvlLbl val="0"/>
+      </c:catAx>
+      <c:valAx>
+        <c:axId val="1494986032"/>
+        <c:scaling>
+          <c:orientation val="minMax"/>
+          <c:max val="200"/>
+          <c:min val="40"/>
+        </c:scaling>
+        <c:delete val="1"/>
+        <c:axPos val="l"/>
+        <c:numFmt formatCode="General" sourceLinked="1"/>
+        <c:majorTickMark val="out"/>
+        <c:minorTickMark val="none"/>
+        <c:tickLblPos val="nextTo"/>
+        <c:crossAx val="1494985488"/>
+        <c:crosses val="min"/>
+        <c:crossBetween val="between"/>
+      </c:valAx>
+    </c:plotArea>
+    <c:plotVisOnly val="0"/>
+    <c:dispBlanksAs val="gap"/>
+    <c:showDLblsOverMax val="1"/>
+  </c:chart>
+  <c:externalData r:id="rId1">
+    <c:autoUpdate val="0"/>
+  </c:externalData>
+</c:chartSpace>
+</file>
+
+<file path=ppt/charts/chart3.xml><?xml version="1.0" encoding="utf-8"?>
+<c:chartSpace xmlns:c="http://schemas.openxmlformats.org/drawingml/2006/chart" xmlns:a="http://schemas.openxmlformats.org/drawingml/2006/main" xmlns:r="http://schemas.openxmlformats.org/officeDocument/2006/relationships">
+  <c:date1904 val="0"/>
+  <c:lang val="en-US"/>
+  <c:roundedCorners val="0"/>
+  <mc:AlternateContent xmlns:mc="http://schemas.openxmlformats.org/markup-compatibility/2006">
+    <mc:Choice xmlns:c14="http://schemas.microsoft.com/office/drawing/2007/8/2/chart" Requires="c14">
+      <c14:style val="102"/>
+    </mc:Choice>
+    <mc:Fallback>
+      <c:style val="2"/>
+    </mc:Fallback>
+  </mc:AlternateContent>
+  <c:chart>
+    <c:autoTitleDeleted val="0"/>
+    <c:plotArea>
+      <c:layout>
+        <c:manualLayout>
+          <c:layoutTarget val="inner"/>
+          <c:xMode val="edge"/>
+          <c:yMode val="edge"/>
+          <c:x val="3.1376122900663973E-2"/>
+          <c:y val="8.4848484848484854E-2"/>
+          <c:w val="0.93724775419867201"/>
+          <c:h val="0.82279942279942275"/>
+        </c:manualLayout>
+      </c:layout>
+      <c:scatterChart>
+        <c:scatterStyle val="lineMarker"/>
+        <c:varyColors val="0"/>
+        <c:ser>
+          <c:idx val="0"/>
+          <c:order val="0"/>
+          <c:spPr>
+            <a:ln w="19050" cmpd="sng" algn="ctr">
+              <a:solidFill>
+                <a:schemeClr val="accent6"/>
+              </a:solidFill>
+              <a:prstDash val="solid"/>
+            </a:ln>
+          </c:spPr>
+          <c:marker>
+            <c:symbol val="none"/>
+          </c:marker>
+          <c:dLbls>
+            <c:dLbl>
+              <c:idx val="0"/>
+              <c:layout>
+                <c:manualLayout>
+                  <c:x val="0"/>
+                  <c:y val="-2.9148629148629149E-2"/>
+                </c:manualLayout>
+              </c:layout>
+              <c:numFmt formatCode="#,##0;&quot;-&quot;#,##0" sourceLinked="0"/>
+              <c:spPr>
+                <a:noFill/>
+                <a:ln>
+                  <a:noFill/>
+                </a:ln>
+              </c:spPr>
+              <c:txPr>
+                <a:bodyPr wrap="none"/>
+                <a:lstStyle/>
+                <a:p>
+                  <a:pPr>
+                    <a:defRPr sz="1400" kern="1200">
+                      <a:solidFill>
+                        <a:schemeClr val="tx1"/>
+                      </a:solidFill>
+                      <a:latin typeface="+mn-lt"/>
+                      <a:ea typeface="+mn-ea"/>
+                      <a:cs typeface="+mn-cs"/>
+                    </a:defRPr>
+                  </a:pPr>
+                  <a:endParaRPr lang="pt-BR"/>
+                </a:p>
+              </c:txPr>
+              <c:dLblPos val="ctr"/>
+              <c:showLegendKey val="0"/>
+              <c:showVal val="1"/>
+              <c:showCatName val="0"/>
+              <c:showSerName val="0"/>
+              <c:showPercent val="0"/>
+              <c:showBubbleSize val="0"/>
+              <c:extLst>
+                <c:ext xmlns:c15="http://schemas.microsoft.com/office/drawing/2012/chart" uri="{CE6537A1-D6FC-4f65-9D91-7224C49458BB}">
+                  <c15:spPr xmlns:c15="http://schemas.microsoft.com/office/drawing/2012/chart">
+                    <a:prstGeom prst="rect">
+                      <a:avLst/>
+                    </a:prstGeom>
+                  </c15:spPr>
+                  <c15:layout/>
+                </c:ext>
+              </c:extLst>
+            </c:dLbl>
+            <c:dLbl>
+              <c:idx val="1"/>
+              <c:layout>
+                <c:manualLayout>
+                  <c:x val="0"/>
+                  <c:y val="-2.9148629148629149E-2"/>
+                </c:manualLayout>
+              </c:layout>
+              <c:numFmt formatCode="#,##0;&quot;-&quot;#,##0" sourceLinked="0"/>
+              <c:spPr>
+                <a:noFill/>
+                <a:ln>
+                  <a:noFill/>
+                </a:ln>
+              </c:spPr>
+              <c:txPr>
+                <a:bodyPr wrap="none"/>
+                <a:lstStyle/>
+                <a:p>
+                  <a:pPr>
+                    <a:defRPr sz="1400" kern="1200">
+                      <a:solidFill>
+                        <a:schemeClr val="tx1"/>
+                      </a:solidFill>
+                      <a:latin typeface="+mn-lt"/>
+                      <a:ea typeface="+mn-ea"/>
+                      <a:cs typeface="+mn-cs"/>
+                    </a:defRPr>
+                  </a:pPr>
+                  <a:endParaRPr lang="pt-BR"/>
+                </a:p>
+              </c:txPr>
+              <c:dLblPos val="ctr"/>
+              <c:showLegendKey val="0"/>
+              <c:showVal val="1"/>
+              <c:showCatName val="0"/>
+              <c:showSerName val="0"/>
+              <c:showPercent val="0"/>
+              <c:showBubbleSize val="0"/>
+              <c:extLst>
+                <c:ext xmlns:c15="http://schemas.microsoft.com/office/drawing/2012/chart" uri="{CE6537A1-D6FC-4f65-9D91-7224C49458BB}">
+                  <c15:spPr xmlns:c15="http://schemas.microsoft.com/office/drawing/2012/chart">
+                    <a:prstGeom prst="rect">
+                      <a:avLst/>
+                    </a:prstGeom>
+                  </c15:spPr>
+                  <c15:layout/>
+                </c:ext>
+              </c:extLst>
+            </c:dLbl>
+            <c:dLbl>
+              <c:idx val="2"/>
+              <c:layout>
+                <c:manualLayout>
+                  <c:x val="0"/>
+                  <c:y val="-2.9148629148629149E-2"/>
+                </c:manualLayout>
+              </c:layout>
+              <c:numFmt formatCode="#,##0;&quot;-&quot;#,##0" sourceLinked="0"/>
+              <c:spPr>
+                <a:noFill/>
+                <a:ln>
+                  <a:noFill/>
+                </a:ln>
+              </c:spPr>
+              <c:txPr>
+                <a:bodyPr wrap="none"/>
+                <a:lstStyle/>
+                <a:p>
+                  <a:pPr>
+                    <a:defRPr sz="1400" kern="1200">
+                      <a:solidFill>
+                        <a:schemeClr val="tx1"/>
+                      </a:solidFill>
+                      <a:latin typeface="+mn-lt"/>
+                      <a:ea typeface="+mn-ea"/>
+                      <a:cs typeface="+mn-cs"/>
+                    </a:defRPr>
+                  </a:pPr>
+                  <a:endParaRPr lang="pt-BR"/>
+                </a:p>
+              </c:txPr>
+              <c:dLblPos val="ctr"/>
+              <c:showLegendKey val="0"/>
+              <c:showVal val="1"/>
+              <c:showCatName val="0"/>
+              <c:showSerName val="0"/>
+              <c:showPercent val="0"/>
+              <c:showBubbleSize val="0"/>
+              <c:extLst>
+                <c:ext xmlns:c15="http://schemas.microsoft.com/office/drawing/2012/chart" uri="{CE6537A1-D6FC-4f65-9D91-7224C49458BB}">
+                  <c15:spPr xmlns:c15="http://schemas.microsoft.com/office/drawing/2012/chart">
+                    <a:prstGeom prst="rect">
+                      <a:avLst/>
+                    </a:prstGeom>
+                  </c15:spPr>
+                  <c15:layout/>
+                </c:ext>
+              </c:extLst>
+            </c:dLbl>
+            <c:spPr>
+              <a:noFill/>
+              <a:ln>
+                <a:noFill/>
+              </a:ln>
+              <a:effectLst/>
+            </c:spPr>
+            <c:showLegendKey val="0"/>
+            <c:showVal val="0"/>
+            <c:showCatName val="0"/>
+            <c:showSerName val="0"/>
+            <c:showPercent val="0"/>
+            <c:showBubbleSize val="0"/>
+            <c:extLst>
+              <c:ext xmlns:c15="http://schemas.microsoft.com/office/drawing/2012/chart" uri="{CE6537A1-D6FC-4f65-9D91-7224C49458BB}">
+                <c15:showLeaderLines val="0"/>
+              </c:ext>
+            </c:extLst>
+          </c:dLbls>
+          <c:xVal>
+            <c:numRef>
+              <c:f>Sheet1!$A$1:$C$1</c:f>
+              <c:numCache>
+                <c:formatCode>General</c:formatCode>
+                <c:ptCount val="3"/>
+                <c:pt idx="0">
+                  <c:v>2022</c:v>
+                </c:pt>
+                <c:pt idx="1">
+                  <c:v>2023</c:v>
+                </c:pt>
+                <c:pt idx="2">
+                  <c:v>2024</c:v>
+                </c:pt>
+              </c:numCache>
+            </c:numRef>
+          </c:xVal>
+          <c:yVal>
+            <c:numRef>
+              <c:f>Sheet1!$A$2:$C$2</c:f>
+              <c:numCache>
+                <c:formatCode>General</c:formatCode>
+                <c:ptCount val="3"/>
+                <c:pt idx="0">
+                  <c:v>110</c:v>
+                </c:pt>
+                <c:pt idx="1">
+                  <c:v>126</c:v>
+                </c:pt>
+                <c:pt idx="2">
+                  <c:v>161</c:v>
+                </c:pt>
+              </c:numCache>
+            </c:numRef>
+          </c:yVal>
+          <c:smooth val="0"/>
+        </c:ser>
+        <c:dLbls>
+          <c:showLegendKey val="0"/>
+          <c:showVal val="0"/>
+          <c:showCatName val="0"/>
+          <c:showSerName val="0"/>
+          <c:showPercent val="0"/>
+          <c:showBubbleSize val="0"/>
+        </c:dLbls>
+        <c:axId val="1491364608"/>
+        <c:axId val="1491366784"/>
+      </c:scatterChart>
+      <c:valAx>
+        <c:axId val="1491364608"/>
+        <c:scaling>
+          <c:orientation val="minMax"/>
+          <c:max val="2024"/>
+          <c:min val="2022"/>
+        </c:scaling>
+        <c:delete val="0"/>
+        <c:axPos val="b"/>
+        <c:majorGridlines>
+          <c:spPr>
+            <a:ln>
+              <a:noFill/>
+            </a:ln>
+          </c:spPr>
+        </c:majorGridlines>
+        <c:numFmt formatCode="0;&quot;-&quot;0" sourceLinked="0"/>
+        <c:majorTickMark val="out"/>
+        <c:minorTickMark val="none"/>
+        <c:tickLblPos val="nextTo"/>
+        <c:spPr>
+          <a:ln w="9525" cmpd="sng" algn="ctr">
+            <a:solidFill>
+              <a:schemeClr val="tx1"/>
+            </a:solidFill>
+            <a:prstDash val="solid"/>
+          </a:ln>
+        </c:spPr>
+        <c:txPr>
+          <a:bodyPr wrap="none"/>
+          <a:lstStyle/>
+          <a:p>
+            <a:pPr>
+              <a:defRPr sz="1400" kern="1200">
+                <a:solidFill>
+                  <a:schemeClr val="tx1"/>
+                </a:solidFill>
+                <a:latin typeface="+mn-lt"/>
+                <a:ea typeface="+mn-ea"/>
+                <a:cs typeface="+mn-cs"/>
+              </a:defRPr>
+            </a:pPr>
+            <a:endParaRPr lang="pt-BR"/>
+          </a:p>
+        </c:txPr>
+        <c:crossAx val="1491366784"/>
+        <c:crosses val="min"/>
+        <c:crossBetween val="midCat"/>
+        <c:majorUnit val="1"/>
+      </c:valAx>
+      <c:valAx>
+        <c:axId val="1491366784"/>
+        <c:scaling>
+          <c:orientation val="minMax"/>
+          <c:max val="161"/>
+          <c:min val="60"/>
+        </c:scaling>
+        <c:delete val="1"/>
+        <c:axPos val="l"/>
+        <c:numFmt formatCode="General" sourceLinked="1"/>
+        <c:majorTickMark val="out"/>
+        <c:minorTickMark val="none"/>
+        <c:tickLblPos val="nextTo"/>
+        <c:crossAx val="1491364608"/>
+        <c:crosses val="min"/>
+        <c:crossBetween val="midCat"/>
       </c:valAx>
     </c:plotArea>
     <c:plotVisOnly val="0"/>
@@ -2619,7 +3749,7 @@
           <a:graphicData uri="http://schemas.openxmlformats.org/presentationml/2006/ole">
             <mc:AlternateContent xmlns:mc="http://schemas.openxmlformats.org/markup-compatibility/2006">
               <mc:Choice xmlns:v="urn:schemas-microsoft-com:vml" Requires="v">
-                <p:oleObj spid="_x0000_s1028" name="think-cell Slide" r:id="rId15" imgW="425" imgH="424" progId="TCLayout.ActiveDocument.1">
+                <p:oleObj spid="_x0000_s1031" name="think-cell Slide" r:id="rId15" imgW="425" imgH="424" progId="TCLayout.ActiveDocument.1">
                   <p:embed/>
                 </p:oleObj>
               </mc:Choice>
@@ -3201,7 +4331,7 @@
             </p:custDataLst>
             <p:extLst>
               <p:ext uri="{D42A27DB-BD31-4B8C-83A1-F6EECF244321}">
-                <p14:modId xmlns:p14="http://schemas.microsoft.com/office/powerpoint/2010/main" val="2170303695"/>
+                <p14:modId xmlns:p14="http://schemas.microsoft.com/office/powerpoint/2010/main" val="4166000055"/>
               </p:ext>
             </p:extLst>
           </p:nvPr>
@@ -3214,12 +4344,12 @@
           <a:graphicData uri="http://schemas.openxmlformats.org/presentationml/2006/ole">
             <mc:AlternateContent xmlns:mc="http://schemas.openxmlformats.org/markup-compatibility/2006">
               <mc:Choice xmlns:v="urn:schemas-microsoft-com:vml" Requires="v">
-                <p:oleObj spid="_x0000_s2053" name="think-cell Slide" r:id="rId29" imgW="425" imgH="424" progId="TCLayout.ActiveDocument.1">
+                <p:oleObj spid="_x0000_s2056" name="think-cell Slide" r:id="rId33" imgW="425" imgH="424" progId="TCLayout.ActiveDocument.1">
                   <p:embed/>
                 </p:oleObj>
               </mc:Choice>
               <mc:Fallback>
-                <p:oleObj name="think-cell Slide" r:id="rId29" imgW="425" imgH="424" progId="TCLayout.ActiveDocument.1">
+                <p:oleObj name="think-cell Slide" r:id="rId33" imgW="425" imgH="424" progId="TCLayout.ActiveDocument.1">
                   <p:embed/>
                   <p:pic>
                     <p:nvPicPr>
@@ -3228,7 +4358,7 @@
                       <p:nvPr/>
                     </p:nvPicPr>
                     <p:blipFill>
-                      <a:blip r:embed="rId30"/>
+                      <a:blip r:embed="rId34"/>
                       <a:stretch>
                         <a:fillRect/>
                       </a:stretch>
@@ -3251,7 +4381,7 @@
       </p:graphicFrame>
       <p:graphicFrame>
         <p:nvGraphicFramePr>
-          <p:cNvPr id="255" name="Chart 254"/>
+          <p:cNvPr id="57" name="Chart 56"/>
           <p:cNvGraphicFramePr/>
           <p:nvPr>
             <p:custDataLst>
@@ -3259,7 +4389,7 @@
             </p:custDataLst>
             <p:extLst>
               <p:ext uri="{D42A27DB-BD31-4B8C-83A1-F6EECF244321}">
-                <p14:modId xmlns:p14="http://schemas.microsoft.com/office/powerpoint/2010/main" val="4121094408"/>
+                <p14:modId xmlns:p14="http://schemas.microsoft.com/office/powerpoint/2010/main" val="2211940107"/>
               </p:ext>
             </p:extLst>
           </p:nvPr>
@@ -3270,10 +4400,142 @@
         </p:xfrm>
         <a:graphic>
           <a:graphicData uri="http://schemas.openxmlformats.org/drawingml/2006/chart">
-            <c:chart xmlns:c="http://schemas.openxmlformats.org/drawingml/2006/chart" xmlns:r="http://schemas.openxmlformats.org/officeDocument/2006/relationships" r:id="rId31"/>
+            <c:chart xmlns:c="http://schemas.openxmlformats.org/drawingml/2006/chart" xmlns:r="http://schemas.openxmlformats.org/officeDocument/2006/relationships" r:id="rId35"/>
           </a:graphicData>
         </a:graphic>
       </p:graphicFrame>
+      <p:cxnSp>
+        <p:nvCxnSpPr>
+          <p:cNvPr id="4" name="Straight Connector 3"/>
+          <p:cNvCxnSpPr/>
+          <p:nvPr>
+            <p:custDataLst>
+              <p:tags r:id="rId4"/>
+            </p:custDataLst>
+          </p:nvPr>
+        </p:nvCxnSpPr>
+        <p:spPr bwMode="auto">
+          <a:xfrm flipV="1">
+            <a:off x="6537325" y="1238250"/>
+            <a:ext cx="0" cy="76200"/>
+          </a:xfrm>
+          <a:prstGeom prst="line">
+            <a:avLst/>
+          </a:prstGeom>
+          <a:ln w="12700" cap="flat" cmpd="sng" algn="ctr">
+            <a:solidFill>
+              <a:schemeClr val="tx1"/>
+            </a:solidFill>
+            <a:prstDash val="solid"/>
+            <a:miter lim="800000"/>
+            <a:headEnd type="none" w="med" len="med"/>
+            <a:tailEnd type="none" w="med" len="med"/>
+          </a:ln>
+          <a:effectLst/>
+        </p:spPr>
+        <p:style>
+          <a:lnRef idx="1">
+            <a:schemeClr val="dk1"/>
+          </a:lnRef>
+          <a:fillRef idx="0">
+            <a:schemeClr val="dk1"/>
+          </a:fillRef>
+          <a:effectRef idx="0">
+            <a:schemeClr val="dk1"/>
+          </a:effectRef>
+          <a:fontRef idx="minor">
+            <a:schemeClr val="tx1"/>
+          </a:fontRef>
+        </p:style>
+      </p:cxnSp>
+      <p:cxnSp>
+        <p:nvCxnSpPr>
+          <p:cNvPr id="5" name="Straight Connector 4"/>
+          <p:cNvCxnSpPr/>
+          <p:nvPr>
+            <p:custDataLst>
+              <p:tags r:id="rId5"/>
+            </p:custDataLst>
+          </p:nvPr>
+        </p:nvCxnSpPr>
+        <p:spPr bwMode="auto">
+          <a:xfrm>
+            <a:off x="6537325" y="1238250"/>
+            <a:ext cx="1954213" cy="0"/>
+          </a:xfrm>
+          <a:prstGeom prst="line">
+            <a:avLst/>
+          </a:prstGeom>
+          <a:ln w="12700" cap="flat" cmpd="sng" algn="ctr">
+            <a:solidFill>
+              <a:schemeClr val="tx1"/>
+            </a:solidFill>
+            <a:prstDash val="solid"/>
+            <a:miter lim="800000"/>
+            <a:headEnd type="none" w="med" len="med"/>
+            <a:tailEnd type="none" w="med" len="med"/>
+          </a:ln>
+          <a:effectLst/>
+        </p:spPr>
+        <p:style>
+          <a:lnRef idx="1">
+            <a:schemeClr val="dk1"/>
+          </a:lnRef>
+          <a:fillRef idx="0">
+            <a:schemeClr val="dk1"/>
+          </a:fillRef>
+          <a:effectRef idx="0">
+            <a:schemeClr val="dk1"/>
+          </a:effectRef>
+          <a:fontRef idx="minor">
+            <a:schemeClr val="tx1"/>
+          </a:fontRef>
+        </p:style>
+      </p:cxnSp>
+      <p:cxnSp>
+        <p:nvCxnSpPr>
+          <p:cNvPr id="6" name="Straight Connector 5"/>
+          <p:cNvCxnSpPr/>
+          <p:nvPr>
+            <p:custDataLst>
+              <p:tags r:id="rId6"/>
+            </p:custDataLst>
+          </p:nvPr>
+        </p:nvCxnSpPr>
+        <p:spPr bwMode="auto">
+          <a:xfrm>
+            <a:off x="8491538" y="1238249"/>
+            <a:ext cx="0" cy="1677988"/>
+          </a:xfrm>
+          <a:prstGeom prst="line">
+            <a:avLst/>
+          </a:prstGeom>
+          <a:ln w="12700" cap="flat" cmpd="sng" algn="ctr">
+            <a:solidFill>
+              <a:schemeClr val="tx1"/>
+            </a:solidFill>
+            <a:prstDash val="solid"/>
+            <a:miter lim="800000"/>
+            <a:headEnd type="none" w="med" len="med"/>
+            <a:tailEnd type="triangle" w="med" len="med"/>
+          </a:ln>
+          <a:effectLst/>
+        </p:spPr>
+        <p:style>
+          <a:lnRef idx="1">
+            <a:schemeClr val="dk1"/>
+          </a:lnRef>
+          <a:fillRef idx="0">
+            <a:schemeClr val="dk1"/>
+          </a:fillRef>
+          <a:effectRef idx="0">
+            <a:schemeClr val="dk1"/>
+          </a:effectRef>
+          <a:fontRef idx="minor">
+            <a:schemeClr val="tx1"/>
+          </a:fontRef>
+        </p:style>
+      </p:cxnSp>
       <p:sp>
         <p:nvSpPr>
           <p:cNvPr id="38" name="Text Placeholder 2"/>
@@ -3282,7 +4544,7 @@
           </p:cNvSpPr>
           <p:nvPr>
             <p:custDataLst>
-              <p:tags r:id="rId4"/>
+              <p:tags r:id="rId7"/>
             </p:custDataLst>
           </p:nvPr>
         </p:nvSpPr>
@@ -3504,7 +4766,7 @@
           </p:cNvSpPr>
           <p:nvPr>
             <p:custDataLst>
-              <p:tags r:id="rId5"/>
+              <p:tags r:id="rId8"/>
             </p:custDataLst>
           </p:nvPr>
         </p:nvSpPr>
@@ -3726,7 +4988,7 @@
           </p:cNvSpPr>
           <p:nvPr>
             <p:custDataLst>
-              <p:tags r:id="rId6"/>
+              <p:tags r:id="rId9"/>
             </p:custDataLst>
           </p:nvPr>
         </p:nvSpPr>
@@ -3948,7 +5210,7 @@
           </p:cNvSpPr>
           <p:nvPr>
             <p:custDataLst>
-              <p:tags r:id="rId7"/>
+              <p:tags r:id="rId10"/>
             </p:custDataLst>
           </p:nvPr>
         </p:nvSpPr>
@@ -4170,7 +5432,7 @@
           </p:cNvSpPr>
           <p:nvPr>
             <p:custDataLst>
-              <p:tags r:id="rId8"/>
+              <p:tags r:id="rId11"/>
             </p:custDataLst>
           </p:nvPr>
         </p:nvSpPr>
@@ -4392,7 +5654,7 @@
           </p:cNvSpPr>
           <p:nvPr>
             <p:custDataLst>
-              <p:tags r:id="rId9"/>
+              <p:tags r:id="rId12"/>
             </p:custDataLst>
           </p:nvPr>
         </p:nvSpPr>
@@ -4614,7 +5876,7 @@
           </p:cNvSpPr>
           <p:nvPr>
             <p:custDataLst>
-              <p:tags r:id="rId10"/>
+              <p:tags r:id="rId13"/>
             </p:custDataLst>
           </p:nvPr>
         </p:nvSpPr>
@@ -4836,7 +6098,7 @@
           </p:cNvSpPr>
           <p:nvPr>
             <p:custDataLst>
-              <p:tags r:id="rId11"/>
+              <p:tags r:id="rId14"/>
             </p:custDataLst>
           </p:nvPr>
         </p:nvSpPr>
@@ -5058,7 +6320,7 @@
           </p:cNvSpPr>
           <p:nvPr>
             <p:custDataLst>
-              <p:tags r:id="rId12"/>
+              <p:tags r:id="rId15"/>
             </p:custDataLst>
           </p:nvPr>
         </p:nvSpPr>
@@ -5280,7 +6542,7 @@
           </p:cNvSpPr>
           <p:nvPr>
             <p:custDataLst>
-              <p:tags r:id="rId13"/>
+              <p:tags r:id="rId16"/>
             </p:custDataLst>
           </p:nvPr>
         </p:nvSpPr>
@@ -5502,7 +6764,7 @@
           </p:cNvSpPr>
           <p:nvPr>
             <p:custDataLst>
-              <p:tags r:id="rId14"/>
+              <p:tags r:id="rId17"/>
             </p:custDataLst>
           </p:nvPr>
         </p:nvSpPr>
@@ -5724,7 +6986,7 @@
           </p:cNvSpPr>
           <p:nvPr>
             <p:custDataLst>
-              <p:tags r:id="rId15"/>
+              <p:tags r:id="rId18"/>
             </p:custDataLst>
           </p:nvPr>
         </p:nvSpPr>
@@ -5946,7 +7208,7 @@
           </p:cNvSpPr>
           <p:nvPr>
             <p:custDataLst>
-              <p:tags r:id="rId16"/>
+              <p:tags r:id="rId19"/>
             </p:custDataLst>
           </p:nvPr>
         </p:nvSpPr>
@@ -6172,7 +7434,7 @@
           </p:cNvSpPr>
           <p:nvPr>
             <p:custDataLst>
-              <p:tags r:id="rId17"/>
+              <p:tags r:id="rId20"/>
             </p:custDataLst>
           </p:nvPr>
         </p:nvSpPr>
@@ -6394,7 +7656,7 @@
           </p:cNvSpPr>
           <p:nvPr>
             <p:custDataLst>
-              <p:tags r:id="rId18"/>
+              <p:tags r:id="rId21"/>
             </p:custDataLst>
           </p:nvPr>
         </p:nvSpPr>
@@ -6616,7 +7878,7 @@
           </p:cNvSpPr>
           <p:nvPr>
             <p:custDataLst>
-              <p:tags r:id="rId19"/>
+              <p:tags r:id="rId22"/>
             </p:custDataLst>
           </p:nvPr>
         </p:nvSpPr>
@@ -6838,7 +8100,7 @@
           </p:cNvSpPr>
           <p:nvPr>
             <p:custDataLst>
-              <p:tags r:id="rId20"/>
+              <p:tags r:id="rId23"/>
             </p:custDataLst>
           </p:nvPr>
         </p:nvSpPr>
@@ -7060,7 +8322,7 @@
           </p:cNvSpPr>
           <p:nvPr>
             <p:custDataLst>
-              <p:tags r:id="rId21"/>
+              <p:tags r:id="rId24"/>
             </p:custDataLst>
           </p:nvPr>
         </p:nvSpPr>
@@ -7282,7 +8544,7 @@
           </p:cNvSpPr>
           <p:nvPr>
             <p:custDataLst>
-              <p:tags r:id="rId22"/>
+              <p:tags r:id="rId25"/>
             </p:custDataLst>
           </p:nvPr>
         </p:nvSpPr>
@@ -7504,7 +8766,7 @@
           </p:cNvSpPr>
           <p:nvPr>
             <p:custDataLst>
-              <p:tags r:id="rId23"/>
+              <p:tags r:id="rId26"/>
             </p:custDataLst>
           </p:nvPr>
         </p:nvSpPr>
@@ -7726,7 +8988,7 @@
           </p:cNvSpPr>
           <p:nvPr>
             <p:custDataLst>
-              <p:tags r:id="rId24"/>
+              <p:tags r:id="rId27"/>
             </p:custDataLst>
           </p:nvPr>
         </p:nvSpPr>
@@ -7948,7 +9210,7 @@
           </p:cNvSpPr>
           <p:nvPr>
             <p:custDataLst>
-              <p:tags r:id="rId25"/>
+              <p:tags r:id="rId28"/>
             </p:custDataLst>
           </p:nvPr>
         </p:nvSpPr>
@@ -8170,7 +9432,7 @@
           </p:cNvSpPr>
           <p:nvPr>
             <p:custDataLst>
-              <p:tags r:id="rId26"/>
+              <p:tags r:id="rId29"/>
             </p:custDataLst>
           </p:nvPr>
         </p:nvSpPr>
@@ -8392,7 +9654,7 @@
           </p:cNvSpPr>
           <p:nvPr>
             <p:custDataLst>
-              <p:tags r:id="rId27"/>
+              <p:tags r:id="rId30"/>
             </p:custDataLst>
           </p:nvPr>
         </p:nvSpPr>
@@ -8603,6 +9865,223 @@
               <a:t>141,7</a:t>
             </a:fld>
             <a:endParaRPr lang="pt-BR" sz="1400" dirty="0"/>
+          </a:p>
+        </p:txBody>
+      </p:sp>
+      <p:sp>
+        <p:nvSpPr>
+          <p:cNvPr id="34" name="Text Placeholder 2"/>
+          <p:cNvSpPr>
+            <a:spLocks noGrp="1"/>
+          </p:cNvSpPr>
+          <p:nvPr>
+            <p:custDataLst>
+              <p:tags r:id="rId31"/>
+            </p:custDataLst>
+          </p:nvPr>
+        </p:nvSpPr>
+        <p:spPr bwMode="auto">
+          <a:xfrm>
+            <a:off x="7254875" y="1101725"/>
+            <a:ext cx="517525" cy="273050"/>
+          </a:xfrm>
+          <a:prstGeom prst="ellipse">
+            <a:avLst/>
+          </a:prstGeom>
+          <a:solidFill>
+            <a:schemeClr val="bg1"/>
+          </a:solidFill>
+          <a:ln w="9525" cmpd="sng" algn="ctr">
+            <a:solidFill>
+              <a:schemeClr val="tx1"/>
+            </a:solidFill>
+          </a:ln>
+          <a:effectLst/>
+        </p:spPr>
+        <p:txBody>
+          <a:bodyPr vert="horz" wrap="none" lIns="0" tIns="0" rIns="0" bIns="0" rtlCol="0" anchor="ctr">
+            <a:noAutofit/>
+          </a:bodyPr>
+          <a:lstStyle>
+            <a:lvl1pPr marL="228600" indent="-228600" algn="l" defTabSz="914400" rtl="0" eaLnBrk="1" latinLnBrk="0" hangingPunct="1">
+              <a:lnSpc>
+                <a:spcPct val="90000"/>
+              </a:lnSpc>
+              <a:spcBef>
+                <a:spcPts val="1000"/>
+              </a:spcBef>
+              <a:buFont typeface="Arial" panose="020B0604020202020204" pitchFamily="34" charset="0"/>
+              <a:buChar char="•"/>
+              <a:defRPr sz="2800" kern="1200">
+                <a:solidFill>
+                  <a:schemeClr val="tx1"/>
+                </a:solidFill>
+                <a:latin typeface="+mn-lt"/>
+                <a:ea typeface="+mn-ea"/>
+                <a:cs typeface="+mn-cs"/>
+              </a:defRPr>
+            </a:lvl1pPr>
+            <a:lvl2pPr marL="685800" indent="-228600" algn="l" defTabSz="914400" rtl="0" eaLnBrk="1" latinLnBrk="0" hangingPunct="1">
+              <a:lnSpc>
+                <a:spcPct val="90000"/>
+              </a:lnSpc>
+              <a:spcBef>
+                <a:spcPts val="500"/>
+              </a:spcBef>
+              <a:buFont typeface="Arial" panose="020B0604020202020204" pitchFamily="34" charset="0"/>
+              <a:buChar char="•"/>
+              <a:defRPr sz="2400" kern="1200">
+                <a:solidFill>
+                  <a:schemeClr val="tx1"/>
+                </a:solidFill>
+                <a:latin typeface="+mn-lt"/>
+                <a:ea typeface="+mn-ea"/>
+                <a:cs typeface="+mn-cs"/>
+              </a:defRPr>
+            </a:lvl2pPr>
+            <a:lvl3pPr marL="1143000" indent="-228600" algn="l" defTabSz="914400" rtl="0" eaLnBrk="1" latinLnBrk="0" hangingPunct="1">
+              <a:lnSpc>
+                <a:spcPct val="90000"/>
+              </a:lnSpc>
+              <a:spcBef>
+                <a:spcPts val="500"/>
+              </a:spcBef>
+              <a:buFont typeface="Arial" panose="020B0604020202020204" pitchFamily="34" charset="0"/>
+              <a:buChar char="•"/>
+              <a:defRPr sz="2000" kern="1200">
+                <a:solidFill>
+                  <a:schemeClr val="tx1"/>
+                </a:solidFill>
+                <a:latin typeface="+mn-lt"/>
+                <a:ea typeface="+mn-ea"/>
+                <a:cs typeface="+mn-cs"/>
+              </a:defRPr>
+            </a:lvl3pPr>
+            <a:lvl4pPr marL="1600200" indent="-228600" algn="l" defTabSz="914400" rtl="0" eaLnBrk="1" latinLnBrk="0" hangingPunct="1">
+              <a:lnSpc>
+                <a:spcPct val="90000"/>
+              </a:lnSpc>
+              <a:spcBef>
+                <a:spcPts val="500"/>
+              </a:spcBef>
+              <a:buFont typeface="Arial" panose="020B0604020202020204" pitchFamily="34" charset="0"/>
+              <a:buChar char="•"/>
+              <a:defRPr sz="1800" kern="1200">
+                <a:solidFill>
+                  <a:schemeClr val="tx1"/>
+                </a:solidFill>
+                <a:latin typeface="+mn-lt"/>
+                <a:ea typeface="+mn-ea"/>
+                <a:cs typeface="+mn-cs"/>
+              </a:defRPr>
+            </a:lvl4pPr>
+            <a:lvl5pPr marL="2057400" indent="-228600" algn="l" defTabSz="914400" rtl="0" eaLnBrk="1" latinLnBrk="0" hangingPunct="1">
+              <a:lnSpc>
+                <a:spcPct val="90000"/>
+              </a:lnSpc>
+              <a:spcBef>
+                <a:spcPts val="500"/>
+              </a:spcBef>
+              <a:buFont typeface="Arial" panose="020B0604020202020204" pitchFamily="34" charset="0"/>
+              <a:buChar char="•"/>
+              <a:defRPr sz="1800" kern="1200">
+                <a:solidFill>
+                  <a:schemeClr val="tx1"/>
+                </a:solidFill>
+                <a:latin typeface="+mn-lt"/>
+                <a:ea typeface="+mn-ea"/>
+                <a:cs typeface="+mn-cs"/>
+              </a:defRPr>
+            </a:lvl5pPr>
+            <a:lvl6pPr marL="2514600" indent="-228600" algn="l" defTabSz="914400" rtl="0" eaLnBrk="1" latinLnBrk="0" hangingPunct="1">
+              <a:lnSpc>
+                <a:spcPct val="90000"/>
+              </a:lnSpc>
+              <a:spcBef>
+                <a:spcPts val="500"/>
+              </a:spcBef>
+              <a:buFont typeface="Arial" panose="020B0604020202020204" pitchFamily="34" charset="0"/>
+              <a:buChar char="•"/>
+              <a:defRPr sz="1800" kern="1200">
+                <a:solidFill>
+                  <a:schemeClr val="tx1"/>
+                </a:solidFill>
+                <a:latin typeface="+mn-lt"/>
+                <a:ea typeface="+mn-ea"/>
+                <a:cs typeface="+mn-cs"/>
+              </a:defRPr>
+            </a:lvl6pPr>
+            <a:lvl7pPr marL="2971800" indent="-228600" algn="l" defTabSz="914400" rtl="0" eaLnBrk="1" latinLnBrk="0" hangingPunct="1">
+              <a:lnSpc>
+                <a:spcPct val="90000"/>
+              </a:lnSpc>
+              <a:spcBef>
+                <a:spcPts val="500"/>
+              </a:spcBef>
+              <a:buFont typeface="Arial" panose="020B0604020202020204" pitchFamily="34" charset="0"/>
+              <a:buChar char="•"/>
+              <a:defRPr sz="1800" kern="1200">
+                <a:solidFill>
+                  <a:schemeClr val="tx1"/>
+                </a:solidFill>
+                <a:latin typeface="+mn-lt"/>
+                <a:ea typeface="+mn-ea"/>
+                <a:cs typeface="+mn-cs"/>
+              </a:defRPr>
+            </a:lvl7pPr>
+            <a:lvl8pPr marL="3429000" indent="-228600" algn="l" defTabSz="914400" rtl="0" eaLnBrk="1" latinLnBrk="0" hangingPunct="1">
+              <a:lnSpc>
+                <a:spcPct val="90000"/>
+              </a:lnSpc>
+              <a:spcBef>
+                <a:spcPts val="500"/>
+              </a:spcBef>
+              <a:buFont typeface="Arial" panose="020B0604020202020204" pitchFamily="34" charset="0"/>
+              <a:buChar char="•"/>
+              <a:defRPr sz="1800" kern="1200">
+                <a:solidFill>
+                  <a:schemeClr val="tx1"/>
+                </a:solidFill>
+                <a:latin typeface="+mn-lt"/>
+                <a:ea typeface="+mn-ea"/>
+                <a:cs typeface="+mn-cs"/>
+              </a:defRPr>
+            </a:lvl8pPr>
+            <a:lvl9pPr marL="3886200" indent="-228600" algn="l" defTabSz="914400" rtl="0" eaLnBrk="1" latinLnBrk="0" hangingPunct="1">
+              <a:lnSpc>
+                <a:spcPct val="90000"/>
+              </a:lnSpc>
+              <a:spcBef>
+                <a:spcPts val="500"/>
+              </a:spcBef>
+              <a:buFont typeface="Arial" panose="020B0604020202020204" pitchFamily="34" charset="0"/>
+              <a:buChar char="•"/>
+              <a:defRPr sz="1800" kern="1200">
+                <a:solidFill>
+                  <a:schemeClr val="tx1"/>
+                </a:solidFill>
+                <a:latin typeface="+mn-lt"/>
+                <a:ea typeface="+mn-ea"/>
+                <a:cs typeface="+mn-cs"/>
+              </a:defRPr>
+            </a:lvl9pPr>
+          </a:lstStyle>
+          <a:p>
+            <a:pPr marL="0" lvl="0" indent="0" algn="ctr">
+              <a:spcBef>
+                <a:spcPct val="0"/>
+              </a:spcBef>
+              <a:spcAft>
+                <a:spcPct val="0"/>
+              </a:spcAft>
+              <a:buNone/>
+            </a:pPr>
+            <a:fld id="{30BAD561-96EE-4350-941D-28EE6D1BB829}" type="datetime'''''-''''''''''''''''''''''''''''''''''''1''5''%'''">
+              <a:rPr lang="pt-BR" altLang="en-US" sz="1400" b="1" smtClean="0"/>
+              <a:pPr/>
+              <a:t>-15%</a:t>
+            </a:fld>
+            <a:endParaRPr lang="pt-BR" sz="1400" b="1" dirty="0"/>
           </a:p>
         </p:txBody>
       </p:sp>
@@ -8718,7 +10197,7 @@
                 <a:cs typeface="Montserrat"/>
                 <a:sym typeface="Montserrat"/>
               </a:rPr>
-              <a:t>Setembto</a:t>
+              <a:t>Setembro</a:t>
             </a:r>
             <a:r>
               <a:rPr lang="pt-BR" sz="2000" i="0" u="none" strike="noStrike" cap="none" dirty="0" smtClean="0">
@@ -8956,6 +10435,4264 @@
 </p:sld>
 </file>
 
+<file path=ppt/slides/slide2.xml><?xml version="1.0" encoding="utf-8"?>
+<p:sld xmlns:a="http://schemas.openxmlformats.org/drawingml/2006/main" xmlns:r="http://schemas.openxmlformats.org/officeDocument/2006/relationships" xmlns:p="http://schemas.openxmlformats.org/presentationml/2006/main">
+  <p:cSld>
+    <p:spTree>
+      <p:nvGrpSpPr>
+        <p:cNvPr id="1" name=""/>
+        <p:cNvGrpSpPr/>
+        <p:nvPr/>
+      </p:nvGrpSpPr>
+      <p:grpSpPr>
+        <a:xfrm>
+          <a:off x="0" y="0"/>
+          <a:ext cx="0" cy="0"/>
+          <a:chOff x="0" y="0"/>
+          <a:chExt cx="0" cy="0"/>
+        </a:xfrm>
+      </p:grpSpPr>
+      <p:graphicFrame>
+        <p:nvGraphicFramePr>
+          <p:cNvPr id="13" name="think-cell data - do not delete" hidden="1"/>
+          <p:cNvGraphicFramePr>
+            <a:graphicFrameLocks noChangeAspect="1"/>
+          </p:cNvGraphicFramePr>
+          <p:nvPr>
+            <p:custDataLst>
+              <p:tags r:id="rId2"/>
+            </p:custDataLst>
+            <p:extLst>
+              <p:ext uri="{D42A27DB-BD31-4B8C-83A1-F6EECF244321}">
+                <p14:modId xmlns:p14="http://schemas.microsoft.com/office/powerpoint/2010/main" val="246890308"/>
+              </p:ext>
+            </p:extLst>
+          </p:nvPr>
+        </p:nvGraphicFramePr>
+        <p:xfrm>
+          <a:off x="1588" y="1588"/>
+          <a:ext cx="1588" cy="1588"/>
+        </p:xfrm>
+        <a:graphic>
+          <a:graphicData uri="http://schemas.openxmlformats.org/presentationml/2006/ole">
+            <mc:AlternateContent xmlns:mc="http://schemas.openxmlformats.org/markup-compatibility/2006">
+              <mc:Choice xmlns:v="urn:schemas-microsoft-com:vml" Requires="v">
+                <p:oleObj spid="_x0000_s3075" name="think-cell Slide" r:id="rId21" imgW="425" imgH="424" progId="TCLayout.ActiveDocument.1">
+                  <p:embed/>
+                </p:oleObj>
+              </mc:Choice>
+              <mc:Fallback>
+                <p:oleObj name="think-cell Slide" r:id="rId21" imgW="425" imgH="424" progId="TCLayout.ActiveDocument.1">
+                  <p:embed/>
+                  <p:pic>
+                    <p:nvPicPr>
+                      <p:cNvPr id="0" name=""/>
+                      <p:cNvPicPr/>
+                      <p:nvPr/>
+                    </p:nvPicPr>
+                    <p:blipFill>
+                      <a:blip r:embed="rId22"/>
+                      <a:stretch>
+                        <a:fillRect/>
+                      </a:stretch>
+                    </p:blipFill>
+                    <p:spPr>
+                      <a:xfrm>
+                        <a:off x="1588" y="1588"/>
+                        <a:ext cx="1588" cy="1588"/>
+                      </a:xfrm>
+                      <a:prstGeom prst="rect">
+                        <a:avLst/>
+                      </a:prstGeom>
+                    </p:spPr>
+                  </p:pic>
+                </p:oleObj>
+              </mc:Fallback>
+            </mc:AlternateContent>
+          </a:graphicData>
+        </a:graphic>
+      </p:graphicFrame>
+      <p:graphicFrame>
+        <p:nvGraphicFramePr>
+          <p:cNvPr id="183" name="Chart 182"/>
+          <p:cNvGraphicFramePr/>
+          <p:nvPr>
+            <p:custDataLst>
+              <p:tags r:id="rId3"/>
+            </p:custDataLst>
+            <p:extLst>
+              <p:ext uri="{D42A27DB-BD31-4B8C-83A1-F6EECF244321}">
+                <p14:modId xmlns:p14="http://schemas.microsoft.com/office/powerpoint/2010/main" val="351906558"/>
+              </p:ext>
+            </p:extLst>
+          </p:nvPr>
+        </p:nvGraphicFramePr>
+        <p:xfrm>
+          <a:off x="-50800" y="884238"/>
+          <a:ext cx="12336463" cy="5472112"/>
+        </p:xfrm>
+        <a:graphic>
+          <a:graphicData uri="http://schemas.openxmlformats.org/drawingml/2006/chart">
+            <c:chart xmlns:c="http://schemas.openxmlformats.org/drawingml/2006/chart" xmlns:r="http://schemas.openxmlformats.org/officeDocument/2006/relationships" r:id="rId23"/>
+          </a:graphicData>
+        </a:graphic>
+      </p:graphicFrame>
+      <p:cxnSp>
+        <p:nvCxnSpPr>
+          <p:cNvPr id="31" name="Straight Connector 30"/>
+          <p:cNvCxnSpPr/>
+          <p:nvPr>
+            <p:custDataLst>
+              <p:tags r:id="rId4"/>
+            </p:custDataLst>
+          </p:nvPr>
+        </p:nvCxnSpPr>
+        <p:spPr bwMode="auto">
+          <a:xfrm flipV="1">
+            <a:off x="6623050" y="985838"/>
+            <a:ext cx="0" cy="76200"/>
+          </a:xfrm>
+          <a:prstGeom prst="line">
+            <a:avLst/>
+          </a:prstGeom>
+          <a:ln w="12700" cap="flat" cmpd="sng" algn="ctr">
+            <a:solidFill>
+              <a:schemeClr val="tx1"/>
+            </a:solidFill>
+            <a:prstDash val="solid"/>
+            <a:miter lim="800000"/>
+            <a:headEnd type="none" w="med" len="med"/>
+            <a:tailEnd type="none" w="med" len="med"/>
+          </a:ln>
+          <a:effectLst/>
+        </p:spPr>
+        <p:style>
+          <a:lnRef idx="1">
+            <a:schemeClr val="dk1"/>
+          </a:lnRef>
+          <a:fillRef idx="0">
+            <a:schemeClr val="dk1"/>
+          </a:fillRef>
+          <a:effectRef idx="0">
+            <a:schemeClr val="dk1"/>
+          </a:effectRef>
+          <a:fontRef idx="minor">
+            <a:schemeClr val="tx1"/>
+          </a:fontRef>
+        </p:style>
+      </p:cxnSp>
+      <p:cxnSp>
+        <p:nvCxnSpPr>
+          <p:cNvPr id="32" name="Straight Connector 31"/>
+          <p:cNvCxnSpPr/>
+          <p:nvPr>
+            <p:custDataLst>
+              <p:tags r:id="rId5"/>
+            </p:custDataLst>
+          </p:nvPr>
+        </p:nvCxnSpPr>
+        <p:spPr bwMode="auto">
+          <a:xfrm>
+            <a:off x="6623050" y="985838"/>
+            <a:ext cx="2028825" cy="0"/>
+          </a:xfrm>
+          <a:prstGeom prst="line">
+            <a:avLst/>
+          </a:prstGeom>
+          <a:ln w="12700" cap="flat" cmpd="sng" algn="ctr">
+            <a:solidFill>
+              <a:schemeClr val="tx1"/>
+            </a:solidFill>
+            <a:prstDash val="solid"/>
+            <a:miter lim="800000"/>
+            <a:headEnd type="none" w="med" len="med"/>
+            <a:tailEnd type="none" w="med" len="med"/>
+          </a:ln>
+          <a:effectLst/>
+        </p:spPr>
+        <p:style>
+          <a:lnRef idx="1">
+            <a:schemeClr val="dk1"/>
+          </a:lnRef>
+          <a:fillRef idx="0">
+            <a:schemeClr val="dk1"/>
+          </a:fillRef>
+          <a:effectRef idx="0">
+            <a:schemeClr val="dk1"/>
+          </a:effectRef>
+          <a:fontRef idx="minor">
+            <a:schemeClr val="tx1"/>
+          </a:fontRef>
+        </p:style>
+      </p:cxnSp>
+      <p:cxnSp>
+        <p:nvCxnSpPr>
+          <p:cNvPr id="33" name="Straight Connector 32"/>
+          <p:cNvCxnSpPr/>
+          <p:nvPr>
+            <p:custDataLst>
+              <p:tags r:id="rId6"/>
+            </p:custDataLst>
+          </p:nvPr>
+        </p:nvCxnSpPr>
+        <p:spPr bwMode="auto">
+          <a:xfrm>
+            <a:off x="8651875" y="985838"/>
+            <a:ext cx="0" cy="2146300"/>
+          </a:xfrm>
+          <a:prstGeom prst="line">
+            <a:avLst/>
+          </a:prstGeom>
+          <a:ln w="12700" cap="flat" cmpd="sng" algn="ctr">
+            <a:solidFill>
+              <a:schemeClr val="tx1"/>
+            </a:solidFill>
+            <a:prstDash val="solid"/>
+            <a:miter lim="800000"/>
+            <a:headEnd type="none" w="med" len="med"/>
+            <a:tailEnd type="triangle" w="med" len="med"/>
+          </a:ln>
+          <a:effectLst/>
+        </p:spPr>
+        <p:style>
+          <a:lnRef idx="1">
+            <a:schemeClr val="dk1"/>
+          </a:lnRef>
+          <a:fillRef idx="0">
+            <a:schemeClr val="dk1"/>
+          </a:fillRef>
+          <a:effectRef idx="0">
+            <a:schemeClr val="dk1"/>
+          </a:effectRef>
+          <a:fontRef idx="minor">
+            <a:schemeClr val="tx1"/>
+          </a:fontRef>
+        </p:style>
+      </p:cxnSp>
+      <p:sp>
+        <p:nvSpPr>
+          <p:cNvPr id="38" name="Text Placeholder 2"/>
+          <p:cNvSpPr>
+            <a:spLocks noGrp="1"/>
+          </p:cNvSpPr>
+          <p:nvPr>
+            <p:custDataLst>
+              <p:tags r:id="rId7"/>
+            </p:custDataLst>
+          </p:nvPr>
+        </p:nvSpPr>
+        <p:spPr bwMode="auto">
+          <a:xfrm>
+            <a:off x="273050" y="6108700"/>
+            <a:ext cx="531813" cy="192088"/>
+          </a:xfrm>
+          <a:prstGeom prst="rect">
+            <a:avLst/>
+          </a:prstGeom>
+          <a:noFill/>
+          <a:ln>
+            <a:noFill/>
+          </a:ln>
+          <a:effectLst/>
+          <a:extLst>
+            <a:ext uri="{909E8E84-426E-40DD-AFC4-6F175D3DCCD1}">
+              <a14:hiddenFill xmlns:a14="http://schemas.microsoft.com/office/drawing/2010/main">
+                <a:solidFill>
+                  <a:scrgbClr r="0" g="0" b="0"/>
+                </a:solidFill>
+              </a14:hiddenFill>
+            </a:ext>
+          </a:extLst>
+        </p:spPr>
+        <p:txBody>
+          <a:bodyPr vert="horz" wrap="none" lIns="0" tIns="0" rIns="0" bIns="0" rtlCol="0" anchor="t">
+            <a:noAutofit/>
+          </a:bodyPr>
+          <a:lstStyle>
+            <a:lvl1pPr marL="228600" indent="-228600" algn="l" defTabSz="914400" rtl="0" eaLnBrk="1" latinLnBrk="0" hangingPunct="1">
+              <a:lnSpc>
+                <a:spcPct val="90000"/>
+              </a:lnSpc>
+              <a:spcBef>
+                <a:spcPts val="1000"/>
+              </a:spcBef>
+              <a:buFont typeface="Arial" panose="020B0604020202020204" pitchFamily="34" charset="0"/>
+              <a:buChar char="•"/>
+              <a:defRPr sz="2800" kern="1200">
+                <a:solidFill>
+                  <a:schemeClr val="tx1"/>
+                </a:solidFill>
+                <a:latin typeface="+mn-lt"/>
+                <a:ea typeface="+mn-ea"/>
+                <a:cs typeface="+mn-cs"/>
+              </a:defRPr>
+            </a:lvl1pPr>
+            <a:lvl2pPr marL="685800" indent="-228600" algn="l" defTabSz="914400" rtl="0" eaLnBrk="1" latinLnBrk="0" hangingPunct="1">
+              <a:lnSpc>
+                <a:spcPct val="90000"/>
+              </a:lnSpc>
+              <a:spcBef>
+                <a:spcPts val="500"/>
+              </a:spcBef>
+              <a:buFont typeface="Arial" panose="020B0604020202020204" pitchFamily="34" charset="0"/>
+              <a:buChar char="•"/>
+              <a:defRPr sz="2400" kern="1200">
+                <a:solidFill>
+                  <a:schemeClr val="tx1"/>
+                </a:solidFill>
+                <a:latin typeface="+mn-lt"/>
+                <a:ea typeface="+mn-ea"/>
+                <a:cs typeface="+mn-cs"/>
+              </a:defRPr>
+            </a:lvl2pPr>
+            <a:lvl3pPr marL="1143000" indent="-228600" algn="l" defTabSz="914400" rtl="0" eaLnBrk="1" latinLnBrk="0" hangingPunct="1">
+              <a:lnSpc>
+                <a:spcPct val="90000"/>
+              </a:lnSpc>
+              <a:spcBef>
+                <a:spcPts val="500"/>
+              </a:spcBef>
+              <a:buFont typeface="Arial" panose="020B0604020202020204" pitchFamily="34" charset="0"/>
+              <a:buChar char="•"/>
+              <a:defRPr sz="2000" kern="1200">
+                <a:solidFill>
+                  <a:schemeClr val="tx1"/>
+                </a:solidFill>
+                <a:latin typeface="+mn-lt"/>
+                <a:ea typeface="+mn-ea"/>
+                <a:cs typeface="+mn-cs"/>
+              </a:defRPr>
+            </a:lvl3pPr>
+            <a:lvl4pPr marL="1600200" indent="-228600" algn="l" defTabSz="914400" rtl="0" eaLnBrk="1" latinLnBrk="0" hangingPunct="1">
+              <a:lnSpc>
+                <a:spcPct val="90000"/>
+              </a:lnSpc>
+              <a:spcBef>
+                <a:spcPts val="500"/>
+              </a:spcBef>
+              <a:buFont typeface="Arial" panose="020B0604020202020204" pitchFamily="34" charset="0"/>
+              <a:buChar char="•"/>
+              <a:defRPr sz="1800" kern="1200">
+                <a:solidFill>
+                  <a:schemeClr val="tx1"/>
+                </a:solidFill>
+                <a:latin typeface="+mn-lt"/>
+                <a:ea typeface="+mn-ea"/>
+                <a:cs typeface="+mn-cs"/>
+              </a:defRPr>
+            </a:lvl4pPr>
+            <a:lvl5pPr marL="2057400" indent="-228600" algn="l" defTabSz="914400" rtl="0" eaLnBrk="1" latinLnBrk="0" hangingPunct="1">
+              <a:lnSpc>
+                <a:spcPct val="90000"/>
+              </a:lnSpc>
+              <a:spcBef>
+                <a:spcPts val="500"/>
+              </a:spcBef>
+              <a:buFont typeface="Arial" panose="020B0604020202020204" pitchFamily="34" charset="0"/>
+              <a:buChar char="•"/>
+              <a:defRPr sz="1800" kern="1200">
+                <a:solidFill>
+                  <a:schemeClr val="tx1"/>
+                </a:solidFill>
+                <a:latin typeface="+mn-lt"/>
+                <a:ea typeface="+mn-ea"/>
+                <a:cs typeface="+mn-cs"/>
+              </a:defRPr>
+            </a:lvl5pPr>
+            <a:lvl6pPr marL="2514600" indent="-228600" algn="l" defTabSz="914400" rtl="0" eaLnBrk="1" latinLnBrk="0" hangingPunct="1">
+              <a:lnSpc>
+                <a:spcPct val="90000"/>
+              </a:lnSpc>
+              <a:spcBef>
+                <a:spcPts val="500"/>
+              </a:spcBef>
+              <a:buFont typeface="Arial" panose="020B0604020202020204" pitchFamily="34" charset="0"/>
+              <a:buChar char="•"/>
+              <a:defRPr sz="1800" kern="1200">
+                <a:solidFill>
+                  <a:schemeClr val="tx1"/>
+                </a:solidFill>
+                <a:latin typeface="+mn-lt"/>
+                <a:ea typeface="+mn-ea"/>
+                <a:cs typeface="+mn-cs"/>
+              </a:defRPr>
+            </a:lvl6pPr>
+            <a:lvl7pPr marL="2971800" indent="-228600" algn="l" defTabSz="914400" rtl="0" eaLnBrk="1" latinLnBrk="0" hangingPunct="1">
+              <a:lnSpc>
+                <a:spcPct val="90000"/>
+              </a:lnSpc>
+              <a:spcBef>
+                <a:spcPts val="500"/>
+              </a:spcBef>
+              <a:buFont typeface="Arial" panose="020B0604020202020204" pitchFamily="34" charset="0"/>
+              <a:buChar char="•"/>
+              <a:defRPr sz="1800" kern="1200">
+                <a:solidFill>
+                  <a:schemeClr val="tx1"/>
+                </a:solidFill>
+                <a:latin typeface="+mn-lt"/>
+                <a:ea typeface="+mn-ea"/>
+                <a:cs typeface="+mn-cs"/>
+              </a:defRPr>
+            </a:lvl7pPr>
+            <a:lvl8pPr marL="3429000" indent="-228600" algn="l" defTabSz="914400" rtl="0" eaLnBrk="1" latinLnBrk="0" hangingPunct="1">
+              <a:lnSpc>
+                <a:spcPct val="90000"/>
+              </a:lnSpc>
+              <a:spcBef>
+                <a:spcPts val="500"/>
+              </a:spcBef>
+              <a:buFont typeface="Arial" panose="020B0604020202020204" pitchFamily="34" charset="0"/>
+              <a:buChar char="•"/>
+              <a:defRPr sz="1800" kern="1200">
+                <a:solidFill>
+                  <a:schemeClr val="tx1"/>
+                </a:solidFill>
+                <a:latin typeface="+mn-lt"/>
+                <a:ea typeface="+mn-ea"/>
+                <a:cs typeface="+mn-cs"/>
+              </a:defRPr>
+            </a:lvl8pPr>
+            <a:lvl9pPr marL="3886200" indent="-228600" algn="l" defTabSz="914400" rtl="0" eaLnBrk="1" latinLnBrk="0" hangingPunct="1">
+              <a:lnSpc>
+                <a:spcPct val="90000"/>
+              </a:lnSpc>
+              <a:spcBef>
+                <a:spcPts val="500"/>
+              </a:spcBef>
+              <a:buFont typeface="Arial" panose="020B0604020202020204" pitchFamily="34" charset="0"/>
+              <a:buChar char="•"/>
+              <a:defRPr sz="1800" kern="1200">
+                <a:solidFill>
+                  <a:schemeClr val="tx1"/>
+                </a:solidFill>
+                <a:latin typeface="+mn-lt"/>
+                <a:ea typeface="+mn-ea"/>
+                <a:cs typeface="+mn-cs"/>
+              </a:defRPr>
+            </a:lvl9pPr>
+          </a:lstStyle>
+          <a:p>
+            <a:pPr marL="0" lvl="0" indent="0" algn="ctr">
+              <a:spcBef>
+                <a:spcPct val="0"/>
+              </a:spcBef>
+              <a:spcAft>
+                <a:spcPct val="0"/>
+              </a:spcAft>
+              <a:buNone/>
+            </a:pPr>
+            <a:fld id="{9EBB2EFE-5C25-498A-801F-FE2186782CBD}" type="datetime'J''a''n''''''''e''''''i''''''''''''''''''r''''''o'''''''''">
+              <a:rPr lang="pt-BR" altLang="en-US" sz="1400" smtClean="0"/>
+              <a:pPr/>
+              <a:t>Janeiro</a:t>
+            </a:fld>
+            <a:endParaRPr lang="pt-BR" sz="1400" dirty="0"/>
+          </a:p>
+        </p:txBody>
+      </p:sp>
+      <p:sp>
+        <p:nvSpPr>
+          <p:cNvPr id="147" name="Text Placeholder 2"/>
+          <p:cNvSpPr>
+            <a:spLocks noGrp="1"/>
+          </p:cNvSpPr>
+          <p:nvPr>
+            <p:custDataLst>
+              <p:tags r:id="rId8"/>
+            </p:custDataLst>
+          </p:nvPr>
+        </p:nvSpPr>
+        <p:spPr bwMode="auto">
+          <a:xfrm>
+            <a:off x="1208088" y="6108700"/>
+            <a:ext cx="688975" cy="192088"/>
+          </a:xfrm>
+          <a:prstGeom prst="rect">
+            <a:avLst/>
+          </a:prstGeom>
+          <a:noFill/>
+          <a:ln>
+            <a:noFill/>
+          </a:ln>
+          <a:effectLst/>
+          <a:extLst>
+            <a:ext uri="{909E8E84-426E-40DD-AFC4-6F175D3DCCD1}">
+              <a14:hiddenFill xmlns:a14="http://schemas.microsoft.com/office/drawing/2010/main">
+                <a:solidFill>
+                  <a:scrgbClr r="0" g="0" b="0"/>
+                </a:solidFill>
+              </a14:hiddenFill>
+            </a:ext>
+          </a:extLst>
+        </p:spPr>
+        <p:txBody>
+          <a:bodyPr vert="horz" wrap="none" lIns="0" tIns="0" rIns="0" bIns="0" rtlCol="0" anchor="t">
+            <a:noAutofit/>
+          </a:bodyPr>
+          <a:lstStyle>
+            <a:lvl1pPr marL="228600" indent="-228600" algn="l" defTabSz="914400" rtl="0" eaLnBrk="1" latinLnBrk="0" hangingPunct="1">
+              <a:lnSpc>
+                <a:spcPct val="90000"/>
+              </a:lnSpc>
+              <a:spcBef>
+                <a:spcPts val="1000"/>
+              </a:spcBef>
+              <a:buFont typeface="Arial" panose="020B0604020202020204" pitchFamily="34" charset="0"/>
+              <a:buChar char="•"/>
+              <a:defRPr sz="2800" kern="1200">
+                <a:solidFill>
+                  <a:schemeClr val="tx1"/>
+                </a:solidFill>
+                <a:latin typeface="+mn-lt"/>
+                <a:ea typeface="+mn-ea"/>
+                <a:cs typeface="+mn-cs"/>
+              </a:defRPr>
+            </a:lvl1pPr>
+            <a:lvl2pPr marL="685800" indent="-228600" algn="l" defTabSz="914400" rtl="0" eaLnBrk="1" latinLnBrk="0" hangingPunct="1">
+              <a:lnSpc>
+                <a:spcPct val="90000"/>
+              </a:lnSpc>
+              <a:spcBef>
+                <a:spcPts val="500"/>
+              </a:spcBef>
+              <a:buFont typeface="Arial" panose="020B0604020202020204" pitchFamily="34" charset="0"/>
+              <a:buChar char="•"/>
+              <a:defRPr sz="2400" kern="1200">
+                <a:solidFill>
+                  <a:schemeClr val="tx1"/>
+                </a:solidFill>
+                <a:latin typeface="+mn-lt"/>
+                <a:ea typeface="+mn-ea"/>
+                <a:cs typeface="+mn-cs"/>
+              </a:defRPr>
+            </a:lvl2pPr>
+            <a:lvl3pPr marL="1143000" indent="-228600" algn="l" defTabSz="914400" rtl="0" eaLnBrk="1" latinLnBrk="0" hangingPunct="1">
+              <a:lnSpc>
+                <a:spcPct val="90000"/>
+              </a:lnSpc>
+              <a:spcBef>
+                <a:spcPts val="500"/>
+              </a:spcBef>
+              <a:buFont typeface="Arial" panose="020B0604020202020204" pitchFamily="34" charset="0"/>
+              <a:buChar char="•"/>
+              <a:defRPr sz="2000" kern="1200">
+                <a:solidFill>
+                  <a:schemeClr val="tx1"/>
+                </a:solidFill>
+                <a:latin typeface="+mn-lt"/>
+                <a:ea typeface="+mn-ea"/>
+                <a:cs typeface="+mn-cs"/>
+              </a:defRPr>
+            </a:lvl3pPr>
+            <a:lvl4pPr marL="1600200" indent="-228600" algn="l" defTabSz="914400" rtl="0" eaLnBrk="1" latinLnBrk="0" hangingPunct="1">
+              <a:lnSpc>
+                <a:spcPct val="90000"/>
+              </a:lnSpc>
+              <a:spcBef>
+                <a:spcPts val="500"/>
+              </a:spcBef>
+              <a:buFont typeface="Arial" panose="020B0604020202020204" pitchFamily="34" charset="0"/>
+              <a:buChar char="•"/>
+              <a:defRPr sz="1800" kern="1200">
+                <a:solidFill>
+                  <a:schemeClr val="tx1"/>
+                </a:solidFill>
+                <a:latin typeface="+mn-lt"/>
+                <a:ea typeface="+mn-ea"/>
+                <a:cs typeface="+mn-cs"/>
+              </a:defRPr>
+            </a:lvl4pPr>
+            <a:lvl5pPr marL="2057400" indent="-228600" algn="l" defTabSz="914400" rtl="0" eaLnBrk="1" latinLnBrk="0" hangingPunct="1">
+              <a:lnSpc>
+                <a:spcPct val="90000"/>
+              </a:lnSpc>
+              <a:spcBef>
+                <a:spcPts val="500"/>
+              </a:spcBef>
+              <a:buFont typeface="Arial" panose="020B0604020202020204" pitchFamily="34" charset="0"/>
+              <a:buChar char="•"/>
+              <a:defRPr sz="1800" kern="1200">
+                <a:solidFill>
+                  <a:schemeClr val="tx1"/>
+                </a:solidFill>
+                <a:latin typeface="+mn-lt"/>
+                <a:ea typeface="+mn-ea"/>
+                <a:cs typeface="+mn-cs"/>
+              </a:defRPr>
+            </a:lvl5pPr>
+            <a:lvl6pPr marL="2514600" indent="-228600" algn="l" defTabSz="914400" rtl="0" eaLnBrk="1" latinLnBrk="0" hangingPunct="1">
+              <a:lnSpc>
+                <a:spcPct val="90000"/>
+              </a:lnSpc>
+              <a:spcBef>
+                <a:spcPts val="500"/>
+              </a:spcBef>
+              <a:buFont typeface="Arial" panose="020B0604020202020204" pitchFamily="34" charset="0"/>
+              <a:buChar char="•"/>
+              <a:defRPr sz="1800" kern="1200">
+                <a:solidFill>
+                  <a:schemeClr val="tx1"/>
+                </a:solidFill>
+                <a:latin typeface="+mn-lt"/>
+                <a:ea typeface="+mn-ea"/>
+                <a:cs typeface="+mn-cs"/>
+              </a:defRPr>
+            </a:lvl6pPr>
+            <a:lvl7pPr marL="2971800" indent="-228600" algn="l" defTabSz="914400" rtl="0" eaLnBrk="1" latinLnBrk="0" hangingPunct="1">
+              <a:lnSpc>
+                <a:spcPct val="90000"/>
+              </a:lnSpc>
+              <a:spcBef>
+                <a:spcPts val="500"/>
+              </a:spcBef>
+              <a:buFont typeface="Arial" panose="020B0604020202020204" pitchFamily="34" charset="0"/>
+              <a:buChar char="•"/>
+              <a:defRPr sz="1800" kern="1200">
+                <a:solidFill>
+                  <a:schemeClr val="tx1"/>
+                </a:solidFill>
+                <a:latin typeface="+mn-lt"/>
+                <a:ea typeface="+mn-ea"/>
+                <a:cs typeface="+mn-cs"/>
+              </a:defRPr>
+            </a:lvl7pPr>
+            <a:lvl8pPr marL="3429000" indent="-228600" algn="l" defTabSz="914400" rtl="0" eaLnBrk="1" latinLnBrk="0" hangingPunct="1">
+              <a:lnSpc>
+                <a:spcPct val="90000"/>
+              </a:lnSpc>
+              <a:spcBef>
+                <a:spcPts val="500"/>
+              </a:spcBef>
+              <a:buFont typeface="Arial" panose="020B0604020202020204" pitchFamily="34" charset="0"/>
+              <a:buChar char="•"/>
+              <a:defRPr sz="1800" kern="1200">
+                <a:solidFill>
+                  <a:schemeClr val="tx1"/>
+                </a:solidFill>
+                <a:latin typeface="+mn-lt"/>
+                <a:ea typeface="+mn-ea"/>
+                <a:cs typeface="+mn-cs"/>
+              </a:defRPr>
+            </a:lvl8pPr>
+            <a:lvl9pPr marL="3886200" indent="-228600" algn="l" defTabSz="914400" rtl="0" eaLnBrk="1" latinLnBrk="0" hangingPunct="1">
+              <a:lnSpc>
+                <a:spcPct val="90000"/>
+              </a:lnSpc>
+              <a:spcBef>
+                <a:spcPts val="500"/>
+              </a:spcBef>
+              <a:buFont typeface="Arial" panose="020B0604020202020204" pitchFamily="34" charset="0"/>
+              <a:buChar char="•"/>
+              <a:defRPr sz="1800" kern="1200">
+                <a:solidFill>
+                  <a:schemeClr val="tx1"/>
+                </a:solidFill>
+                <a:latin typeface="+mn-lt"/>
+                <a:ea typeface="+mn-ea"/>
+                <a:cs typeface="+mn-cs"/>
+              </a:defRPr>
+            </a:lvl9pPr>
+          </a:lstStyle>
+          <a:p>
+            <a:pPr marL="0" lvl="0" indent="0" algn="ctr">
+              <a:spcBef>
+                <a:spcPct val="0"/>
+              </a:spcBef>
+              <a:spcAft>
+                <a:spcPct val="0"/>
+              </a:spcAft>
+              <a:buNone/>
+            </a:pPr>
+            <a:fld id="{3BFC34F0-47EF-40C4-A703-62DFD3D38D4B}" type="datetime'F''''ev''''''''''''''''er''''''''''''''''e''''i''''''r''''o'">
+              <a:rPr lang="pt-BR" altLang="en-US" sz="1400" smtClean="0"/>
+              <a:pPr/>
+              <a:t>Fevereiro</a:t>
+            </a:fld>
+            <a:endParaRPr lang="pt-BR" sz="1400" dirty="0"/>
+          </a:p>
+        </p:txBody>
+      </p:sp>
+      <p:sp>
+        <p:nvSpPr>
+          <p:cNvPr id="150" name="Text Placeholder 2"/>
+          <p:cNvSpPr>
+            <a:spLocks noGrp="1"/>
+          </p:cNvSpPr>
+          <p:nvPr>
+            <p:custDataLst>
+              <p:tags r:id="rId9"/>
+            </p:custDataLst>
+          </p:nvPr>
+        </p:nvSpPr>
+        <p:spPr bwMode="auto">
+          <a:xfrm>
+            <a:off x="2328863" y="6108700"/>
+            <a:ext cx="476250" cy="192088"/>
+          </a:xfrm>
+          <a:prstGeom prst="rect">
+            <a:avLst/>
+          </a:prstGeom>
+          <a:noFill/>
+          <a:ln>
+            <a:noFill/>
+          </a:ln>
+          <a:effectLst/>
+          <a:extLst>
+            <a:ext uri="{909E8E84-426E-40DD-AFC4-6F175D3DCCD1}">
+              <a14:hiddenFill xmlns:a14="http://schemas.microsoft.com/office/drawing/2010/main">
+                <a:solidFill>
+                  <a:scrgbClr r="0" g="0" b="0"/>
+                </a:solidFill>
+              </a14:hiddenFill>
+            </a:ext>
+          </a:extLst>
+        </p:spPr>
+        <p:txBody>
+          <a:bodyPr vert="horz" wrap="none" lIns="0" tIns="0" rIns="0" bIns="0" rtlCol="0" anchor="t">
+            <a:noAutofit/>
+          </a:bodyPr>
+          <a:lstStyle>
+            <a:lvl1pPr marL="228600" indent="-228600" algn="l" defTabSz="914400" rtl="0" eaLnBrk="1" latinLnBrk="0" hangingPunct="1">
+              <a:lnSpc>
+                <a:spcPct val="90000"/>
+              </a:lnSpc>
+              <a:spcBef>
+                <a:spcPts val="1000"/>
+              </a:spcBef>
+              <a:buFont typeface="Arial" panose="020B0604020202020204" pitchFamily="34" charset="0"/>
+              <a:buChar char="•"/>
+              <a:defRPr sz="2800" kern="1200">
+                <a:solidFill>
+                  <a:schemeClr val="tx1"/>
+                </a:solidFill>
+                <a:latin typeface="+mn-lt"/>
+                <a:ea typeface="+mn-ea"/>
+                <a:cs typeface="+mn-cs"/>
+              </a:defRPr>
+            </a:lvl1pPr>
+            <a:lvl2pPr marL="685800" indent="-228600" algn="l" defTabSz="914400" rtl="0" eaLnBrk="1" latinLnBrk="0" hangingPunct="1">
+              <a:lnSpc>
+                <a:spcPct val="90000"/>
+              </a:lnSpc>
+              <a:spcBef>
+                <a:spcPts val="500"/>
+              </a:spcBef>
+              <a:buFont typeface="Arial" panose="020B0604020202020204" pitchFamily="34" charset="0"/>
+              <a:buChar char="•"/>
+              <a:defRPr sz="2400" kern="1200">
+                <a:solidFill>
+                  <a:schemeClr val="tx1"/>
+                </a:solidFill>
+                <a:latin typeface="+mn-lt"/>
+                <a:ea typeface="+mn-ea"/>
+                <a:cs typeface="+mn-cs"/>
+              </a:defRPr>
+            </a:lvl2pPr>
+            <a:lvl3pPr marL="1143000" indent="-228600" algn="l" defTabSz="914400" rtl="0" eaLnBrk="1" latinLnBrk="0" hangingPunct="1">
+              <a:lnSpc>
+                <a:spcPct val="90000"/>
+              </a:lnSpc>
+              <a:spcBef>
+                <a:spcPts val="500"/>
+              </a:spcBef>
+              <a:buFont typeface="Arial" panose="020B0604020202020204" pitchFamily="34" charset="0"/>
+              <a:buChar char="•"/>
+              <a:defRPr sz="2000" kern="1200">
+                <a:solidFill>
+                  <a:schemeClr val="tx1"/>
+                </a:solidFill>
+                <a:latin typeface="+mn-lt"/>
+                <a:ea typeface="+mn-ea"/>
+                <a:cs typeface="+mn-cs"/>
+              </a:defRPr>
+            </a:lvl3pPr>
+            <a:lvl4pPr marL="1600200" indent="-228600" algn="l" defTabSz="914400" rtl="0" eaLnBrk="1" latinLnBrk="0" hangingPunct="1">
+              <a:lnSpc>
+                <a:spcPct val="90000"/>
+              </a:lnSpc>
+              <a:spcBef>
+                <a:spcPts val="500"/>
+              </a:spcBef>
+              <a:buFont typeface="Arial" panose="020B0604020202020204" pitchFamily="34" charset="0"/>
+              <a:buChar char="•"/>
+              <a:defRPr sz="1800" kern="1200">
+                <a:solidFill>
+                  <a:schemeClr val="tx1"/>
+                </a:solidFill>
+                <a:latin typeface="+mn-lt"/>
+                <a:ea typeface="+mn-ea"/>
+                <a:cs typeface="+mn-cs"/>
+              </a:defRPr>
+            </a:lvl4pPr>
+            <a:lvl5pPr marL="2057400" indent="-228600" algn="l" defTabSz="914400" rtl="0" eaLnBrk="1" latinLnBrk="0" hangingPunct="1">
+              <a:lnSpc>
+                <a:spcPct val="90000"/>
+              </a:lnSpc>
+              <a:spcBef>
+                <a:spcPts val="500"/>
+              </a:spcBef>
+              <a:buFont typeface="Arial" panose="020B0604020202020204" pitchFamily="34" charset="0"/>
+              <a:buChar char="•"/>
+              <a:defRPr sz="1800" kern="1200">
+                <a:solidFill>
+                  <a:schemeClr val="tx1"/>
+                </a:solidFill>
+                <a:latin typeface="+mn-lt"/>
+                <a:ea typeface="+mn-ea"/>
+                <a:cs typeface="+mn-cs"/>
+              </a:defRPr>
+            </a:lvl5pPr>
+            <a:lvl6pPr marL="2514600" indent="-228600" algn="l" defTabSz="914400" rtl="0" eaLnBrk="1" latinLnBrk="0" hangingPunct="1">
+              <a:lnSpc>
+                <a:spcPct val="90000"/>
+              </a:lnSpc>
+              <a:spcBef>
+                <a:spcPts val="500"/>
+              </a:spcBef>
+              <a:buFont typeface="Arial" panose="020B0604020202020204" pitchFamily="34" charset="0"/>
+              <a:buChar char="•"/>
+              <a:defRPr sz="1800" kern="1200">
+                <a:solidFill>
+                  <a:schemeClr val="tx1"/>
+                </a:solidFill>
+                <a:latin typeface="+mn-lt"/>
+                <a:ea typeface="+mn-ea"/>
+                <a:cs typeface="+mn-cs"/>
+              </a:defRPr>
+            </a:lvl6pPr>
+            <a:lvl7pPr marL="2971800" indent="-228600" algn="l" defTabSz="914400" rtl="0" eaLnBrk="1" latinLnBrk="0" hangingPunct="1">
+              <a:lnSpc>
+                <a:spcPct val="90000"/>
+              </a:lnSpc>
+              <a:spcBef>
+                <a:spcPts val="500"/>
+              </a:spcBef>
+              <a:buFont typeface="Arial" panose="020B0604020202020204" pitchFamily="34" charset="0"/>
+              <a:buChar char="•"/>
+              <a:defRPr sz="1800" kern="1200">
+                <a:solidFill>
+                  <a:schemeClr val="tx1"/>
+                </a:solidFill>
+                <a:latin typeface="+mn-lt"/>
+                <a:ea typeface="+mn-ea"/>
+                <a:cs typeface="+mn-cs"/>
+              </a:defRPr>
+            </a:lvl7pPr>
+            <a:lvl8pPr marL="3429000" indent="-228600" algn="l" defTabSz="914400" rtl="0" eaLnBrk="1" latinLnBrk="0" hangingPunct="1">
+              <a:lnSpc>
+                <a:spcPct val="90000"/>
+              </a:lnSpc>
+              <a:spcBef>
+                <a:spcPts val="500"/>
+              </a:spcBef>
+              <a:buFont typeface="Arial" panose="020B0604020202020204" pitchFamily="34" charset="0"/>
+              <a:buChar char="•"/>
+              <a:defRPr sz="1800" kern="1200">
+                <a:solidFill>
+                  <a:schemeClr val="tx1"/>
+                </a:solidFill>
+                <a:latin typeface="+mn-lt"/>
+                <a:ea typeface="+mn-ea"/>
+                <a:cs typeface="+mn-cs"/>
+              </a:defRPr>
+            </a:lvl8pPr>
+            <a:lvl9pPr marL="3886200" indent="-228600" algn="l" defTabSz="914400" rtl="0" eaLnBrk="1" latinLnBrk="0" hangingPunct="1">
+              <a:lnSpc>
+                <a:spcPct val="90000"/>
+              </a:lnSpc>
+              <a:spcBef>
+                <a:spcPts val="500"/>
+              </a:spcBef>
+              <a:buFont typeface="Arial" panose="020B0604020202020204" pitchFamily="34" charset="0"/>
+              <a:buChar char="•"/>
+              <a:defRPr sz="1800" kern="1200">
+                <a:solidFill>
+                  <a:schemeClr val="tx1"/>
+                </a:solidFill>
+                <a:latin typeface="+mn-lt"/>
+                <a:ea typeface="+mn-ea"/>
+                <a:cs typeface="+mn-cs"/>
+              </a:defRPr>
+            </a:lvl9pPr>
+          </a:lstStyle>
+          <a:p>
+            <a:pPr marL="0" lvl="0" indent="0" algn="ctr">
+              <a:spcBef>
+                <a:spcPct val="0"/>
+              </a:spcBef>
+              <a:spcAft>
+                <a:spcPct val="0"/>
+              </a:spcAft>
+              <a:buNone/>
+            </a:pPr>
+            <a:fld id="{77179B22-0D19-4CF5-A71C-196E42199CB6}" type="datetime'''''''M''''''''''''''a''''r''''''''''''''''''ço'''''''''''">
+              <a:rPr lang="pt-BR" altLang="en-US" sz="1400" smtClean="0"/>
+              <a:pPr/>
+              <a:t>Março</a:t>
+            </a:fld>
+            <a:endParaRPr lang="pt-BR" sz="1400" dirty="0"/>
+          </a:p>
+        </p:txBody>
+      </p:sp>
+      <p:sp>
+        <p:nvSpPr>
+          <p:cNvPr id="151" name="Text Placeholder 2"/>
+          <p:cNvSpPr>
+            <a:spLocks noGrp="1"/>
+          </p:cNvSpPr>
+          <p:nvPr>
+            <p:custDataLst>
+              <p:tags r:id="rId10"/>
+            </p:custDataLst>
+          </p:nvPr>
+        </p:nvSpPr>
+        <p:spPr bwMode="auto">
+          <a:xfrm>
+            <a:off x="3405188" y="6108700"/>
+            <a:ext cx="354013" cy="192088"/>
+          </a:xfrm>
+          <a:prstGeom prst="rect">
+            <a:avLst/>
+          </a:prstGeom>
+          <a:noFill/>
+          <a:ln>
+            <a:noFill/>
+          </a:ln>
+          <a:effectLst/>
+          <a:extLst>
+            <a:ext uri="{909E8E84-426E-40DD-AFC4-6F175D3DCCD1}">
+              <a14:hiddenFill xmlns:a14="http://schemas.microsoft.com/office/drawing/2010/main">
+                <a:solidFill>
+                  <a:scrgbClr r="0" g="0" b="0"/>
+                </a:solidFill>
+              </a14:hiddenFill>
+            </a:ext>
+          </a:extLst>
+        </p:spPr>
+        <p:txBody>
+          <a:bodyPr vert="horz" wrap="none" lIns="0" tIns="0" rIns="0" bIns="0" rtlCol="0" anchor="t">
+            <a:noAutofit/>
+          </a:bodyPr>
+          <a:lstStyle>
+            <a:lvl1pPr marL="228600" indent="-228600" algn="l" defTabSz="914400" rtl="0" eaLnBrk="1" latinLnBrk="0" hangingPunct="1">
+              <a:lnSpc>
+                <a:spcPct val="90000"/>
+              </a:lnSpc>
+              <a:spcBef>
+                <a:spcPts val="1000"/>
+              </a:spcBef>
+              <a:buFont typeface="Arial" panose="020B0604020202020204" pitchFamily="34" charset="0"/>
+              <a:buChar char="•"/>
+              <a:defRPr sz="2800" kern="1200">
+                <a:solidFill>
+                  <a:schemeClr val="tx1"/>
+                </a:solidFill>
+                <a:latin typeface="+mn-lt"/>
+                <a:ea typeface="+mn-ea"/>
+                <a:cs typeface="+mn-cs"/>
+              </a:defRPr>
+            </a:lvl1pPr>
+            <a:lvl2pPr marL="685800" indent="-228600" algn="l" defTabSz="914400" rtl="0" eaLnBrk="1" latinLnBrk="0" hangingPunct="1">
+              <a:lnSpc>
+                <a:spcPct val="90000"/>
+              </a:lnSpc>
+              <a:spcBef>
+                <a:spcPts val="500"/>
+              </a:spcBef>
+              <a:buFont typeface="Arial" panose="020B0604020202020204" pitchFamily="34" charset="0"/>
+              <a:buChar char="•"/>
+              <a:defRPr sz="2400" kern="1200">
+                <a:solidFill>
+                  <a:schemeClr val="tx1"/>
+                </a:solidFill>
+                <a:latin typeface="+mn-lt"/>
+                <a:ea typeface="+mn-ea"/>
+                <a:cs typeface="+mn-cs"/>
+              </a:defRPr>
+            </a:lvl2pPr>
+            <a:lvl3pPr marL="1143000" indent="-228600" algn="l" defTabSz="914400" rtl="0" eaLnBrk="1" latinLnBrk="0" hangingPunct="1">
+              <a:lnSpc>
+                <a:spcPct val="90000"/>
+              </a:lnSpc>
+              <a:spcBef>
+                <a:spcPts val="500"/>
+              </a:spcBef>
+              <a:buFont typeface="Arial" panose="020B0604020202020204" pitchFamily="34" charset="0"/>
+              <a:buChar char="•"/>
+              <a:defRPr sz="2000" kern="1200">
+                <a:solidFill>
+                  <a:schemeClr val="tx1"/>
+                </a:solidFill>
+                <a:latin typeface="+mn-lt"/>
+                <a:ea typeface="+mn-ea"/>
+                <a:cs typeface="+mn-cs"/>
+              </a:defRPr>
+            </a:lvl3pPr>
+            <a:lvl4pPr marL="1600200" indent="-228600" algn="l" defTabSz="914400" rtl="0" eaLnBrk="1" latinLnBrk="0" hangingPunct="1">
+              <a:lnSpc>
+                <a:spcPct val="90000"/>
+              </a:lnSpc>
+              <a:spcBef>
+                <a:spcPts val="500"/>
+              </a:spcBef>
+              <a:buFont typeface="Arial" panose="020B0604020202020204" pitchFamily="34" charset="0"/>
+              <a:buChar char="•"/>
+              <a:defRPr sz="1800" kern="1200">
+                <a:solidFill>
+                  <a:schemeClr val="tx1"/>
+                </a:solidFill>
+                <a:latin typeface="+mn-lt"/>
+                <a:ea typeface="+mn-ea"/>
+                <a:cs typeface="+mn-cs"/>
+              </a:defRPr>
+            </a:lvl4pPr>
+            <a:lvl5pPr marL="2057400" indent="-228600" algn="l" defTabSz="914400" rtl="0" eaLnBrk="1" latinLnBrk="0" hangingPunct="1">
+              <a:lnSpc>
+                <a:spcPct val="90000"/>
+              </a:lnSpc>
+              <a:spcBef>
+                <a:spcPts val="500"/>
+              </a:spcBef>
+              <a:buFont typeface="Arial" panose="020B0604020202020204" pitchFamily="34" charset="0"/>
+              <a:buChar char="•"/>
+              <a:defRPr sz="1800" kern="1200">
+                <a:solidFill>
+                  <a:schemeClr val="tx1"/>
+                </a:solidFill>
+                <a:latin typeface="+mn-lt"/>
+                <a:ea typeface="+mn-ea"/>
+                <a:cs typeface="+mn-cs"/>
+              </a:defRPr>
+            </a:lvl5pPr>
+            <a:lvl6pPr marL="2514600" indent="-228600" algn="l" defTabSz="914400" rtl="0" eaLnBrk="1" latinLnBrk="0" hangingPunct="1">
+              <a:lnSpc>
+                <a:spcPct val="90000"/>
+              </a:lnSpc>
+              <a:spcBef>
+                <a:spcPts val="500"/>
+              </a:spcBef>
+              <a:buFont typeface="Arial" panose="020B0604020202020204" pitchFamily="34" charset="0"/>
+              <a:buChar char="•"/>
+              <a:defRPr sz="1800" kern="1200">
+                <a:solidFill>
+                  <a:schemeClr val="tx1"/>
+                </a:solidFill>
+                <a:latin typeface="+mn-lt"/>
+                <a:ea typeface="+mn-ea"/>
+                <a:cs typeface="+mn-cs"/>
+              </a:defRPr>
+            </a:lvl6pPr>
+            <a:lvl7pPr marL="2971800" indent="-228600" algn="l" defTabSz="914400" rtl="0" eaLnBrk="1" latinLnBrk="0" hangingPunct="1">
+              <a:lnSpc>
+                <a:spcPct val="90000"/>
+              </a:lnSpc>
+              <a:spcBef>
+                <a:spcPts val="500"/>
+              </a:spcBef>
+              <a:buFont typeface="Arial" panose="020B0604020202020204" pitchFamily="34" charset="0"/>
+              <a:buChar char="•"/>
+              <a:defRPr sz="1800" kern="1200">
+                <a:solidFill>
+                  <a:schemeClr val="tx1"/>
+                </a:solidFill>
+                <a:latin typeface="+mn-lt"/>
+                <a:ea typeface="+mn-ea"/>
+                <a:cs typeface="+mn-cs"/>
+              </a:defRPr>
+            </a:lvl7pPr>
+            <a:lvl8pPr marL="3429000" indent="-228600" algn="l" defTabSz="914400" rtl="0" eaLnBrk="1" latinLnBrk="0" hangingPunct="1">
+              <a:lnSpc>
+                <a:spcPct val="90000"/>
+              </a:lnSpc>
+              <a:spcBef>
+                <a:spcPts val="500"/>
+              </a:spcBef>
+              <a:buFont typeface="Arial" panose="020B0604020202020204" pitchFamily="34" charset="0"/>
+              <a:buChar char="•"/>
+              <a:defRPr sz="1800" kern="1200">
+                <a:solidFill>
+                  <a:schemeClr val="tx1"/>
+                </a:solidFill>
+                <a:latin typeface="+mn-lt"/>
+                <a:ea typeface="+mn-ea"/>
+                <a:cs typeface="+mn-cs"/>
+              </a:defRPr>
+            </a:lvl8pPr>
+            <a:lvl9pPr marL="3886200" indent="-228600" algn="l" defTabSz="914400" rtl="0" eaLnBrk="1" latinLnBrk="0" hangingPunct="1">
+              <a:lnSpc>
+                <a:spcPct val="90000"/>
+              </a:lnSpc>
+              <a:spcBef>
+                <a:spcPts val="500"/>
+              </a:spcBef>
+              <a:buFont typeface="Arial" panose="020B0604020202020204" pitchFamily="34" charset="0"/>
+              <a:buChar char="•"/>
+              <a:defRPr sz="1800" kern="1200">
+                <a:solidFill>
+                  <a:schemeClr val="tx1"/>
+                </a:solidFill>
+                <a:latin typeface="+mn-lt"/>
+                <a:ea typeface="+mn-ea"/>
+                <a:cs typeface="+mn-cs"/>
+              </a:defRPr>
+            </a:lvl9pPr>
+          </a:lstStyle>
+          <a:p>
+            <a:pPr marL="0" lvl="0" indent="0" algn="ctr">
+              <a:spcBef>
+                <a:spcPct val="0"/>
+              </a:spcBef>
+              <a:spcAft>
+                <a:spcPct val="0"/>
+              </a:spcAft>
+              <a:buNone/>
+            </a:pPr>
+            <a:fld id="{30370C6D-EEF9-4055-9777-07BCF1E8487B}" type="datetime'''''''''A''''b''''''''''''''''r''''i''l'''''''''''">
+              <a:rPr lang="pt-BR" altLang="en-US" sz="1400" smtClean="0"/>
+              <a:pPr/>
+              <a:t>Abril</a:t>
+            </a:fld>
+            <a:endParaRPr lang="pt-BR" sz="1400" dirty="0"/>
+          </a:p>
+        </p:txBody>
+      </p:sp>
+      <p:sp>
+        <p:nvSpPr>
+          <p:cNvPr id="152" name="Text Placeholder 2"/>
+          <p:cNvSpPr>
+            <a:spLocks noGrp="1"/>
+          </p:cNvSpPr>
+          <p:nvPr>
+            <p:custDataLst>
+              <p:tags r:id="rId11"/>
+            </p:custDataLst>
+          </p:nvPr>
+        </p:nvSpPr>
+        <p:spPr bwMode="auto">
+          <a:xfrm>
+            <a:off x="4403725" y="6108700"/>
+            <a:ext cx="385763" cy="192088"/>
+          </a:xfrm>
+          <a:prstGeom prst="rect">
+            <a:avLst/>
+          </a:prstGeom>
+          <a:noFill/>
+          <a:ln>
+            <a:noFill/>
+          </a:ln>
+          <a:effectLst/>
+          <a:extLst>
+            <a:ext uri="{909E8E84-426E-40DD-AFC4-6F175D3DCCD1}">
+              <a14:hiddenFill xmlns:a14="http://schemas.microsoft.com/office/drawing/2010/main">
+                <a:solidFill>
+                  <a:scrgbClr r="0" g="0" b="0"/>
+                </a:solidFill>
+              </a14:hiddenFill>
+            </a:ext>
+          </a:extLst>
+        </p:spPr>
+        <p:txBody>
+          <a:bodyPr vert="horz" wrap="none" lIns="0" tIns="0" rIns="0" bIns="0" rtlCol="0" anchor="t">
+            <a:noAutofit/>
+          </a:bodyPr>
+          <a:lstStyle>
+            <a:lvl1pPr marL="228600" indent="-228600" algn="l" defTabSz="914400" rtl="0" eaLnBrk="1" latinLnBrk="0" hangingPunct="1">
+              <a:lnSpc>
+                <a:spcPct val="90000"/>
+              </a:lnSpc>
+              <a:spcBef>
+                <a:spcPts val="1000"/>
+              </a:spcBef>
+              <a:buFont typeface="Arial" panose="020B0604020202020204" pitchFamily="34" charset="0"/>
+              <a:buChar char="•"/>
+              <a:defRPr sz="2800" kern="1200">
+                <a:solidFill>
+                  <a:schemeClr val="tx1"/>
+                </a:solidFill>
+                <a:latin typeface="+mn-lt"/>
+                <a:ea typeface="+mn-ea"/>
+                <a:cs typeface="+mn-cs"/>
+              </a:defRPr>
+            </a:lvl1pPr>
+            <a:lvl2pPr marL="685800" indent="-228600" algn="l" defTabSz="914400" rtl="0" eaLnBrk="1" latinLnBrk="0" hangingPunct="1">
+              <a:lnSpc>
+                <a:spcPct val="90000"/>
+              </a:lnSpc>
+              <a:spcBef>
+                <a:spcPts val="500"/>
+              </a:spcBef>
+              <a:buFont typeface="Arial" panose="020B0604020202020204" pitchFamily="34" charset="0"/>
+              <a:buChar char="•"/>
+              <a:defRPr sz="2400" kern="1200">
+                <a:solidFill>
+                  <a:schemeClr val="tx1"/>
+                </a:solidFill>
+                <a:latin typeface="+mn-lt"/>
+                <a:ea typeface="+mn-ea"/>
+                <a:cs typeface="+mn-cs"/>
+              </a:defRPr>
+            </a:lvl2pPr>
+            <a:lvl3pPr marL="1143000" indent="-228600" algn="l" defTabSz="914400" rtl="0" eaLnBrk="1" latinLnBrk="0" hangingPunct="1">
+              <a:lnSpc>
+                <a:spcPct val="90000"/>
+              </a:lnSpc>
+              <a:spcBef>
+                <a:spcPts val="500"/>
+              </a:spcBef>
+              <a:buFont typeface="Arial" panose="020B0604020202020204" pitchFamily="34" charset="0"/>
+              <a:buChar char="•"/>
+              <a:defRPr sz="2000" kern="1200">
+                <a:solidFill>
+                  <a:schemeClr val="tx1"/>
+                </a:solidFill>
+                <a:latin typeface="+mn-lt"/>
+                <a:ea typeface="+mn-ea"/>
+                <a:cs typeface="+mn-cs"/>
+              </a:defRPr>
+            </a:lvl3pPr>
+            <a:lvl4pPr marL="1600200" indent="-228600" algn="l" defTabSz="914400" rtl="0" eaLnBrk="1" latinLnBrk="0" hangingPunct="1">
+              <a:lnSpc>
+                <a:spcPct val="90000"/>
+              </a:lnSpc>
+              <a:spcBef>
+                <a:spcPts val="500"/>
+              </a:spcBef>
+              <a:buFont typeface="Arial" panose="020B0604020202020204" pitchFamily="34" charset="0"/>
+              <a:buChar char="•"/>
+              <a:defRPr sz="1800" kern="1200">
+                <a:solidFill>
+                  <a:schemeClr val="tx1"/>
+                </a:solidFill>
+                <a:latin typeface="+mn-lt"/>
+                <a:ea typeface="+mn-ea"/>
+                <a:cs typeface="+mn-cs"/>
+              </a:defRPr>
+            </a:lvl4pPr>
+            <a:lvl5pPr marL="2057400" indent="-228600" algn="l" defTabSz="914400" rtl="0" eaLnBrk="1" latinLnBrk="0" hangingPunct="1">
+              <a:lnSpc>
+                <a:spcPct val="90000"/>
+              </a:lnSpc>
+              <a:spcBef>
+                <a:spcPts val="500"/>
+              </a:spcBef>
+              <a:buFont typeface="Arial" panose="020B0604020202020204" pitchFamily="34" charset="0"/>
+              <a:buChar char="•"/>
+              <a:defRPr sz="1800" kern="1200">
+                <a:solidFill>
+                  <a:schemeClr val="tx1"/>
+                </a:solidFill>
+                <a:latin typeface="+mn-lt"/>
+                <a:ea typeface="+mn-ea"/>
+                <a:cs typeface="+mn-cs"/>
+              </a:defRPr>
+            </a:lvl5pPr>
+            <a:lvl6pPr marL="2514600" indent="-228600" algn="l" defTabSz="914400" rtl="0" eaLnBrk="1" latinLnBrk="0" hangingPunct="1">
+              <a:lnSpc>
+                <a:spcPct val="90000"/>
+              </a:lnSpc>
+              <a:spcBef>
+                <a:spcPts val="500"/>
+              </a:spcBef>
+              <a:buFont typeface="Arial" panose="020B0604020202020204" pitchFamily="34" charset="0"/>
+              <a:buChar char="•"/>
+              <a:defRPr sz="1800" kern="1200">
+                <a:solidFill>
+                  <a:schemeClr val="tx1"/>
+                </a:solidFill>
+                <a:latin typeface="+mn-lt"/>
+                <a:ea typeface="+mn-ea"/>
+                <a:cs typeface="+mn-cs"/>
+              </a:defRPr>
+            </a:lvl6pPr>
+            <a:lvl7pPr marL="2971800" indent="-228600" algn="l" defTabSz="914400" rtl="0" eaLnBrk="1" latinLnBrk="0" hangingPunct="1">
+              <a:lnSpc>
+                <a:spcPct val="90000"/>
+              </a:lnSpc>
+              <a:spcBef>
+                <a:spcPts val="500"/>
+              </a:spcBef>
+              <a:buFont typeface="Arial" panose="020B0604020202020204" pitchFamily="34" charset="0"/>
+              <a:buChar char="•"/>
+              <a:defRPr sz="1800" kern="1200">
+                <a:solidFill>
+                  <a:schemeClr val="tx1"/>
+                </a:solidFill>
+                <a:latin typeface="+mn-lt"/>
+                <a:ea typeface="+mn-ea"/>
+                <a:cs typeface="+mn-cs"/>
+              </a:defRPr>
+            </a:lvl7pPr>
+            <a:lvl8pPr marL="3429000" indent="-228600" algn="l" defTabSz="914400" rtl="0" eaLnBrk="1" latinLnBrk="0" hangingPunct="1">
+              <a:lnSpc>
+                <a:spcPct val="90000"/>
+              </a:lnSpc>
+              <a:spcBef>
+                <a:spcPts val="500"/>
+              </a:spcBef>
+              <a:buFont typeface="Arial" panose="020B0604020202020204" pitchFamily="34" charset="0"/>
+              <a:buChar char="•"/>
+              <a:defRPr sz="1800" kern="1200">
+                <a:solidFill>
+                  <a:schemeClr val="tx1"/>
+                </a:solidFill>
+                <a:latin typeface="+mn-lt"/>
+                <a:ea typeface="+mn-ea"/>
+                <a:cs typeface="+mn-cs"/>
+              </a:defRPr>
+            </a:lvl8pPr>
+            <a:lvl9pPr marL="3886200" indent="-228600" algn="l" defTabSz="914400" rtl="0" eaLnBrk="1" latinLnBrk="0" hangingPunct="1">
+              <a:lnSpc>
+                <a:spcPct val="90000"/>
+              </a:lnSpc>
+              <a:spcBef>
+                <a:spcPts val="500"/>
+              </a:spcBef>
+              <a:buFont typeface="Arial" panose="020B0604020202020204" pitchFamily="34" charset="0"/>
+              <a:buChar char="•"/>
+              <a:defRPr sz="1800" kern="1200">
+                <a:solidFill>
+                  <a:schemeClr val="tx1"/>
+                </a:solidFill>
+                <a:latin typeface="+mn-lt"/>
+                <a:ea typeface="+mn-ea"/>
+                <a:cs typeface="+mn-cs"/>
+              </a:defRPr>
+            </a:lvl9pPr>
+          </a:lstStyle>
+          <a:p>
+            <a:pPr marL="0" lvl="0" indent="0" algn="ctr">
+              <a:spcBef>
+                <a:spcPct val="0"/>
+              </a:spcBef>
+              <a:spcAft>
+                <a:spcPct val="0"/>
+              </a:spcAft>
+              <a:buNone/>
+            </a:pPr>
+            <a:fld id="{6B049858-7ED9-490C-8E47-3100510EA09B}" type="datetime'''''''''''''''''''''''''''Ma''''i''''''o'''''''''''''">
+              <a:rPr lang="pt-BR" altLang="en-US" sz="1400" smtClean="0"/>
+              <a:pPr/>
+              <a:t>Maio</a:t>
+            </a:fld>
+            <a:endParaRPr lang="pt-BR" sz="1400" dirty="0"/>
+          </a:p>
+        </p:txBody>
+      </p:sp>
+      <p:sp>
+        <p:nvSpPr>
+          <p:cNvPr id="153" name="Text Placeholder 2"/>
+          <p:cNvSpPr>
+            <a:spLocks noGrp="1"/>
+          </p:cNvSpPr>
+          <p:nvPr>
+            <p:custDataLst>
+              <p:tags r:id="rId12"/>
+            </p:custDataLst>
+          </p:nvPr>
+        </p:nvSpPr>
+        <p:spPr bwMode="auto">
+          <a:xfrm>
+            <a:off x="5387975" y="6108700"/>
+            <a:ext cx="444500" cy="192088"/>
+          </a:xfrm>
+          <a:prstGeom prst="rect">
+            <a:avLst/>
+          </a:prstGeom>
+          <a:noFill/>
+          <a:ln>
+            <a:noFill/>
+          </a:ln>
+          <a:effectLst/>
+          <a:extLst>
+            <a:ext uri="{909E8E84-426E-40DD-AFC4-6F175D3DCCD1}">
+              <a14:hiddenFill xmlns:a14="http://schemas.microsoft.com/office/drawing/2010/main">
+                <a:solidFill>
+                  <a:scrgbClr r="0" g="0" b="0"/>
+                </a:solidFill>
+              </a14:hiddenFill>
+            </a:ext>
+          </a:extLst>
+        </p:spPr>
+        <p:txBody>
+          <a:bodyPr vert="horz" wrap="none" lIns="0" tIns="0" rIns="0" bIns="0" rtlCol="0" anchor="t">
+            <a:noAutofit/>
+          </a:bodyPr>
+          <a:lstStyle>
+            <a:lvl1pPr marL="228600" indent="-228600" algn="l" defTabSz="914400" rtl="0" eaLnBrk="1" latinLnBrk="0" hangingPunct="1">
+              <a:lnSpc>
+                <a:spcPct val="90000"/>
+              </a:lnSpc>
+              <a:spcBef>
+                <a:spcPts val="1000"/>
+              </a:spcBef>
+              <a:buFont typeface="Arial" panose="020B0604020202020204" pitchFamily="34" charset="0"/>
+              <a:buChar char="•"/>
+              <a:defRPr sz="2800" kern="1200">
+                <a:solidFill>
+                  <a:schemeClr val="tx1"/>
+                </a:solidFill>
+                <a:latin typeface="+mn-lt"/>
+                <a:ea typeface="+mn-ea"/>
+                <a:cs typeface="+mn-cs"/>
+              </a:defRPr>
+            </a:lvl1pPr>
+            <a:lvl2pPr marL="685800" indent="-228600" algn="l" defTabSz="914400" rtl="0" eaLnBrk="1" latinLnBrk="0" hangingPunct="1">
+              <a:lnSpc>
+                <a:spcPct val="90000"/>
+              </a:lnSpc>
+              <a:spcBef>
+                <a:spcPts val="500"/>
+              </a:spcBef>
+              <a:buFont typeface="Arial" panose="020B0604020202020204" pitchFamily="34" charset="0"/>
+              <a:buChar char="•"/>
+              <a:defRPr sz="2400" kern="1200">
+                <a:solidFill>
+                  <a:schemeClr val="tx1"/>
+                </a:solidFill>
+                <a:latin typeface="+mn-lt"/>
+                <a:ea typeface="+mn-ea"/>
+                <a:cs typeface="+mn-cs"/>
+              </a:defRPr>
+            </a:lvl2pPr>
+            <a:lvl3pPr marL="1143000" indent="-228600" algn="l" defTabSz="914400" rtl="0" eaLnBrk="1" latinLnBrk="0" hangingPunct="1">
+              <a:lnSpc>
+                <a:spcPct val="90000"/>
+              </a:lnSpc>
+              <a:spcBef>
+                <a:spcPts val="500"/>
+              </a:spcBef>
+              <a:buFont typeface="Arial" panose="020B0604020202020204" pitchFamily="34" charset="0"/>
+              <a:buChar char="•"/>
+              <a:defRPr sz="2000" kern="1200">
+                <a:solidFill>
+                  <a:schemeClr val="tx1"/>
+                </a:solidFill>
+                <a:latin typeface="+mn-lt"/>
+                <a:ea typeface="+mn-ea"/>
+                <a:cs typeface="+mn-cs"/>
+              </a:defRPr>
+            </a:lvl3pPr>
+            <a:lvl4pPr marL="1600200" indent="-228600" algn="l" defTabSz="914400" rtl="0" eaLnBrk="1" latinLnBrk="0" hangingPunct="1">
+              <a:lnSpc>
+                <a:spcPct val="90000"/>
+              </a:lnSpc>
+              <a:spcBef>
+                <a:spcPts val="500"/>
+              </a:spcBef>
+              <a:buFont typeface="Arial" panose="020B0604020202020204" pitchFamily="34" charset="0"/>
+              <a:buChar char="•"/>
+              <a:defRPr sz="1800" kern="1200">
+                <a:solidFill>
+                  <a:schemeClr val="tx1"/>
+                </a:solidFill>
+                <a:latin typeface="+mn-lt"/>
+                <a:ea typeface="+mn-ea"/>
+                <a:cs typeface="+mn-cs"/>
+              </a:defRPr>
+            </a:lvl4pPr>
+            <a:lvl5pPr marL="2057400" indent="-228600" algn="l" defTabSz="914400" rtl="0" eaLnBrk="1" latinLnBrk="0" hangingPunct="1">
+              <a:lnSpc>
+                <a:spcPct val="90000"/>
+              </a:lnSpc>
+              <a:spcBef>
+                <a:spcPts val="500"/>
+              </a:spcBef>
+              <a:buFont typeface="Arial" panose="020B0604020202020204" pitchFamily="34" charset="0"/>
+              <a:buChar char="•"/>
+              <a:defRPr sz="1800" kern="1200">
+                <a:solidFill>
+                  <a:schemeClr val="tx1"/>
+                </a:solidFill>
+                <a:latin typeface="+mn-lt"/>
+                <a:ea typeface="+mn-ea"/>
+                <a:cs typeface="+mn-cs"/>
+              </a:defRPr>
+            </a:lvl5pPr>
+            <a:lvl6pPr marL="2514600" indent="-228600" algn="l" defTabSz="914400" rtl="0" eaLnBrk="1" latinLnBrk="0" hangingPunct="1">
+              <a:lnSpc>
+                <a:spcPct val="90000"/>
+              </a:lnSpc>
+              <a:spcBef>
+                <a:spcPts val="500"/>
+              </a:spcBef>
+              <a:buFont typeface="Arial" panose="020B0604020202020204" pitchFamily="34" charset="0"/>
+              <a:buChar char="•"/>
+              <a:defRPr sz="1800" kern="1200">
+                <a:solidFill>
+                  <a:schemeClr val="tx1"/>
+                </a:solidFill>
+                <a:latin typeface="+mn-lt"/>
+                <a:ea typeface="+mn-ea"/>
+                <a:cs typeface="+mn-cs"/>
+              </a:defRPr>
+            </a:lvl6pPr>
+            <a:lvl7pPr marL="2971800" indent="-228600" algn="l" defTabSz="914400" rtl="0" eaLnBrk="1" latinLnBrk="0" hangingPunct="1">
+              <a:lnSpc>
+                <a:spcPct val="90000"/>
+              </a:lnSpc>
+              <a:spcBef>
+                <a:spcPts val="500"/>
+              </a:spcBef>
+              <a:buFont typeface="Arial" panose="020B0604020202020204" pitchFamily="34" charset="0"/>
+              <a:buChar char="•"/>
+              <a:defRPr sz="1800" kern="1200">
+                <a:solidFill>
+                  <a:schemeClr val="tx1"/>
+                </a:solidFill>
+                <a:latin typeface="+mn-lt"/>
+                <a:ea typeface="+mn-ea"/>
+                <a:cs typeface="+mn-cs"/>
+              </a:defRPr>
+            </a:lvl7pPr>
+            <a:lvl8pPr marL="3429000" indent="-228600" algn="l" defTabSz="914400" rtl="0" eaLnBrk="1" latinLnBrk="0" hangingPunct="1">
+              <a:lnSpc>
+                <a:spcPct val="90000"/>
+              </a:lnSpc>
+              <a:spcBef>
+                <a:spcPts val="500"/>
+              </a:spcBef>
+              <a:buFont typeface="Arial" panose="020B0604020202020204" pitchFamily="34" charset="0"/>
+              <a:buChar char="•"/>
+              <a:defRPr sz="1800" kern="1200">
+                <a:solidFill>
+                  <a:schemeClr val="tx1"/>
+                </a:solidFill>
+                <a:latin typeface="+mn-lt"/>
+                <a:ea typeface="+mn-ea"/>
+                <a:cs typeface="+mn-cs"/>
+              </a:defRPr>
+            </a:lvl8pPr>
+            <a:lvl9pPr marL="3886200" indent="-228600" algn="l" defTabSz="914400" rtl="0" eaLnBrk="1" latinLnBrk="0" hangingPunct="1">
+              <a:lnSpc>
+                <a:spcPct val="90000"/>
+              </a:lnSpc>
+              <a:spcBef>
+                <a:spcPts val="500"/>
+              </a:spcBef>
+              <a:buFont typeface="Arial" panose="020B0604020202020204" pitchFamily="34" charset="0"/>
+              <a:buChar char="•"/>
+              <a:defRPr sz="1800" kern="1200">
+                <a:solidFill>
+                  <a:schemeClr val="tx1"/>
+                </a:solidFill>
+                <a:latin typeface="+mn-lt"/>
+                <a:ea typeface="+mn-ea"/>
+                <a:cs typeface="+mn-cs"/>
+              </a:defRPr>
+            </a:lvl9pPr>
+          </a:lstStyle>
+          <a:p>
+            <a:pPr marL="0" lvl="0" indent="0" algn="ctr">
+              <a:spcBef>
+                <a:spcPct val="0"/>
+              </a:spcBef>
+              <a:spcAft>
+                <a:spcPct val="0"/>
+              </a:spcAft>
+              <a:buNone/>
+            </a:pPr>
+            <a:fld id="{0E6BAA85-6EAF-4C6E-A9BF-E71839C08D1A}" type="datetime'''''''J''u''''''''''''''''''n''''h''''''''''''''''''''o'''">
+              <a:rPr lang="pt-BR" altLang="en-US" sz="1400" smtClean="0"/>
+              <a:pPr/>
+              <a:t>Junho</a:t>
+            </a:fld>
+            <a:endParaRPr lang="pt-BR" sz="1400" dirty="0"/>
+          </a:p>
+        </p:txBody>
+      </p:sp>
+      <p:sp>
+        <p:nvSpPr>
+          <p:cNvPr id="154" name="Text Placeholder 2"/>
+          <p:cNvSpPr>
+            <a:spLocks noGrp="1"/>
+          </p:cNvSpPr>
+          <p:nvPr>
+            <p:custDataLst>
+              <p:tags r:id="rId13"/>
+            </p:custDataLst>
+          </p:nvPr>
+        </p:nvSpPr>
+        <p:spPr bwMode="auto">
+          <a:xfrm>
+            <a:off x="6427788" y="6108700"/>
+            <a:ext cx="392113" cy="192088"/>
+          </a:xfrm>
+          <a:prstGeom prst="rect">
+            <a:avLst/>
+          </a:prstGeom>
+          <a:noFill/>
+          <a:ln>
+            <a:noFill/>
+          </a:ln>
+          <a:effectLst/>
+          <a:extLst>
+            <a:ext uri="{909E8E84-426E-40DD-AFC4-6F175D3DCCD1}">
+              <a14:hiddenFill xmlns:a14="http://schemas.microsoft.com/office/drawing/2010/main">
+                <a:solidFill>
+                  <a:scrgbClr r="0" g="0" b="0"/>
+                </a:solidFill>
+              </a14:hiddenFill>
+            </a:ext>
+          </a:extLst>
+        </p:spPr>
+        <p:txBody>
+          <a:bodyPr vert="horz" wrap="none" lIns="0" tIns="0" rIns="0" bIns="0" rtlCol="0" anchor="t">
+            <a:noAutofit/>
+          </a:bodyPr>
+          <a:lstStyle>
+            <a:lvl1pPr marL="228600" indent="-228600" algn="l" defTabSz="914400" rtl="0" eaLnBrk="1" latinLnBrk="0" hangingPunct="1">
+              <a:lnSpc>
+                <a:spcPct val="90000"/>
+              </a:lnSpc>
+              <a:spcBef>
+                <a:spcPts val="1000"/>
+              </a:spcBef>
+              <a:buFont typeface="Arial" panose="020B0604020202020204" pitchFamily="34" charset="0"/>
+              <a:buChar char="•"/>
+              <a:defRPr sz="2800" kern="1200">
+                <a:solidFill>
+                  <a:schemeClr val="tx1"/>
+                </a:solidFill>
+                <a:latin typeface="+mn-lt"/>
+                <a:ea typeface="+mn-ea"/>
+                <a:cs typeface="+mn-cs"/>
+              </a:defRPr>
+            </a:lvl1pPr>
+            <a:lvl2pPr marL="685800" indent="-228600" algn="l" defTabSz="914400" rtl="0" eaLnBrk="1" latinLnBrk="0" hangingPunct="1">
+              <a:lnSpc>
+                <a:spcPct val="90000"/>
+              </a:lnSpc>
+              <a:spcBef>
+                <a:spcPts val="500"/>
+              </a:spcBef>
+              <a:buFont typeface="Arial" panose="020B0604020202020204" pitchFamily="34" charset="0"/>
+              <a:buChar char="•"/>
+              <a:defRPr sz="2400" kern="1200">
+                <a:solidFill>
+                  <a:schemeClr val="tx1"/>
+                </a:solidFill>
+                <a:latin typeface="+mn-lt"/>
+                <a:ea typeface="+mn-ea"/>
+                <a:cs typeface="+mn-cs"/>
+              </a:defRPr>
+            </a:lvl2pPr>
+            <a:lvl3pPr marL="1143000" indent="-228600" algn="l" defTabSz="914400" rtl="0" eaLnBrk="1" latinLnBrk="0" hangingPunct="1">
+              <a:lnSpc>
+                <a:spcPct val="90000"/>
+              </a:lnSpc>
+              <a:spcBef>
+                <a:spcPts val="500"/>
+              </a:spcBef>
+              <a:buFont typeface="Arial" panose="020B0604020202020204" pitchFamily="34" charset="0"/>
+              <a:buChar char="•"/>
+              <a:defRPr sz="2000" kern="1200">
+                <a:solidFill>
+                  <a:schemeClr val="tx1"/>
+                </a:solidFill>
+                <a:latin typeface="+mn-lt"/>
+                <a:ea typeface="+mn-ea"/>
+                <a:cs typeface="+mn-cs"/>
+              </a:defRPr>
+            </a:lvl3pPr>
+            <a:lvl4pPr marL="1600200" indent="-228600" algn="l" defTabSz="914400" rtl="0" eaLnBrk="1" latinLnBrk="0" hangingPunct="1">
+              <a:lnSpc>
+                <a:spcPct val="90000"/>
+              </a:lnSpc>
+              <a:spcBef>
+                <a:spcPts val="500"/>
+              </a:spcBef>
+              <a:buFont typeface="Arial" panose="020B0604020202020204" pitchFamily="34" charset="0"/>
+              <a:buChar char="•"/>
+              <a:defRPr sz="1800" kern="1200">
+                <a:solidFill>
+                  <a:schemeClr val="tx1"/>
+                </a:solidFill>
+                <a:latin typeface="+mn-lt"/>
+                <a:ea typeface="+mn-ea"/>
+                <a:cs typeface="+mn-cs"/>
+              </a:defRPr>
+            </a:lvl4pPr>
+            <a:lvl5pPr marL="2057400" indent="-228600" algn="l" defTabSz="914400" rtl="0" eaLnBrk="1" latinLnBrk="0" hangingPunct="1">
+              <a:lnSpc>
+                <a:spcPct val="90000"/>
+              </a:lnSpc>
+              <a:spcBef>
+                <a:spcPts val="500"/>
+              </a:spcBef>
+              <a:buFont typeface="Arial" panose="020B0604020202020204" pitchFamily="34" charset="0"/>
+              <a:buChar char="•"/>
+              <a:defRPr sz="1800" kern="1200">
+                <a:solidFill>
+                  <a:schemeClr val="tx1"/>
+                </a:solidFill>
+                <a:latin typeface="+mn-lt"/>
+                <a:ea typeface="+mn-ea"/>
+                <a:cs typeface="+mn-cs"/>
+              </a:defRPr>
+            </a:lvl5pPr>
+            <a:lvl6pPr marL="2514600" indent="-228600" algn="l" defTabSz="914400" rtl="0" eaLnBrk="1" latinLnBrk="0" hangingPunct="1">
+              <a:lnSpc>
+                <a:spcPct val="90000"/>
+              </a:lnSpc>
+              <a:spcBef>
+                <a:spcPts val="500"/>
+              </a:spcBef>
+              <a:buFont typeface="Arial" panose="020B0604020202020204" pitchFamily="34" charset="0"/>
+              <a:buChar char="•"/>
+              <a:defRPr sz="1800" kern="1200">
+                <a:solidFill>
+                  <a:schemeClr val="tx1"/>
+                </a:solidFill>
+                <a:latin typeface="+mn-lt"/>
+                <a:ea typeface="+mn-ea"/>
+                <a:cs typeface="+mn-cs"/>
+              </a:defRPr>
+            </a:lvl6pPr>
+            <a:lvl7pPr marL="2971800" indent="-228600" algn="l" defTabSz="914400" rtl="0" eaLnBrk="1" latinLnBrk="0" hangingPunct="1">
+              <a:lnSpc>
+                <a:spcPct val="90000"/>
+              </a:lnSpc>
+              <a:spcBef>
+                <a:spcPts val="500"/>
+              </a:spcBef>
+              <a:buFont typeface="Arial" panose="020B0604020202020204" pitchFamily="34" charset="0"/>
+              <a:buChar char="•"/>
+              <a:defRPr sz="1800" kern="1200">
+                <a:solidFill>
+                  <a:schemeClr val="tx1"/>
+                </a:solidFill>
+                <a:latin typeface="+mn-lt"/>
+                <a:ea typeface="+mn-ea"/>
+                <a:cs typeface="+mn-cs"/>
+              </a:defRPr>
+            </a:lvl7pPr>
+            <a:lvl8pPr marL="3429000" indent="-228600" algn="l" defTabSz="914400" rtl="0" eaLnBrk="1" latinLnBrk="0" hangingPunct="1">
+              <a:lnSpc>
+                <a:spcPct val="90000"/>
+              </a:lnSpc>
+              <a:spcBef>
+                <a:spcPts val="500"/>
+              </a:spcBef>
+              <a:buFont typeface="Arial" panose="020B0604020202020204" pitchFamily="34" charset="0"/>
+              <a:buChar char="•"/>
+              <a:defRPr sz="1800" kern="1200">
+                <a:solidFill>
+                  <a:schemeClr val="tx1"/>
+                </a:solidFill>
+                <a:latin typeface="+mn-lt"/>
+                <a:ea typeface="+mn-ea"/>
+                <a:cs typeface="+mn-cs"/>
+              </a:defRPr>
+            </a:lvl8pPr>
+            <a:lvl9pPr marL="3886200" indent="-228600" algn="l" defTabSz="914400" rtl="0" eaLnBrk="1" latinLnBrk="0" hangingPunct="1">
+              <a:lnSpc>
+                <a:spcPct val="90000"/>
+              </a:lnSpc>
+              <a:spcBef>
+                <a:spcPts val="500"/>
+              </a:spcBef>
+              <a:buFont typeface="Arial" panose="020B0604020202020204" pitchFamily="34" charset="0"/>
+              <a:buChar char="•"/>
+              <a:defRPr sz="1800" kern="1200">
+                <a:solidFill>
+                  <a:schemeClr val="tx1"/>
+                </a:solidFill>
+                <a:latin typeface="+mn-lt"/>
+                <a:ea typeface="+mn-ea"/>
+                <a:cs typeface="+mn-cs"/>
+              </a:defRPr>
+            </a:lvl9pPr>
+          </a:lstStyle>
+          <a:p>
+            <a:pPr marL="0" lvl="0" indent="0" algn="ctr">
+              <a:spcBef>
+                <a:spcPct val="0"/>
+              </a:spcBef>
+              <a:spcAft>
+                <a:spcPct val="0"/>
+              </a:spcAft>
+              <a:buNone/>
+            </a:pPr>
+            <a:fld id="{98CF42C0-A3F7-4473-B2F4-268AD7A61FC8}" type="datetime'Ju''''''''''''''lh''''''''''''''o'''''''''''''''">
+              <a:rPr lang="pt-BR" altLang="en-US" sz="1400" smtClean="0"/>
+              <a:pPr/>
+              <a:t>Julho</a:t>
+            </a:fld>
+            <a:endParaRPr lang="pt-BR" sz="1400" dirty="0"/>
+          </a:p>
+        </p:txBody>
+      </p:sp>
+      <p:sp>
+        <p:nvSpPr>
+          <p:cNvPr id="155" name="Text Placeholder 2"/>
+          <p:cNvSpPr>
+            <a:spLocks noGrp="1"/>
+          </p:cNvSpPr>
+          <p:nvPr>
+            <p:custDataLst>
+              <p:tags r:id="rId14"/>
+            </p:custDataLst>
+          </p:nvPr>
+        </p:nvSpPr>
+        <p:spPr bwMode="auto">
+          <a:xfrm>
+            <a:off x="7381875" y="6108700"/>
+            <a:ext cx="512763" cy="192088"/>
+          </a:xfrm>
+          <a:prstGeom prst="rect">
+            <a:avLst/>
+          </a:prstGeom>
+          <a:noFill/>
+          <a:ln>
+            <a:noFill/>
+          </a:ln>
+          <a:effectLst/>
+          <a:extLst>
+            <a:ext uri="{909E8E84-426E-40DD-AFC4-6F175D3DCCD1}">
+              <a14:hiddenFill xmlns:a14="http://schemas.microsoft.com/office/drawing/2010/main">
+                <a:solidFill>
+                  <a:scrgbClr r="0" g="0" b="0"/>
+                </a:solidFill>
+              </a14:hiddenFill>
+            </a:ext>
+          </a:extLst>
+        </p:spPr>
+        <p:txBody>
+          <a:bodyPr vert="horz" wrap="none" lIns="0" tIns="0" rIns="0" bIns="0" rtlCol="0" anchor="t">
+            <a:noAutofit/>
+          </a:bodyPr>
+          <a:lstStyle>
+            <a:lvl1pPr marL="228600" indent="-228600" algn="l" defTabSz="914400" rtl="0" eaLnBrk="1" latinLnBrk="0" hangingPunct="1">
+              <a:lnSpc>
+                <a:spcPct val="90000"/>
+              </a:lnSpc>
+              <a:spcBef>
+                <a:spcPts val="1000"/>
+              </a:spcBef>
+              <a:buFont typeface="Arial" panose="020B0604020202020204" pitchFamily="34" charset="0"/>
+              <a:buChar char="•"/>
+              <a:defRPr sz="2800" kern="1200">
+                <a:solidFill>
+                  <a:schemeClr val="tx1"/>
+                </a:solidFill>
+                <a:latin typeface="+mn-lt"/>
+                <a:ea typeface="+mn-ea"/>
+                <a:cs typeface="+mn-cs"/>
+              </a:defRPr>
+            </a:lvl1pPr>
+            <a:lvl2pPr marL="685800" indent="-228600" algn="l" defTabSz="914400" rtl="0" eaLnBrk="1" latinLnBrk="0" hangingPunct="1">
+              <a:lnSpc>
+                <a:spcPct val="90000"/>
+              </a:lnSpc>
+              <a:spcBef>
+                <a:spcPts val="500"/>
+              </a:spcBef>
+              <a:buFont typeface="Arial" panose="020B0604020202020204" pitchFamily="34" charset="0"/>
+              <a:buChar char="•"/>
+              <a:defRPr sz="2400" kern="1200">
+                <a:solidFill>
+                  <a:schemeClr val="tx1"/>
+                </a:solidFill>
+                <a:latin typeface="+mn-lt"/>
+                <a:ea typeface="+mn-ea"/>
+                <a:cs typeface="+mn-cs"/>
+              </a:defRPr>
+            </a:lvl2pPr>
+            <a:lvl3pPr marL="1143000" indent="-228600" algn="l" defTabSz="914400" rtl="0" eaLnBrk="1" latinLnBrk="0" hangingPunct="1">
+              <a:lnSpc>
+                <a:spcPct val="90000"/>
+              </a:lnSpc>
+              <a:spcBef>
+                <a:spcPts val="500"/>
+              </a:spcBef>
+              <a:buFont typeface="Arial" panose="020B0604020202020204" pitchFamily="34" charset="0"/>
+              <a:buChar char="•"/>
+              <a:defRPr sz="2000" kern="1200">
+                <a:solidFill>
+                  <a:schemeClr val="tx1"/>
+                </a:solidFill>
+                <a:latin typeface="+mn-lt"/>
+                <a:ea typeface="+mn-ea"/>
+                <a:cs typeface="+mn-cs"/>
+              </a:defRPr>
+            </a:lvl3pPr>
+            <a:lvl4pPr marL="1600200" indent="-228600" algn="l" defTabSz="914400" rtl="0" eaLnBrk="1" latinLnBrk="0" hangingPunct="1">
+              <a:lnSpc>
+                <a:spcPct val="90000"/>
+              </a:lnSpc>
+              <a:spcBef>
+                <a:spcPts val="500"/>
+              </a:spcBef>
+              <a:buFont typeface="Arial" panose="020B0604020202020204" pitchFamily="34" charset="0"/>
+              <a:buChar char="•"/>
+              <a:defRPr sz="1800" kern="1200">
+                <a:solidFill>
+                  <a:schemeClr val="tx1"/>
+                </a:solidFill>
+                <a:latin typeface="+mn-lt"/>
+                <a:ea typeface="+mn-ea"/>
+                <a:cs typeface="+mn-cs"/>
+              </a:defRPr>
+            </a:lvl4pPr>
+            <a:lvl5pPr marL="2057400" indent="-228600" algn="l" defTabSz="914400" rtl="0" eaLnBrk="1" latinLnBrk="0" hangingPunct="1">
+              <a:lnSpc>
+                <a:spcPct val="90000"/>
+              </a:lnSpc>
+              <a:spcBef>
+                <a:spcPts val="500"/>
+              </a:spcBef>
+              <a:buFont typeface="Arial" panose="020B0604020202020204" pitchFamily="34" charset="0"/>
+              <a:buChar char="•"/>
+              <a:defRPr sz="1800" kern="1200">
+                <a:solidFill>
+                  <a:schemeClr val="tx1"/>
+                </a:solidFill>
+                <a:latin typeface="+mn-lt"/>
+                <a:ea typeface="+mn-ea"/>
+                <a:cs typeface="+mn-cs"/>
+              </a:defRPr>
+            </a:lvl5pPr>
+            <a:lvl6pPr marL="2514600" indent="-228600" algn="l" defTabSz="914400" rtl="0" eaLnBrk="1" latinLnBrk="0" hangingPunct="1">
+              <a:lnSpc>
+                <a:spcPct val="90000"/>
+              </a:lnSpc>
+              <a:spcBef>
+                <a:spcPts val="500"/>
+              </a:spcBef>
+              <a:buFont typeface="Arial" panose="020B0604020202020204" pitchFamily="34" charset="0"/>
+              <a:buChar char="•"/>
+              <a:defRPr sz="1800" kern="1200">
+                <a:solidFill>
+                  <a:schemeClr val="tx1"/>
+                </a:solidFill>
+                <a:latin typeface="+mn-lt"/>
+                <a:ea typeface="+mn-ea"/>
+                <a:cs typeface="+mn-cs"/>
+              </a:defRPr>
+            </a:lvl6pPr>
+            <a:lvl7pPr marL="2971800" indent="-228600" algn="l" defTabSz="914400" rtl="0" eaLnBrk="1" latinLnBrk="0" hangingPunct="1">
+              <a:lnSpc>
+                <a:spcPct val="90000"/>
+              </a:lnSpc>
+              <a:spcBef>
+                <a:spcPts val="500"/>
+              </a:spcBef>
+              <a:buFont typeface="Arial" panose="020B0604020202020204" pitchFamily="34" charset="0"/>
+              <a:buChar char="•"/>
+              <a:defRPr sz="1800" kern="1200">
+                <a:solidFill>
+                  <a:schemeClr val="tx1"/>
+                </a:solidFill>
+                <a:latin typeface="+mn-lt"/>
+                <a:ea typeface="+mn-ea"/>
+                <a:cs typeface="+mn-cs"/>
+              </a:defRPr>
+            </a:lvl7pPr>
+            <a:lvl8pPr marL="3429000" indent="-228600" algn="l" defTabSz="914400" rtl="0" eaLnBrk="1" latinLnBrk="0" hangingPunct="1">
+              <a:lnSpc>
+                <a:spcPct val="90000"/>
+              </a:lnSpc>
+              <a:spcBef>
+                <a:spcPts val="500"/>
+              </a:spcBef>
+              <a:buFont typeface="Arial" panose="020B0604020202020204" pitchFamily="34" charset="0"/>
+              <a:buChar char="•"/>
+              <a:defRPr sz="1800" kern="1200">
+                <a:solidFill>
+                  <a:schemeClr val="tx1"/>
+                </a:solidFill>
+                <a:latin typeface="+mn-lt"/>
+                <a:ea typeface="+mn-ea"/>
+                <a:cs typeface="+mn-cs"/>
+              </a:defRPr>
+            </a:lvl8pPr>
+            <a:lvl9pPr marL="3886200" indent="-228600" algn="l" defTabSz="914400" rtl="0" eaLnBrk="1" latinLnBrk="0" hangingPunct="1">
+              <a:lnSpc>
+                <a:spcPct val="90000"/>
+              </a:lnSpc>
+              <a:spcBef>
+                <a:spcPts val="500"/>
+              </a:spcBef>
+              <a:buFont typeface="Arial" panose="020B0604020202020204" pitchFamily="34" charset="0"/>
+              <a:buChar char="•"/>
+              <a:defRPr sz="1800" kern="1200">
+                <a:solidFill>
+                  <a:schemeClr val="tx1"/>
+                </a:solidFill>
+                <a:latin typeface="+mn-lt"/>
+                <a:ea typeface="+mn-ea"/>
+                <a:cs typeface="+mn-cs"/>
+              </a:defRPr>
+            </a:lvl9pPr>
+          </a:lstStyle>
+          <a:p>
+            <a:pPr marL="0" lvl="0" indent="0" algn="ctr">
+              <a:spcBef>
+                <a:spcPct val="0"/>
+              </a:spcBef>
+              <a:spcAft>
+                <a:spcPct val="0"/>
+              </a:spcAft>
+              <a:buNone/>
+            </a:pPr>
+            <a:fld id="{D748FBCC-1F22-4C5B-AFE7-2712F4C20DB1}" type="datetime'A''g''''''o''''''''''''''''''s''''''''''t''o'''''''''">
+              <a:rPr lang="pt-BR" altLang="en-US" sz="1400" smtClean="0"/>
+              <a:pPr/>
+              <a:t>Agosto</a:t>
+            </a:fld>
+            <a:endParaRPr lang="pt-BR" sz="1400" dirty="0"/>
+          </a:p>
+        </p:txBody>
+      </p:sp>
+      <p:sp>
+        <p:nvSpPr>
+          <p:cNvPr id="156" name="Text Placeholder 2"/>
+          <p:cNvSpPr>
+            <a:spLocks noGrp="1"/>
+          </p:cNvSpPr>
+          <p:nvPr>
+            <p:custDataLst>
+              <p:tags r:id="rId15"/>
+            </p:custDataLst>
+          </p:nvPr>
+        </p:nvSpPr>
+        <p:spPr bwMode="auto">
+          <a:xfrm>
+            <a:off x="8294688" y="6108700"/>
+            <a:ext cx="715963" cy="192088"/>
+          </a:xfrm>
+          <a:prstGeom prst="rect">
+            <a:avLst/>
+          </a:prstGeom>
+          <a:noFill/>
+          <a:ln>
+            <a:noFill/>
+          </a:ln>
+          <a:effectLst/>
+          <a:extLst>
+            <a:ext uri="{909E8E84-426E-40DD-AFC4-6F175D3DCCD1}">
+              <a14:hiddenFill xmlns:a14="http://schemas.microsoft.com/office/drawing/2010/main">
+                <a:solidFill>
+                  <a:scrgbClr r="0" g="0" b="0"/>
+                </a:solidFill>
+              </a14:hiddenFill>
+            </a:ext>
+          </a:extLst>
+        </p:spPr>
+        <p:txBody>
+          <a:bodyPr vert="horz" wrap="none" lIns="0" tIns="0" rIns="0" bIns="0" rtlCol="0" anchor="t">
+            <a:noAutofit/>
+          </a:bodyPr>
+          <a:lstStyle>
+            <a:lvl1pPr marL="228600" indent="-228600" algn="l" defTabSz="914400" rtl="0" eaLnBrk="1" latinLnBrk="0" hangingPunct="1">
+              <a:lnSpc>
+                <a:spcPct val="90000"/>
+              </a:lnSpc>
+              <a:spcBef>
+                <a:spcPts val="1000"/>
+              </a:spcBef>
+              <a:buFont typeface="Arial" panose="020B0604020202020204" pitchFamily="34" charset="0"/>
+              <a:buChar char="•"/>
+              <a:defRPr sz="2800" kern="1200">
+                <a:solidFill>
+                  <a:schemeClr val="tx1"/>
+                </a:solidFill>
+                <a:latin typeface="+mn-lt"/>
+                <a:ea typeface="+mn-ea"/>
+                <a:cs typeface="+mn-cs"/>
+              </a:defRPr>
+            </a:lvl1pPr>
+            <a:lvl2pPr marL="685800" indent="-228600" algn="l" defTabSz="914400" rtl="0" eaLnBrk="1" latinLnBrk="0" hangingPunct="1">
+              <a:lnSpc>
+                <a:spcPct val="90000"/>
+              </a:lnSpc>
+              <a:spcBef>
+                <a:spcPts val="500"/>
+              </a:spcBef>
+              <a:buFont typeface="Arial" panose="020B0604020202020204" pitchFamily="34" charset="0"/>
+              <a:buChar char="•"/>
+              <a:defRPr sz="2400" kern="1200">
+                <a:solidFill>
+                  <a:schemeClr val="tx1"/>
+                </a:solidFill>
+                <a:latin typeface="+mn-lt"/>
+                <a:ea typeface="+mn-ea"/>
+                <a:cs typeface="+mn-cs"/>
+              </a:defRPr>
+            </a:lvl2pPr>
+            <a:lvl3pPr marL="1143000" indent="-228600" algn="l" defTabSz="914400" rtl="0" eaLnBrk="1" latinLnBrk="0" hangingPunct="1">
+              <a:lnSpc>
+                <a:spcPct val="90000"/>
+              </a:lnSpc>
+              <a:spcBef>
+                <a:spcPts val="500"/>
+              </a:spcBef>
+              <a:buFont typeface="Arial" panose="020B0604020202020204" pitchFamily="34" charset="0"/>
+              <a:buChar char="•"/>
+              <a:defRPr sz="2000" kern="1200">
+                <a:solidFill>
+                  <a:schemeClr val="tx1"/>
+                </a:solidFill>
+                <a:latin typeface="+mn-lt"/>
+                <a:ea typeface="+mn-ea"/>
+                <a:cs typeface="+mn-cs"/>
+              </a:defRPr>
+            </a:lvl3pPr>
+            <a:lvl4pPr marL="1600200" indent="-228600" algn="l" defTabSz="914400" rtl="0" eaLnBrk="1" latinLnBrk="0" hangingPunct="1">
+              <a:lnSpc>
+                <a:spcPct val="90000"/>
+              </a:lnSpc>
+              <a:spcBef>
+                <a:spcPts val="500"/>
+              </a:spcBef>
+              <a:buFont typeface="Arial" panose="020B0604020202020204" pitchFamily="34" charset="0"/>
+              <a:buChar char="•"/>
+              <a:defRPr sz="1800" kern="1200">
+                <a:solidFill>
+                  <a:schemeClr val="tx1"/>
+                </a:solidFill>
+                <a:latin typeface="+mn-lt"/>
+                <a:ea typeface="+mn-ea"/>
+                <a:cs typeface="+mn-cs"/>
+              </a:defRPr>
+            </a:lvl4pPr>
+            <a:lvl5pPr marL="2057400" indent="-228600" algn="l" defTabSz="914400" rtl="0" eaLnBrk="1" latinLnBrk="0" hangingPunct="1">
+              <a:lnSpc>
+                <a:spcPct val="90000"/>
+              </a:lnSpc>
+              <a:spcBef>
+                <a:spcPts val="500"/>
+              </a:spcBef>
+              <a:buFont typeface="Arial" panose="020B0604020202020204" pitchFamily="34" charset="0"/>
+              <a:buChar char="•"/>
+              <a:defRPr sz="1800" kern="1200">
+                <a:solidFill>
+                  <a:schemeClr val="tx1"/>
+                </a:solidFill>
+                <a:latin typeface="+mn-lt"/>
+                <a:ea typeface="+mn-ea"/>
+                <a:cs typeface="+mn-cs"/>
+              </a:defRPr>
+            </a:lvl5pPr>
+            <a:lvl6pPr marL="2514600" indent="-228600" algn="l" defTabSz="914400" rtl="0" eaLnBrk="1" latinLnBrk="0" hangingPunct="1">
+              <a:lnSpc>
+                <a:spcPct val="90000"/>
+              </a:lnSpc>
+              <a:spcBef>
+                <a:spcPts val="500"/>
+              </a:spcBef>
+              <a:buFont typeface="Arial" panose="020B0604020202020204" pitchFamily="34" charset="0"/>
+              <a:buChar char="•"/>
+              <a:defRPr sz="1800" kern="1200">
+                <a:solidFill>
+                  <a:schemeClr val="tx1"/>
+                </a:solidFill>
+                <a:latin typeface="+mn-lt"/>
+                <a:ea typeface="+mn-ea"/>
+                <a:cs typeface="+mn-cs"/>
+              </a:defRPr>
+            </a:lvl6pPr>
+            <a:lvl7pPr marL="2971800" indent="-228600" algn="l" defTabSz="914400" rtl="0" eaLnBrk="1" latinLnBrk="0" hangingPunct="1">
+              <a:lnSpc>
+                <a:spcPct val="90000"/>
+              </a:lnSpc>
+              <a:spcBef>
+                <a:spcPts val="500"/>
+              </a:spcBef>
+              <a:buFont typeface="Arial" panose="020B0604020202020204" pitchFamily="34" charset="0"/>
+              <a:buChar char="•"/>
+              <a:defRPr sz="1800" kern="1200">
+                <a:solidFill>
+                  <a:schemeClr val="tx1"/>
+                </a:solidFill>
+                <a:latin typeface="+mn-lt"/>
+                <a:ea typeface="+mn-ea"/>
+                <a:cs typeface="+mn-cs"/>
+              </a:defRPr>
+            </a:lvl7pPr>
+            <a:lvl8pPr marL="3429000" indent="-228600" algn="l" defTabSz="914400" rtl="0" eaLnBrk="1" latinLnBrk="0" hangingPunct="1">
+              <a:lnSpc>
+                <a:spcPct val="90000"/>
+              </a:lnSpc>
+              <a:spcBef>
+                <a:spcPts val="500"/>
+              </a:spcBef>
+              <a:buFont typeface="Arial" panose="020B0604020202020204" pitchFamily="34" charset="0"/>
+              <a:buChar char="•"/>
+              <a:defRPr sz="1800" kern="1200">
+                <a:solidFill>
+                  <a:schemeClr val="tx1"/>
+                </a:solidFill>
+                <a:latin typeface="+mn-lt"/>
+                <a:ea typeface="+mn-ea"/>
+                <a:cs typeface="+mn-cs"/>
+              </a:defRPr>
+            </a:lvl8pPr>
+            <a:lvl9pPr marL="3886200" indent="-228600" algn="l" defTabSz="914400" rtl="0" eaLnBrk="1" latinLnBrk="0" hangingPunct="1">
+              <a:lnSpc>
+                <a:spcPct val="90000"/>
+              </a:lnSpc>
+              <a:spcBef>
+                <a:spcPts val="500"/>
+              </a:spcBef>
+              <a:buFont typeface="Arial" panose="020B0604020202020204" pitchFamily="34" charset="0"/>
+              <a:buChar char="•"/>
+              <a:defRPr sz="1800" kern="1200">
+                <a:solidFill>
+                  <a:schemeClr val="tx1"/>
+                </a:solidFill>
+                <a:latin typeface="+mn-lt"/>
+                <a:ea typeface="+mn-ea"/>
+                <a:cs typeface="+mn-cs"/>
+              </a:defRPr>
+            </a:lvl9pPr>
+          </a:lstStyle>
+          <a:p>
+            <a:pPr marL="0" lvl="0" indent="0" algn="ctr">
+              <a:spcBef>
+                <a:spcPct val="0"/>
+              </a:spcBef>
+              <a:spcAft>
+                <a:spcPct val="0"/>
+              </a:spcAft>
+              <a:buNone/>
+            </a:pPr>
+            <a:fld id="{24B4F4F2-B332-4309-99C5-347826923E53}" type="datetime'''''''''S''''''''''''''''''''''e''t''''e''mbro'''">
+              <a:rPr lang="pt-BR" altLang="en-US" sz="1400" smtClean="0"/>
+              <a:pPr/>
+              <a:t>Setembro</a:t>
+            </a:fld>
+            <a:endParaRPr lang="pt-BR" sz="1400" dirty="0"/>
+          </a:p>
+        </p:txBody>
+      </p:sp>
+      <p:sp>
+        <p:nvSpPr>
+          <p:cNvPr id="157" name="Text Placeholder 2"/>
+          <p:cNvSpPr>
+            <a:spLocks noGrp="1"/>
+          </p:cNvSpPr>
+          <p:nvPr>
+            <p:custDataLst>
+              <p:tags r:id="rId16"/>
+            </p:custDataLst>
+          </p:nvPr>
+        </p:nvSpPr>
+        <p:spPr bwMode="auto">
+          <a:xfrm>
+            <a:off x="9355138" y="6108700"/>
+            <a:ext cx="623888" cy="192088"/>
+          </a:xfrm>
+          <a:prstGeom prst="rect">
+            <a:avLst/>
+          </a:prstGeom>
+          <a:noFill/>
+          <a:ln>
+            <a:noFill/>
+          </a:ln>
+          <a:effectLst/>
+          <a:extLst>
+            <a:ext uri="{909E8E84-426E-40DD-AFC4-6F175D3DCCD1}">
+              <a14:hiddenFill xmlns:a14="http://schemas.microsoft.com/office/drawing/2010/main">
+                <a:solidFill>
+                  <a:scrgbClr r="0" g="0" b="0"/>
+                </a:solidFill>
+              </a14:hiddenFill>
+            </a:ext>
+          </a:extLst>
+        </p:spPr>
+        <p:txBody>
+          <a:bodyPr vert="horz" wrap="none" lIns="0" tIns="0" rIns="0" bIns="0" rtlCol="0" anchor="t">
+            <a:noAutofit/>
+          </a:bodyPr>
+          <a:lstStyle>
+            <a:lvl1pPr marL="228600" indent="-228600" algn="l" defTabSz="914400" rtl="0" eaLnBrk="1" latinLnBrk="0" hangingPunct="1">
+              <a:lnSpc>
+                <a:spcPct val="90000"/>
+              </a:lnSpc>
+              <a:spcBef>
+                <a:spcPts val="1000"/>
+              </a:spcBef>
+              <a:buFont typeface="Arial" panose="020B0604020202020204" pitchFamily="34" charset="0"/>
+              <a:buChar char="•"/>
+              <a:defRPr sz="2800" kern="1200">
+                <a:solidFill>
+                  <a:schemeClr val="tx1"/>
+                </a:solidFill>
+                <a:latin typeface="+mn-lt"/>
+                <a:ea typeface="+mn-ea"/>
+                <a:cs typeface="+mn-cs"/>
+              </a:defRPr>
+            </a:lvl1pPr>
+            <a:lvl2pPr marL="685800" indent="-228600" algn="l" defTabSz="914400" rtl="0" eaLnBrk="1" latinLnBrk="0" hangingPunct="1">
+              <a:lnSpc>
+                <a:spcPct val="90000"/>
+              </a:lnSpc>
+              <a:spcBef>
+                <a:spcPts val="500"/>
+              </a:spcBef>
+              <a:buFont typeface="Arial" panose="020B0604020202020204" pitchFamily="34" charset="0"/>
+              <a:buChar char="•"/>
+              <a:defRPr sz="2400" kern="1200">
+                <a:solidFill>
+                  <a:schemeClr val="tx1"/>
+                </a:solidFill>
+                <a:latin typeface="+mn-lt"/>
+                <a:ea typeface="+mn-ea"/>
+                <a:cs typeface="+mn-cs"/>
+              </a:defRPr>
+            </a:lvl2pPr>
+            <a:lvl3pPr marL="1143000" indent="-228600" algn="l" defTabSz="914400" rtl="0" eaLnBrk="1" latinLnBrk="0" hangingPunct="1">
+              <a:lnSpc>
+                <a:spcPct val="90000"/>
+              </a:lnSpc>
+              <a:spcBef>
+                <a:spcPts val="500"/>
+              </a:spcBef>
+              <a:buFont typeface="Arial" panose="020B0604020202020204" pitchFamily="34" charset="0"/>
+              <a:buChar char="•"/>
+              <a:defRPr sz="2000" kern="1200">
+                <a:solidFill>
+                  <a:schemeClr val="tx1"/>
+                </a:solidFill>
+                <a:latin typeface="+mn-lt"/>
+                <a:ea typeface="+mn-ea"/>
+                <a:cs typeface="+mn-cs"/>
+              </a:defRPr>
+            </a:lvl3pPr>
+            <a:lvl4pPr marL="1600200" indent="-228600" algn="l" defTabSz="914400" rtl="0" eaLnBrk="1" latinLnBrk="0" hangingPunct="1">
+              <a:lnSpc>
+                <a:spcPct val="90000"/>
+              </a:lnSpc>
+              <a:spcBef>
+                <a:spcPts val="500"/>
+              </a:spcBef>
+              <a:buFont typeface="Arial" panose="020B0604020202020204" pitchFamily="34" charset="0"/>
+              <a:buChar char="•"/>
+              <a:defRPr sz="1800" kern="1200">
+                <a:solidFill>
+                  <a:schemeClr val="tx1"/>
+                </a:solidFill>
+                <a:latin typeface="+mn-lt"/>
+                <a:ea typeface="+mn-ea"/>
+                <a:cs typeface="+mn-cs"/>
+              </a:defRPr>
+            </a:lvl4pPr>
+            <a:lvl5pPr marL="2057400" indent="-228600" algn="l" defTabSz="914400" rtl="0" eaLnBrk="1" latinLnBrk="0" hangingPunct="1">
+              <a:lnSpc>
+                <a:spcPct val="90000"/>
+              </a:lnSpc>
+              <a:spcBef>
+                <a:spcPts val="500"/>
+              </a:spcBef>
+              <a:buFont typeface="Arial" panose="020B0604020202020204" pitchFamily="34" charset="0"/>
+              <a:buChar char="•"/>
+              <a:defRPr sz="1800" kern="1200">
+                <a:solidFill>
+                  <a:schemeClr val="tx1"/>
+                </a:solidFill>
+                <a:latin typeface="+mn-lt"/>
+                <a:ea typeface="+mn-ea"/>
+                <a:cs typeface="+mn-cs"/>
+              </a:defRPr>
+            </a:lvl5pPr>
+            <a:lvl6pPr marL="2514600" indent="-228600" algn="l" defTabSz="914400" rtl="0" eaLnBrk="1" latinLnBrk="0" hangingPunct="1">
+              <a:lnSpc>
+                <a:spcPct val="90000"/>
+              </a:lnSpc>
+              <a:spcBef>
+                <a:spcPts val="500"/>
+              </a:spcBef>
+              <a:buFont typeface="Arial" panose="020B0604020202020204" pitchFamily="34" charset="0"/>
+              <a:buChar char="•"/>
+              <a:defRPr sz="1800" kern="1200">
+                <a:solidFill>
+                  <a:schemeClr val="tx1"/>
+                </a:solidFill>
+                <a:latin typeface="+mn-lt"/>
+                <a:ea typeface="+mn-ea"/>
+                <a:cs typeface="+mn-cs"/>
+              </a:defRPr>
+            </a:lvl6pPr>
+            <a:lvl7pPr marL="2971800" indent="-228600" algn="l" defTabSz="914400" rtl="0" eaLnBrk="1" latinLnBrk="0" hangingPunct="1">
+              <a:lnSpc>
+                <a:spcPct val="90000"/>
+              </a:lnSpc>
+              <a:spcBef>
+                <a:spcPts val="500"/>
+              </a:spcBef>
+              <a:buFont typeface="Arial" panose="020B0604020202020204" pitchFamily="34" charset="0"/>
+              <a:buChar char="•"/>
+              <a:defRPr sz="1800" kern="1200">
+                <a:solidFill>
+                  <a:schemeClr val="tx1"/>
+                </a:solidFill>
+                <a:latin typeface="+mn-lt"/>
+                <a:ea typeface="+mn-ea"/>
+                <a:cs typeface="+mn-cs"/>
+              </a:defRPr>
+            </a:lvl7pPr>
+            <a:lvl8pPr marL="3429000" indent="-228600" algn="l" defTabSz="914400" rtl="0" eaLnBrk="1" latinLnBrk="0" hangingPunct="1">
+              <a:lnSpc>
+                <a:spcPct val="90000"/>
+              </a:lnSpc>
+              <a:spcBef>
+                <a:spcPts val="500"/>
+              </a:spcBef>
+              <a:buFont typeface="Arial" panose="020B0604020202020204" pitchFamily="34" charset="0"/>
+              <a:buChar char="•"/>
+              <a:defRPr sz="1800" kern="1200">
+                <a:solidFill>
+                  <a:schemeClr val="tx1"/>
+                </a:solidFill>
+                <a:latin typeface="+mn-lt"/>
+                <a:ea typeface="+mn-ea"/>
+                <a:cs typeface="+mn-cs"/>
+              </a:defRPr>
+            </a:lvl8pPr>
+            <a:lvl9pPr marL="3886200" indent="-228600" algn="l" defTabSz="914400" rtl="0" eaLnBrk="1" latinLnBrk="0" hangingPunct="1">
+              <a:lnSpc>
+                <a:spcPct val="90000"/>
+              </a:lnSpc>
+              <a:spcBef>
+                <a:spcPts val="500"/>
+              </a:spcBef>
+              <a:buFont typeface="Arial" panose="020B0604020202020204" pitchFamily="34" charset="0"/>
+              <a:buChar char="•"/>
+              <a:defRPr sz="1800" kern="1200">
+                <a:solidFill>
+                  <a:schemeClr val="tx1"/>
+                </a:solidFill>
+                <a:latin typeface="+mn-lt"/>
+                <a:ea typeface="+mn-ea"/>
+                <a:cs typeface="+mn-cs"/>
+              </a:defRPr>
+            </a:lvl9pPr>
+          </a:lstStyle>
+          <a:p>
+            <a:pPr marL="0" lvl="0" indent="0" algn="ctr">
+              <a:spcBef>
+                <a:spcPct val="0"/>
+              </a:spcBef>
+              <a:spcAft>
+                <a:spcPct val="0"/>
+              </a:spcAft>
+              <a:buNone/>
+            </a:pPr>
+            <a:fld id="{A38D1FC9-0253-4F5A-B25C-3D1A174E0B0B}" type="datetime'''''''''''''''O''utu''''''''''b''''''''''''''''''r''''o'''">
+              <a:rPr lang="pt-BR" altLang="en-US" sz="1400" smtClean="0"/>
+              <a:pPr/>
+              <a:t>Outubro</a:t>
+            </a:fld>
+            <a:endParaRPr lang="pt-BR" sz="1400" dirty="0"/>
+          </a:p>
+        </p:txBody>
+      </p:sp>
+      <p:sp>
+        <p:nvSpPr>
+          <p:cNvPr id="158" name="Text Placeholder 2"/>
+          <p:cNvSpPr>
+            <a:spLocks noGrp="1"/>
+          </p:cNvSpPr>
+          <p:nvPr>
+            <p:custDataLst>
+              <p:tags r:id="rId17"/>
+            </p:custDataLst>
+          </p:nvPr>
+        </p:nvSpPr>
+        <p:spPr bwMode="auto">
+          <a:xfrm>
+            <a:off x="10293350" y="6108700"/>
+            <a:ext cx="776288" cy="192088"/>
+          </a:xfrm>
+          <a:prstGeom prst="rect">
+            <a:avLst/>
+          </a:prstGeom>
+          <a:noFill/>
+          <a:ln>
+            <a:noFill/>
+          </a:ln>
+          <a:effectLst/>
+          <a:extLst>
+            <a:ext uri="{909E8E84-426E-40DD-AFC4-6F175D3DCCD1}">
+              <a14:hiddenFill xmlns:a14="http://schemas.microsoft.com/office/drawing/2010/main">
+                <a:solidFill>
+                  <a:scrgbClr r="0" g="0" b="0"/>
+                </a:solidFill>
+              </a14:hiddenFill>
+            </a:ext>
+          </a:extLst>
+        </p:spPr>
+        <p:txBody>
+          <a:bodyPr vert="horz" wrap="none" lIns="0" tIns="0" rIns="0" bIns="0" rtlCol="0" anchor="t">
+            <a:noAutofit/>
+          </a:bodyPr>
+          <a:lstStyle>
+            <a:lvl1pPr marL="228600" indent="-228600" algn="l" defTabSz="914400" rtl="0" eaLnBrk="1" latinLnBrk="0" hangingPunct="1">
+              <a:lnSpc>
+                <a:spcPct val="90000"/>
+              </a:lnSpc>
+              <a:spcBef>
+                <a:spcPts val="1000"/>
+              </a:spcBef>
+              <a:buFont typeface="Arial" panose="020B0604020202020204" pitchFamily="34" charset="0"/>
+              <a:buChar char="•"/>
+              <a:defRPr sz="2800" kern="1200">
+                <a:solidFill>
+                  <a:schemeClr val="tx1"/>
+                </a:solidFill>
+                <a:latin typeface="+mn-lt"/>
+                <a:ea typeface="+mn-ea"/>
+                <a:cs typeface="+mn-cs"/>
+              </a:defRPr>
+            </a:lvl1pPr>
+            <a:lvl2pPr marL="685800" indent="-228600" algn="l" defTabSz="914400" rtl="0" eaLnBrk="1" latinLnBrk="0" hangingPunct="1">
+              <a:lnSpc>
+                <a:spcPct val="90000"/>
+              </a:lnSpc>
+              <a:spcBef>
+                <a:spcPts val="500"/>
+              </a:spcBef>
+              <a:buFont typeface="Arial" panose="020B0604020202020204" pitchFamily="34" charset="0"/>
+              <a:buChar char="•"/>
+              <a:defRPr sz="2400" kern="1200">
+                <a:solidFill>
+                  <a:schemeClr val="tx1"/>
+                </a:solidFill>
+                <a:latin typeface="+mn-lt"/>
+                <a:ea typeface="+mn-ea"/>
+                <a:cs typeface="+mn-cs"/>
+              </a:defRPr>
+            </a:lvl2pPr>
+            <a:lvl3pPr marL="1143000" indent="-228600" algn="l" defTabSz="914400" rtl="0" eaLnBrk="1" latinLnBrk="0" hangingPunct="1">
+              <a:lnSpc>
+                <a:spcPct val="90000"/>
+              </a:lnSpc>
+              <a:spcBef>
+                <a:spcPts val="500"/>
+              </a:spcBef>
+              <a:buFont typeface="Arial" panose="020B0604020202020204" pitchFamily="34" charset="0"/>
+              <a:buChar char="•"/>
+              <a:defRPr sz="2000" kern="1200">
+                <a:solidFill>
+                  <a:schemeClr val="tx1"/>
+                </a:solidFill>
+                <a:latin typeface="+mn-lt"/>
+                <a:ea typeface="+mn-ea"/>
+                <a:cs typeface="+mn-cs"/>
+              </a:defRPr>
+            </a:lvl3pPr>
+            <a:lvl4pPr marL="1600200" indent="-228600" algn="l" defTabSz="914400" rtl="0" eaLnBrk="1" latinLnBrk="0" hangingPunct="1">
+              <a:lnSpc>
+                <a:spcPct val="90000"/>
+              </a:lnSpc>
+              <a:spcBef>
+                <a:spcPts val="500"/>
+              </a:spcBef>
+              <a:buFont typeface="Arial" panose="020B0604020202020204" pitchFamily="34" charset="0"/>
+              <a:buChar char="•"/>
+              <a:defRPr sz="1800" kern="1200">
+                <a:solidFill>
+                  <a:schemeClr val="tx1"/>
+                </a:solidFill>
+                <a:latin typeface="+mn-lt"/>
+                <a:ea typeface="+mn-ea"/>
+                <a:cs typeface="+mn-cs"/>
+              </a:defRPr>
+            </a:lvl4pPr>
+            <a:lvl5pPr marL="2057400" indent="-228600" algn="l" defTabSz="914400" rtl="0" eaLnBrk="1" latinLnBrk="0" hangingPunct="1">
+              <a:lnSpc>
+                <a:spcPct val="90000"/>
+              </a:lnSpc>
+              <a:spcBef>
+                <a:spcPts val="500"/>
+              </a:spcBef>
+              <a:buFont typeface="Arial" panose="020B0604020202020204" pitchFamily="34" charset="0"/>
+              <a:buChar char="•"/>
+              <a:defRPr sz="1800" kern="1200">
+                <a:solidFill>
+                  <a:schemeClr val="tx1"/>
+                </a:solidFill>
+                <a:latin typeface="+mn-lt"/>
+                <a:ea typeface="+mn-ea"/>
+                <a:cs typeface="+mn-cs"/>
+              </a:defRPr>
+            </a:lvl5pPr>
+            <a:lvl6pPr marL="2514600" indent="-228600" algn="l" defTabSz="914400" rtl="0" eaLnBrk="1" latinLnBrk="0" hangingPunct="1">
+              <a:lnSpc>
+                <a:spcPct val="90000"/>
+              </a:lnSpc>
+              <a:spcBef>
+                <a:spcPts val="500"/>
+              </a:spcBef>
+              <a:buFont typeface="Arial" panose="020B0604020202020204" pitchFamily="34" charset="0"/>
+              <a:buChar char="•"/>
+              <a:defRPr sz="1800" kern="1200">
+                <a:solidFill>
+                  <a:schemeClr val="tx1"/>
+                </a:solidFill>
+                <a:latin typeface="+mn-lt"/>
+                <a:ea typeface="+mn-ea"/>
+                <a:cs typeface="+mn-cs"/>
+              </a:defRPr>
+            </a:lvl6pPr>
+            <a:lvl7pPr marL="2971800" indent="-228600" algn="l" defTabSz="914400" rtl="0" eaLnBrk="1" latinLnBrk="0" hangingPunct="1">
+              <a:lnSpc>
+                <a:spcPct val="90000"/>
+              </a:lnSpc>
+              <a:spcBef>
+                <a:spcPts val="500"/>
+              </a:spcBef>
+              <a:buFont typeface="Arial" panose="020B0604020202020204" pitchFamily="34" charset="0"/>
+              <a:buChar char="•"/>
+              <a:defRPr sz="1800" kern="1200">
+                <a:solidFill>
+                  <a:schemeClr val="tx1"/>
+                </a:solidFill>
+                <a:latin typeface="+mn-lt"/>
+                <a:ea typeface="+mn-ea"/>
+                <a:cs typeface="+mn-cs"/>
+              </a:defRPr>
+            </a:lvl7pPr>
+            <a:lvl8pPr marL="3429000" indent="-228600" algn="l" defTabSz="914400" rtl="0" eaLnBrk="1" latinLnBrk="0" hangingPunct="1">
+              <a:lnSpc>
+                <a:spcPct val="90000"/>
+              </a:lnSpc>
+              <a:spcBef>
+                <a:spcPts val="500"/>
+              </a:spcBef>
+              <a:buFont typeface="Arial" panose="020B0604020202020204" pitchFamily="34" charset="0"/>
+              <a:buChar char="•"/>
+              <a:defRPr sz="1800" kern="1200">
+                <a:solidFill>
+                  <a:schemeClr val="tx1"/>
+                </a:solidFill>
+                <a:latin typeface="+mn-lt"/>
+                <a:ea typeface="+mn-ea"/>
+                <a:cs typeface="+mn-cs"/>
+              </a:defRPr>
+            </a:lvl8pPr>
+            <a:lvl9pPr marL="3886200" indent="-228600" algn="l" defTabSz="914400" rtl="0" eaLnBrk="1" latinLnBrk="0" hangingPunct="1">
+              <a:lnSpc>
+                <a:spcPct val="90000"/>
+              </a:lnSpc>
+              <a:spcBef>
+                <a:spcPts val="500"/>
+              </a:spcBef>
+              <a:buFont typeface="Arial" panose="020B0604020202020204" pitchFamily="34" charset="0"/>
+              <a:buChar char="•"/>
+              <a:defRPr sz="1800" kern="1200">
+                <a:solidFill>
+                  <a:schemeClr val="tx1"/>
+                </a:solidFill>
+                <a:latin typeface="+mn-lt"/>
+                <a:ea typeface="+mn-ea"/>
+                <a:cs typeface="+mn-cs"/>
+              </a:defRPr>
+            </a:lvl9pPr>
+          </a:lstStyle>
+          <a:p>
+            <a:pPr marL="0" lvl="0" indent="0" algn="ctr">
+              <a:spcBef>
+                <a:spcPct val="0"/>
+              </a:spcBef>
+              <a:spcAft>
+                <a:spcPct val="0"/>
+              </a:spcAft>
+              <a:buNone/>
+            </a:pPr>
+            <a:fld id="{AC73852D-877B-4BEF-881C-CAFC6B7DF414}" type="datetime'''N''''o''''''''''''v''''''e''m''''b''''r''''o'''''''''''''''">
+              <a:rPr lang="pt-BR" altLang="en-US" sz="1400" smtClean="0"/>
+              <a:pPr/>
+              <a:t>Novembro</a:t>
+            </a:fld>
+            <a:endParaRPr lang="pt-BR" sz="1400" dirty="0"/>
+          </a:p>
+        </p:txBody>
+      </p:sp>
+      <p:sp>
+        <p:nvSpPr>
+          <p:cNvPr id="159" name="Text Placeholder 2"/>
+          <p:cNvSpPr>
+            <a:spLocks noGrp="1"/>
+          </p:cNvSpPr>
+          <p:nvPr>
+            <p:custDataLst>
+              <p:tags r:id="rId18"/>
+            </p:custDataLst>
+          </p:nvPr>
+        </p:nvSpPr>
+        <p:spPr bwMode="auto">
+          <a:xfrm>
+            <a:off x="11318875" y="6108700"/>
+            <a:ext cx="752475" cy="192088"/>
+          </a:xfrm>
+          <a:prstGeom prst="rect">
+            <a:avLst/>
+          </a:prstGeom>
+          <a:noFill/>
+          <a:ln>
+            <a:noFill/>
+          </a:ln>
+          <a:effectLst/>
+          <a:extLst>
+            <a:ext uri="{909E8E84-426E-40DD-AFC4-6F175D3DCCD1}">
+              <a14:hiddenFill xmlns:a14="http://schemas.microsoft.com/office/drawing/2010/main">
+                <a:solidFill>
+                  <a:scrgbClr r="0" g="0" b="0"/>
+                </a:solidFill>
+              </a14:hiddenFill>
+            </a:ext>
+          </a:extLst>
+        </p:spPr>
+        <p:txBody>
+          <a:bodyPr vert="horz" wrap="none" lIns="0" tIns="0" rIns="0" bIns="0" rtlCol="0" anchor="t">
+            <a:noAutofit/>
+          </a:bodyPr>
+          <a:lstStyle>
+            <a:lvl1pPr marL="228600" indent="-228600" algn="l" defTabSz="914400" rtl="0" eaLnBrk="1" latinLnBrk="0" hangingPunct="1">
+              <a:lnSpc>
+                <a:spcPct val="90000"/>
+              </a:lnSpc>
+              <a:spcBef>
+                <a:spcPts val="1000"/>
+              </a:spcBef>
+              <a:buFont typeface="Arial" panose="020B0604020202020204" pitchFamily="34" charset="0"/>
+              <a:buChar char="•"/>
+              <a:defRPr sz="2800" kern="1200">
+                <a:solidFill>
+                  <a:schemeClr val="tx1"/>
+                </a:solidFill>
+                <a:latin typeface="+mn-lt"/>
+                <a:ea typeface="+mn-ea"/>
+                <a:cs typeface="+mn-cs"/>
+              </a:defRPr>
+            </a:lvl1pPr>
+            <a:lvl2pPr marL="685800" indent="-228600" algn="l" defTabSz="914400" rtl="0" eaLnBrk="1" latinLnBrk="0" hangingPunct="1">
+              <a:lnSpc>
+                <a:spcPct val="90000"/>
+              </a:lnSpc>
+              <a:spcBef>
+                <a:spcPts val="500"/>
+              </a:spcBef>
+              <a:buFont typeface="Arial" panose="020B0604020202020204" pitchFamily="34" charset="0"/>
+              <a:buChar char="•"/>
+              <a:defRPr sz="2400" kern="1200">
+                <a:solidFill>
+                  <a:schemeClr val="tx1"/>
+                </a:solidFill>
+                <a:latin typeface="+mn-lt"/>
+                <a:ea typeface="+mn-ea"/>
+                <a:cs typeface="+mn-cs"/>
+              </a:defRPr>
+            </a:lvl2pPr>
+            <a:lvl3pPr marL="1143000" indent="-228600" algn="l" defTabSz="914400" rtl="0" eaLnBrk="1" latinLnBrk="0" hangingPunct="1">
+              <a:lnSpc>
+                <a:spcPct val="90000"/>
+              </a:lnSpc>
+              <a:spcBef>
+                <a:spcPts val="500"/>
+              </a:spcBef>
+              <a:buFont typeface="Arial" panose="020B0604020202020204" pitchFamily="34" charset="0"/>
+              <a:buChar char="•"/>
+              <a:defRPr sz="2000" kern="1200">
+                <a:solidFill>
+                  <a:schemeClr val="tx1"/>
+                </a:solidFill>
+                <a:latin typeface="+mn-lt"/>
+                <a:ea typeface="+mn-ea"/>
+                <a:cs typeface="+mn-cs"/>
+              </a:defRPr>
+            </a:lvl3pPr>
+            <a:lvl4pPr marL="1600200" indent="-228600" algn="l" defTabSz="914400" rtl="0" eaLnBrk="1" latinLnBrk="0" hangingPunct="1">
+              <a:lnSpc>
+                <a:spcPct val="90000"/>
+              </a:lnSpc>
+              <a:spcBef>
+                <a:spcPts val="500"/>
+              </a:spcBef>
+              <a:buFont typeface="Arial" panose="020B0604020202020204" pitchFamily="34" charset="0"/>
+              <a:buChar char="•"/>
+              <a:defRPr sz="1800" kern="1200">
+                <a:solidFill>
+                  <a:schemeClr val="tx1"/>
+                </a:solidFill>
+                <a:latin typeface="+mn-lt"/>
+                <a:ea typeface="+mn-ea"/>
+                <a:cs typeface="+mn-cs"/>
+              </a:defRPr>
+            </a:lvl4pPr>
+            <a:lvl5pPr marL="2057400" indent="-228600" algn="l" defTabSz="914400" rtl="0" eaLnBrk="1" latinLnBrk="0" hangingPunct="1">
+              <a:lnSpc>
+                <a:spcPct val="90000"/>
+              </a:lnSpc>
+              <a:spcBef>
+                <a:spcPts val="500"/>
+              </a:spcBef>
+              <a:buFont typeface="Arial" panose="020B0604020202020204" pitchFamily="34" charset="0"/>
+              <a:buChar char="•"/>
+              <a:defRPr sz="1800" kern="1200">
+                <a:solidFill>
+                  <a:schemeClr val="tx1"/>
+                </a:solidFill>
+                <a:latin typeface="+mn-lt"/>
+                <a:ea typeface="+mn-ea"/>
+                <a:cs typeface="+mn-cs"/>
+              </a:defRPr>
+            </a:lvl5pPr>
+            <a:lvl6pPr marL="2514600" indent="-228600" algn="l" defTabSz="914400" rtl="0" eaLnBrk="1" latinLnBrk="0" hangingPunct="1">
+              <a:lnSpc>
+                <a:spcPct val="90000"/>
+              </a:lnSpc>
+              <a:spcBef>
+                <a:spcPts val="500"/>
+              </a:spcBef>
+              <a:buFont typeface="Arial" panose="020B0604020202020204" pitchFamily="34" charset="0"/>
+              <a:buChar char="•"/>
+              <a:defRPr sz="1800" kern="1200">
+                <a:solidFill>
+                  <a:schemeClr val="tx1"/>
+                </a:solidFill>
+                <a:latin typeface="+mn-lt"/>
+                <a:ea typeface="+mn-ea"/>
+                <a:cs typeface="+mn-cs"/>
+              </a:defRPr>
+            </a:lvl6pPr>
+            <a:lvl7pPr marL="2971800" indent="-228600" algn="l" defTabSz="914400" rtl="0" eaLnBrk="1" latinLnBrk="0" hangingPunct="1">
+              <a:lnSpc>
+                <a:spcPct val="90000"/>
+              </a:lnSpc>
+              <a:spcBef>
+                <a:spcPts val="500"/>
+              </a:spcBef>
+              <a:buFont typeface="Arial" panose="020B0604020202020204" pitchFamily="34" charset="0"/>
+              <a:buChar char="•"/>
+              <a:defRPr sz="1800" kern="1200">
+                <a:solidFill>
+                  <a:schemeClr val="tx1"/>
+                </a:solidFill>
+                <a:latin typeface="+mn-lt"/>
+                <a:ea typeface="+mn-ea"/>
+                <a:cs typeface="+mn-cs"/>
+              </a:defRPr>
+            </a:lvl7pPr>
+            <a:lvl8pPr marL="3429000" indent="-228600" algn="l" defTabSz="914400" rtl="0" eaLnBrk="1" latinLnBrk="0" hangingPunct="1">
+              <a:lnSpc>
+                <a:spcPct val="90000"/>
+              </a:lnSpc>
+              <a:spcBef>
+                <a:spcPts val="500"/>
+              </a:spcBef>
+              <a:buFont typeface="Arial" panose="020B0604020202020204" pitchFamily="34" charset="0"/>
+              <a:buChar char="•"/>
+              <a:defRPr sz="1800" kern="1200">
+                <a:solidFill>
+                  <a:schemeClr val="tx1"/>
+                </a:solidFill>
+                <a:latin typeface="+mn-lt"/>
+                <a:ea typeface="+mn-ea"/>
+                <a:cs typeface="+mn-cs"/>
+              </a:defRPr>
+            </a:lvl8pPr>
+            <a:lvl9pPr marL="3886200" indent="-228600" algn="l" defTabSz="914400" rtl="0" eaLnBrk="1" latinLnBrk="0" hangingPunct="1">
+              <a:lnSpc>
+                <a:spcPct val="90000"/>
+              </a:lnSpc>
+              <a:spcBef>
+                <a:spcPts val="500"/>
+              </a:spcBef>
+              <a:buFont typeface="Arial" panose="020B0604020202020204" pitchFamily="34" charset="0"/>
+              <a:buChar char="•"/>
+              <a:defRPr sz="1800" kern="1200">
+                <a:solidFill>
+                  <a:schemeClr val="tx1"/>
+                </a:solidFill>
+                <a:latin typeface="+mn-lt"/>
+                <a:ea typeface="+mn-ea"/>
+                <a:cs typeface="+mn-cs"/>
+              </a:defRPr>
+            </a:lvl9pPr>
+          </a:lstStyle>
+          <a:p>
+            <a:pPr marL="0" lvl="0" indent="0" algn="ctr">
+              <a:spcBef>
+                <a:spcPct val="0"/>
+              </a:spcBef>
+              <a:spcAft>
+                <a:spcPct val="0"/>
+              </a:spcAft>
+              <a:buNone/>
+            </a:pPr>
+            <a:fld id="{1AA2DC90-262B-45A2-93A8-331185929421}" type="datetime'''D''''''''''''e''''''''ze''''m''''''''''''''b''''''r''''o'">
+              <a:rPr lang="pt-BR" altLang="en-US" sz="1400" smtClean="0"/>
+              <a:pPr/>
+              <a:t>Dezembro</a:t>
+            </a:fld>
+            <a:endParaRPr lang="pt-BR" sz="1400" dirty="0"/>
+          </a:p>
+        </p:txBody>
+      </p:sp>
+      <p:sp>
+        <p:nvSpPr>
+          <p:cNvPr id="165" name="Text Placeholder 2"/>
+          <p:cNvSpPr>
+            <a:spLocks noGrp="1"/>
+          </p:cNvSpPr>
+          <p:nvPr>
+            <p:custDataLst>
+              <p:tags r:id="rId19"/>
+            </p:custDataLst>
+          </p:nvPr>
+        </p:nvSpPr>
+        <p:spPr bwMode="auto">
+          <a:xfrm>
+            <a:off x="7378700" y="849313"/>
+            <a:ext cx="517525" cy="273050"/>
+          </a:xfrm>
+          <a:prstGeom prst="ellipse">
+            <a:avLst/>
+          </a:prstGeom>
+          <a:solidFill>
+            <a:schemeClr val="bg1"/>
+          </a:solidFill>
+          <a:ln w="9525" cmpd="sng" algn="ctr">
+            <a:solidFill>
+              <a:schemeClr val="tx1"/>
+            </a:solidFill>
+          </a:ln>
+          <a:effectLst/>
+        </p:spPr>
+        <p:txBody>
+          <a:bodyPr vert="horz" wrap="none" lIns="0" tIns="0" rIns="0" bIns="0" rtlCol="0" anchor="ctr">
+            <a:noAutofit/>
+          </a:bodyPr>
+          <a:lstStyle>
+            <a:lvl1pPr marL="228600" indent="-228600" algn="l" defTabSz="914400" rtl="0" eaLnBrk="1" latinLnBrk="0" hangingPunct="1">
+              <a:lnSpc>
+                <a:spcPct val="90000"/>
+              </a:lnSpc>
+              <a:spcBef>
+                <a:spcPts val="1000"/>
+              </a:spcBef>
+              <a:buFont typeface="Arial" panose="020B0604020202020204" pitchFamily="34" charset="0"/>
+              <a:buChar char="•"/>
+              <a:defRPr sz="2800" kern="1200">
+                <a:solidFill>
+                  <a:schemeClr val="tx1"/>
+                </a:solidFill>
+                <a:latin typeface="+mn-lt"/>
+                <a:ea typeface="+mn-ea"/>
+                <a:cs typeface="+mn-cs"/>
+              </a:defRPr>
+            </a:lvl1pPr>
+            <a:lvl2pPr marL="685800" indent="-228600" algn="l" defTabSz="914400" rtl="0" eaLnBrk="1" latinLnBrk="0" hangingPunct="1">
+              <a:lnSpc>
+                <a:spcPct val="90000"/>
+              </a:lnSpc>
+              <a:spcBef>
+                <a:spcPts val="500"/>
+              </a:spcBef>
+              <a:buFont typeface="Arial" panose="020B0604020202020204" pitchFamily="34" charset="0"/>
+              <a:buChar char="•"/>
+              <a:defRPr sz="2400" kern="1200">
+                <a:solidFill>
+                  <a:schemeClr val="tx1"/>
+                </a:solidFill>
+                <a:latin typeface="+mn-lt"/>
+                <a:ea typeface="+mn-ea"/>
+                <a:cs typeface="+mn-cs"/>
+              </a:defRPr>
+            </a:lvl2pPr>
+            <a:lvl3pPr marL="1143000" indent="-228600" algn="l" defTabSz="914400" rtl="0" eaLnBrk="1" latinLnBrk="0" hangingPunct="1">
+              <a:lnSpc>
+                <a:spcPct val="90000"/>
+              </a:lnSpc>
+              <a:spcBef>
+                <a:spcPts val="500"/>
+              </a:spcBef>
+              <a:buFont typeface="Arial" panose="020B0604020202020204" pitchFamily="34" charset="0"/>
+              <a:buChar char="•"/>
+              <a:defRPr sz="2000" kern="1200">
+                <a:solidFill>
+                  <a:schemeClr val="tx1"/>
+                </a:solidFill>
+                <a:latin typeface="+mn-lt"/>
+                <a:ea typeface="+mn-ea"/>
+                <a:cs typeface="+mn-cs"/>
+              </a:defRPr>
+            </a:lvl3pPr>
+            <a:lvl4pPr marL="1600200" indent="-228600" algn="l" defTabSz="914400" rtl="0" eaLnBrk="1" latinLnBrk="0" hangingPunct="1">
+              <a:lnSpc>
+                <a:spcPct val="90000"/>
+              </a:lnSpc>
+              <a:spcBef>
+                <a:spcPts val="500"/>
+              </a:spcBef>
+              <a:buFont typeface="Arial" panose="020B0604020202020204" pitchFamily="34" charset="0"/>
+              <a:buChar char="•"/>
+              <a:defRPr sz="1800" kern="1200">
+                <a:solidFill>
+                  <a:schemeClr val="tx1"/>
+                </a:solidFill>
+                <a:latin typeface="+mn-lt"/>
+                <a:ea typeface="+mn-ea"/>
+                <a:cs typeface="+mn-cs"/>
+              </a:defRPr>
+            </a:lvl4pPr>
+            <a:lvl5pPr marL="2057400" indent="-228600" algn="l" defTabSz="914400" rtl="0" eaLnBrk="1" latinLnBrk="0" hangingPunct="1">
+              <a:lnSpc>
+                <a:spcPct val="90000"/>
+              </a:lnSpc>
+              <a:spcBef>
+                <a:spcPts val="500"/>
+              </a:spcBef>
+              <a:buFont typeface="Arial" panose="020B0604020202020204" pitchFamily="34" charset="0"/>
+              <a:buChar char="•"/>
+              <a:defRPr sz="1800" kern="1200">
+                <a:solidFill>
+                  <a:schemeClr val="tx1"/>
+                </a:solidFill>
+                <a:latin typeface="+mn-lt"/>
+                <a:ea typeface="+mn-ea"/>
+                <a:cs typeface="+mn-cs"/>
+              </a:defRPr>
+            </a:lvl5pPr>
+            <a:lvl6pPr marL="2514600" indent="-228600" algn="l" defTabSz="914400" rtl="0" eaLnBrk="1" latinLnBrk="0" hangingPunct="1">
+              <a:lnSpc>
+                <a:spcPct val="90000"/>
+              </a:lnSpc>
+              <a:spcBef>
+                <a:spcPts val="500"/>
+              </a:spcBef>
+              <a:buFont typeface="Arial" panose="020B0604020202020204" pitchFamily="34" charset="0"/>
+              <a:buChar char="•"/>
+              <a:defRPr sz="1800" kern="1200">
+                <a:solidFill>
+                  <a:schemeClr val="tx1"/>
+                </a:solidFill>
+                <a:latin typeface="+mn-lt"/>
+                <a:ea typeface="+mn-ea"/>
+                <a:cs typeface="+mn-cs"/>
+              </a:defRPr>
+            </a:lvl6pPr>
+            <a:lvl7pPr marL="2971800" indent="-228600" algn="l" defTabSz="914400" rtl="0" eaLnBrk="1" latinLnBrk="0" hangingPunct="1">
+              <a:lnSpc>
+                <a:spcPct val="90000"/>
+              </a:lnSpc>
+              <a:spcBef>
+                <a:spcPts val="500"/>
+              </a:spcBef>
+              <a:buFont typeface="Arial" panose="020B0604020202020204" pitchFamily="34" charset="0"/>
+              <a:buChar char="•"/>
+              <a:defRPr sz="1800" kern="1200">
+                <a:solidFill>
+                  <a:schemeClr val="tx1"/>
+                </a:solidFill>
+                <a:latin typeface="+mn-lt"/>
+                <a:ea typeface="+mn-ea"/>
+                <a:cs typeface="+mn-cs"/>
+              </a:defRPr>
+            </a:lvl7pPr>
+            <a:lvl8pPr marL="3429000" indent="-228600" algn="l" defTabSz="914400" rtl="0" eaLnBrk="1" latinLnBrk="0" hangingPunct="1">
+              <a:lnSpc>
+                <a:spcPct val="90000"/>
+              </a:lnSpc>
+              <a:spcBef>
+                <a:spcPts val="500"/>
+              </a:spcBef>
+              <a:buFont typeface="Arial" panose="020B0604020202020204" pitchFamily="34" charset="0"/>
+              <a:buChar char="•"/>
+              <a:defRPr sz="1800" kern="1200">
+                <a:solidFill>
+                  <a:schemeClr val="tx1"/>
+                </a:solidFill>
+                <a:latin typeface="+mn-lt"/>
+                <a:ea typeface="+mn-ea"/>
+                <a:cs typeface="+mn-cs"/>
+              </a:defRPr>
+            </a:lvl8pPr>
+            <a:lvl9pPr marL="3886200" indent="-228600" algn="l" defTabSz="914400" rtl="0" eaLnBrk="1" latinLnBrk="0" hangingPunct="1">
+              <a:lnSpc>
+                <a:spcPct val="90000"/>
+              </a:lnSpc>
+              <a:spcBef>
+                <a:spcPts val="500"/>
+              </a:spcBef>
+              <a:buFont typeface="Arial" panose="020B0604020202020204" pitchFamily="34" charset="0"/>
+              <a:buChar char="•"/>
+              <a:defRPr sz="1800" kern="1200">
+                <a:solidFill>
+                  <a:schemeClr val="tx1"/>
+                </a:solidFill>
+                <a:latin typeface="+mn-lt"/>
+                <a:ea typeface="+mn-ea"/>
+                <a:cs typeface="+mn-cs"/>
+              </a:defRPr>
+            </a:lvl9pPr>
+          </a:lstStyle>
+          <a:p>
+            <a:pPr marL="0" lvl="0" indent="0" algn="ctr">
+              <a:spcBef>
+                <a:spcPct val="0"/>
+              </a:spcBef>
+              <a:spcAft>
+                <a:spcPct val="0"/>
+              </a:spcAft>
+              <a:buNone/>
+            </a:pPr>
+            <a:fld id="{01EFF5D5-3C4A-4ADF-8A97-594CBAB2678E}" type="datetime'''''''''-''''''''''''''''''3''''5''''''''''''''''''''''%'">
+              <a:rPr lang="pt-BR" altLang="en-US" sz="1400" b="1" smtClean="0"/>
+              <a:pPr/>
+              <a:t>-35%</a:t>
+            </a:fld>
+            <a:endParaRPr lang="pt-BR" sz="1400" b="1" dirty="0"/>
+          </a:p>
+        </p:txBody>
+      </p:sp>
+      <p:sp>
+        <p:nvSpPr>
+          <p:cNvPr id="235" name="Google Shape;194;p6"/>
+          <p:cNvSpPr txBox="1"/>
+          <p:nvPr/>
+        </p:nvSpPr>
+        <p:spPr>
+          <a:xfrm>
+            <a:off x="0" y="108269"/>
+            <a:ext cx="12123880" cy="553968"/>
+          </a:xfrm>
+          <a:prstGeom prst="rect">
+            <a:avLst/>
+          </a:prstGeom>
+          <a:noFill/>
+          <a:ln>
+            <a:noFill/>
+          </a:ln>
+        </p:spPr>
+        <p:txBody>
+          <a:bodyPr spcFirstLastPara="1" wrap="square" lIns="91425" tIns="91425" rIns="91425" bIns="91425" anchor="t" anchorCtr="0">
+            <a:spAutoFit/>
+          </a:bodyPr>
+          <a:lstStyle/>
+          <a:p>
+            <a:pPr marL="0" marR="0" lvl="0" indent="0" algn="just" rtl="0">
+              <a:lnSpc>
+                <a:spcPct val="100000"/>
+              </a:lnSpc>
+              <a:spcBef>
+                <a:spcPts val="0"/>
+              </a:spcBef>
+              <a:spcAft>
+                <a:spcPts val="0"/>
+              </a:spcAft>
+              <a:buClr>
+                <a:srgbClr val="000000"/>
+              </a:buClr>
+              <a:buSzPts val="1400"/>
+              <a:buFont typeface="Arial"/>
+              <a:buNone/>
+            </a:pPr>
+            <a:r>
+              <a:rPr lang="pt-BR" sz="2400" b="1" i="0" u="none" strike="noStrike" cap="none" dirty="0" smtClean="0">
+                <a:solidFill>
+                  <a:schemeClr val="dk1"/>
+                </a:solidFill>
+                <a:latin typeface="Montserrat"/>
+                <a:ea typeface="Montserrat"/>
+                <a:cs typeface="Montserrat"/>
+                <a:sym typeface="Montserrat"/>
+              </a:rPr>
+              <a:t>Queda</a:t>
+            </a:r>
+            <a:r>
+              <a:rPr lang="pt-BR" sz="2400" i="0" u="none" strike="noStrike" cap="none" dirty="0" smtClean="0">
+                <a:solidFill>
+                  <a:schemeClr val="dk1"/>
+                </a:solidFill>
+                <a:latin typeface="Montserrat"/>
+                <a:ea typeface="Montserrat"/>
+                <a:cs typeface="Montserrat"/>
+                <a:sym typeface="Montserrat"/>
+              </a:rPr>
+              <a:t> de </a:t>
+            </a:r>
+            <a:r>
+              <a:rPr lang="pt-BR" sz="2400" b="1" i="0" u="none" strike="noStrike" cap="none" dirty="0" smtClean="0">
+                <a:solidFill>
+                  <a:schemeClr val="dk1"/>
+                </a:solidFill>
+                <a:latin typeface="Montserrat"/>
+                <a:ea typeface="Montserrat"/>
+                <a:cs typeface="Montserrat"/>
+                <a:sym typeface="Montserrat"/>
+              </a:rPr>
+              <a:t>35%</a:t>
+            </a:r>
+            <a:r>
+              <a:rPr lang="pt-BR" sz="2400" i="0" u="none" strike="noStrike" cap="none" dirty="0" smtClean="0">
+                <a:solidFill>
+                  <a:schemeClr val="dk1"/>
+                </a:solidFill>
+                <a:latin typeface="Montserrat"/>
+                <a:ea typeface="Montserrat"/>
+                <a:cs typeface="Montserrat"/>
+                <a:sym typeface="Montserrat"/>
+              </a:rPr>
+              <a:t> nos maiores valores registrados entre os meses de </a:t>
+            </a:r>
+            <a:r>
+              <a:rPr lang="pt-BR" sz="2400" b="1" i="0" u="none" strike="noStrike" cap="none" dirty="0" smtClean="0">
+                <a:solidFill>
+                  <a:schemeClr val="dk1"/>
+                </a:solidFill>
+                <a:latin typeface="Montserrat"/>
+                <a:ea typeface="Montserrat"/>
+                <a:cs typeface="Montserrat"/>
+                <a:sym typeface="Montserrat"/>
+              </a:rPr>
+              <a:t>Julho</a:t>
+            </a:r>
+            <a:r>
+              <a:rPr lang="pt-BR" sz="2400" i="0" u="none" strike="noStrike" cap="none" dirty="0" smtClean="0">
+                <a:solidFill>
+                  <a:schemeClr val="dk1"/>
+                </a:solidFill>
+                <a:latin typeface="Montserrat"/>
+                <a:ea typeface="Montserrat"/>
+                <a:cs typeface="Montserrat"/>
+                <a:sym typeface="Montserrat"/>
+              </a:rPr>
+              <a:t> e </a:t>
+            </a:r>
+            <a:r>
+              <a:rPr lang="pt-BR" sz="2400" b="1" i="0" u="none" strike="noStrike" cap="none" dirty="0" smtClean="0">
+                <a:solidFill>
+                  <a:schemeClr val="dk1"/>
+                </a:solidFill>
+                <a:latin typeface="Montserrat"/>
+                <a:ea typeface="Montserrat"/>
+                <a:cs typeface="Montserrat"/>
+                <a:sym typeface="Montserrat"/>
+              </a:rPr>
+              <a:t>Outubro</a:t>
+            </a:r>
+            <a:endParaRPr sz="2400" b="1" i="0" u="none" strike="noStrike" cap="none" dirty="0">
+              <a:solidFill>
+                <a:schemeClr val="dk1"/>
+              </a:solidFill>
+              <a:latin typeface="Montserrat"/>
+              <a:ea typeface="Montserrat"/>
+              <a:cs typeface="Montserrat"/>
+              <a:sym typeface="Montserrat"/>
+            </a:endParaRPr>
+          </a:p>
+        </p:txBody>
+      </p:sp>
+      <p:cxnSp>
+        <p:nvCxnSpPr>
+          <p:cNvPr id="236" name="Google Shape;195;p6"/>
+          <p:cNvCxnSpPr/>
+          <p:nvPr/>
+        </p:nvCxnSpPr>
+        <p:spPr>
+          <a:xfrm>
+            <a:off x="4762" y="717799"/>
+            <a:ext cx="11752119" cy="0"/>
+          </a:xfrm>
+          <a:prstGeom prst="straightConnector1">
+            <a:avLst/>
+          </a:prstGeom>
+          <a:noFill/>
+          <a:ln w="38100" cap="flat" cmpd="sng">
+            <a:solidFill>
+              <a:srgbClr val="70AD47"/>
+            </a:solidFill>
+            <a:prstDash val="solid"/>
+            <a:round/>
+            <a:headEnd type="none" w="sm" len="sm"/>
+            <a:tailEnd type="none" w="sm" len="sm"/>
+          </a:ln>
+        </p:spPr>
+      </p:cxnSp>
+      <p:sp>
+        <p:nvSpPr>
+          <p:cNvPr id="237" name="Google Shape;197;p6"/>
+          <p:cNvSpPr txBox="1"/>
+          <p:nvPr/>
+        </p:nvSpPr>
+        <p:spPr>
+          <a:xfrm>
+            <a:off x="0" y="717799"/>
+            <a:ext cx="10424964" cy="600134"/>
+          </a:xfrm>
+          <a:prstGeom prst="rect">
+            <a:avLst/>
+          </a:prstGeom>
+          <a:noFill/>
+          <a:ln>
+            <a:noFill/>
+          </a:ln>
+        </p:spPr>
+        <p:txBody>
+          <a:bodyPr spcFirstLastPara="1" wrap="square" lIns="91425" tIns="91425" rIns="91425" bIns="91425" anchor="t" anchorCtr="0">
+            <a:spAutoFit/>
+          </a:bodyPr>
+          <a:lstStyle/>
+          <a:p>
+            <a:pPr marL="0" marR="0" lvl="0" indent="0" algn="just" rtl="0">
+              <a:lnSpc>
+                <a:spcPct val="100000"/>
+              </a:lnSpc>
+              <a:spcBef>
+                <a:spcPts val="0"/>
+              </a:spcBef>
+              <a:spcAft>
+                <a:spcPts val="0"/>
+              </a:spcAft>
+              <a:buClr>
+                <a:srgbClr val="000000"/>
+              </a:buClr>
+              <a:buSzPts val="1500"/>
+              <a:buFont typeface="Arial"/>
+              <a:buNone/>
+            </a:pPr>
+            <a:r>
+              <a:rPr lang="pt-BR" sz="1600" b="1" i="0" u="none" strike="noStrike" cap="none" dirty="0" smtClean="0">
+                <a:solidFill>
+                  <a:srgbClr val="000000"/>
+                </a:solidFill>
+                <a:latin typeface="Hammersmith One"/>
+                <a:ea typeface="Hammersmith One"/>
+                <a:cs typeface="Hammersmith One"/>
+                <a:sym typeface="Hammersmith One"/>
+              </a:rPr>
+              <a:t>Maiores registrados em cada mês desde 2021</a:t>
+            </a:r>
+            <a:endParaRPr sz="1600" b="1" i="0" u="none" strike="noStrike" cap="none" dirty="0">
+              <a:solidFill>
+                <a:srgbClr val="000000"/>
+              </a:solidFill>
+              <a:latin typeface="Hammersmith One"/>
+              <a:ea typeface="Hammersmith One"/>
+              <a:cs typeface="Hammersmith One"/>
+              <a:sym typeface="Hammersmith One"/>
+            </a:endParaRPr>
+          </a:p>
+          <a:p>
+            <a:pPr marL="0" marR="0" lvl="0" indent="0" algn="just" rtl="0">
+              <a:lnSpc>
+                <a:spcPct val="100000"/>
+              </a:lnSpc>
+              <a:spcBef>
+                <a:spcPts val="0"/>
+              </a:spcBef>
+              <a:spcAft>
+                <a:spcPts val="0"/>
+              </a:spcAft>
+              <a:buClr>
+                <a:srgbClr val="000000"/>
+              </a:buClr>
+              <a:buSzPts val="1100"/>
+              <a:buFont typeface="Arial"/>
+              <a:buNone/>
+            </a:pPr>
+            <a:r>
+              <a:rPr lang="pt-BR" sz="1100" b="0" i="0" u="none" strike="noStrike" cap="none" dirty="0" smtClean="0">
+                <a:solidFill>
+                  <a:srgbClr val="666666"/>
+                </a:solidFill>
+                <a:latin typeface="Montserrat"/>
+                <a:ea typeface="Montserrat"/>
+                <a:cs typeface="Montserrat"/>
+                <a:sym typeface="Montserrat"/>
+              </a:rPr>
+              <a:t>Em reais</a:t>
+            </a:r>
+          </a:p>
+        </p:txBody>
+      </p:sp>
+      <p:sp>
+        <p:nvSpPr>
+          <p:cNvPr id="248" name="Google Shape;206;p7"/>
+          <p:cNvSpPr txBox="1"/>
+          <p:nvPr/>
+        </p:nvSpPr>
+        <p:spPr>
+          <a:xfrm>
+            <a:off x="40713" y="6311264"/>
+            <a:ext cx="2358000" cy="338524"/>
+          </a:xfrm>
+          <a:prstGeom prst="rect">
+            <a:avLst/>
+          </a:prstGeom>
+          <a:noFill/>
+          <a:ln>
+            <a:noFill/>
+          </a:ln>
+        </p:spPr>
+        <p:txBody>
+          <a:bodyPr spcFirstLastPara="1" wrap="square" lIns="91425" tIns="91425" rIns="91425" bIns="91425" anchor="t" anchorCtr="0">
+            <a:spAutoFit/>
+          </a:bodyPr>
+          <a:lstStyle/>
+          <a:p>
+            <a:pPr marL="0" marR="0" lvl="0" indent="0" algn="just" rtl="0">
+              <a:lnSpc>
+                <a:spcPct val="100000"/>
+              </a:lnSpc>
+              <a:spcBef>
+                <a:spcPts val="0"/>
+              </a:spcBef>
+              <a:spcAft>
+                <a:spcPts val="0"/>
+              </a:spcAft>
+              <a:buClr>
+                <a:srgbClr val="000000"/>
+              </a:buClr>
+              <a:buSzPts val="1000"/>
+              <a:buFont typeface="Arial"/>
+              <a:buNone/>
+            </a:pPr>
+            <a:r>
+              <a:rPr lang="pt-BR" sz="1000" b="0" i="0" u="none" strike="noStrike" cap="none" dirty="0">
+                <a:solidFill>
+                  <a:srgbClr val="666666"/>
+                </a:solidFill>
+                <a:latin typeface="Montserrat"/>
+                <a:ea typeface="Montserrat"/>
+                <a:cs typeface="Montserrat"/>
+                <a:sym typeface="Montserrat"/>
+              </a:rPr>
+              <a:t>Fonte: </a:t>
+            </a:r>
+            <a:r>
+              <a:rPr lang="pt-BR" sz="1000" dirty="0" smtClean="0">
+                <a:solidFill>
+                  <a:srgbClr val="666666"/>
+                </a:solidFill>
+                <a:latin typeface="Montserrat"/>
+                <a:ea typeface="Montserrat"/>
+                <a:cs typeface="Montserrat"/>
+                <a:sym typeface="Montserrat"/>
+              </a:rPr>
+              <a:t>Seasa Bahia</a:t>
+            </a:r>
+          </a:p>
+        </p:txBody>
+      </p:sp>
+    </p:spTree>
+    <p:extLst>
+      <p:ext uri="{BB962C8B-B14F-4D97-AF65-F5344CB8AC3E}">
+        <p14:creationId xmlns:p14="http://schemas.microsoft.com/office/powerpoint/2010/main" val="4126130625"/>
+      </p:ext>
+    </p:extLst>
+  </p:cSld>
+  <p:clrMapOvr>
+    <a:masterClrMapping/>
+  </p:clrMapOvr>
+  <p:timing>
+    <p:tnLst>
+      <p:par>
+        <p:cTn id="1" dur="indefinite" restart="never" nodeType="tmRoot"/>
+      </p:par>
+    </p:tnLst>
+  </p:timing>
+</p:sld>
+</file>
+
+<file path=ppt/slides/slide3.xml><?xml version="1.0" encoding="utf-8"?>
+<p:sld xmlns:a="http://schemas.openxmlformats.org/drawingml/2006/main" xmlns:r="http://schemas.openxmlformats.org/officeDocument/2006/relationships" xmlns:p="http://schemas.openxmlformats.org/presentationml/2006/main">
+  <p:cSld>
+    <p:spTree>
+      <p:nvGrpSpPr>
+        <p:cNvPr id="1" name=""/>
+        <p:cNvGrpSpPr/>
+        <p:nvPr/>
+      </p:nvGrpSpPr>
+      <p:grpSpPr>
+        <a:xfrm>
+          <a:off x="0" y="0"/>
+          <a:ext cx="0" cy="0"/>
+          <a:chOff x="0" y="0"/>
+          <a:chExt cx="0" cy="0"/>
+        </a:xfrm>
+      </p:grpSpPr>
+      <p:graphicFrame>
+        <p:nvGraphicFramePr>
+          <p:cNvPr id="6" name="think-cell data - do not delete" hidden="1"/>
+          <p:cNvGraphicFramePr>
+            <a:graphicFrameLocks noChangeAspect="1"/>
+          </p:cNvGraphicFramePr>
+          <p:nvPr>
+            <p:custDataLst>
+              <p:tags r:id="rId2"/>
+            </p:custDataLst>
+            <p:extLst>
+              <p:ext uri="{D42A27DB-BD31-4B8C-83A1-F6EECF244321}">
+                <p14:modId xmlns:p14="http://schemas.microsoft.com/office/powerpoint/2010/main" val="394835578"/>
+              </p:ext>
+            </p:extLst>
+          </p:nvPr>
+        </p:nvGraphicFramePr>
+        <p:xfrm>
+          <a:off x="1588" y="1588"/>
+          <a:ext cx="1588" cy="1588"/>
+        </p:xfrm>
+        <a:graphic>
+          <a:graphicData uri="http://schemas.openxmlformats.org/presentationml/2006/ole">
+            <mc:AlternateContent xmlns:mc="http://schemas.openxmlformats.org/markup-compatibility/2006">
+              <mc:Choice xmlns:v="urn:schemas-microsoft-com:vml" Requires="v">
+                <p:oleObj spid="_x0000_s4099" name="think-cell Slide" r:id="rId9" imgW="425" imgH="424" progId="TCLayout.ActiveDocument.1">
+                  <p:embed/>
+                </p:oleObj>
+              </mc:Choice>
+              <mc:Fallback>
+                <p:oleObj name="think-cell Slide" r:id="rId9" imgW="425" imgH="424" progId="TCLayout.ActiveDocument.1">
+                  <p:embed/>
+                  <p:pic>
+                    <p:nvPicPr>
+                      <p:cNvPr id="0" name=""/>
+                      <p:cNvPicPr/>
+                      <p:nvPr/>
+                    </p:nvPicPr>
+                    <p:blipFill>
+                      <a:blip r:embed="rId10"/>
+                      <a:stretch>
+                        <a:fillRect/>
+                      </a:stretch>
+                    </p:blipFill>
+                    <p:spPr>
+                      <a:xfrm>
+                        <a:off x="1588" y="1588"/>
+                        <a:ext cx="1588" cy="1588"/>
+                      </a:xfrm>
+                      <a:prstGeom prst="rect">
+                        <a:avLst/>
+                      </a:prstGeom>
+                    </p:spPr>
+                  </p:pic>
+                </p:oleObj>
+              </mc:Fallback>
+            </mc:AlternateContent>
+          </a:graphicData>
+        </a:graphic>
+      </p:graphicFrame>
+      <p:graphicFrame>
+        <p:nvGraphicFramePr>
+          <p:cNvPr id="79" name="Chart 78"/>
+          <p:cNvGraphicFramePr/>
+          <p:nvPr>
+            <p:custDataLst>
+              <p:tags r:id="rId3"/>
+            </p:custDataLst>
+            <p:extLst>
+              <p:ext uri="{D42A27DB-BD31-4B8C-83A1-F6EECF244321}">
+                <p14:modId xmlns:p14="http://schemas.microsoft.com/office/powerpoint/2010/main" val="713278996"/>
+              </p:ext>
+            </p:extLst>
+          </p:nvPr>
+        </p:nvGraphicFramePr>
+        <p:xfrm>
+          <a:off x="-53975" y="971550"/>
+          <a:ext cx="12193588" cy="5500688"/>
+        </p:xfrm>
+        <a:graphic>
+          <a:graphicData uri="http://schemas.openxmlformats.org/drawingml/2006/chart">
+            <c:chart xmlns:c="http://schemas.openxmlformats.org/drawingml/2006/chart" xmlns:r="http://schemas.openxmlformats.org/officeDocument/2006/relationships" r:id="rId11"/>
+          </a:graphicData>
+        </a:graphic>
+      </p:graphicFrame>
+      <p:cxnSp>
+        <p:nvCxnSpPr>
+          <p:cNvPr id="70" name="Straight Connector 69"/>
+          <p:cNvCxnSpPr/>
+          <p:nvPr>
+            <p:custDataLst>
+              <p:tags r:id="rId4"/>
+            </p:custDataLst>
+          </p:nvPr>
+        </p:nvCxnSpPr>
+        <p:spPr bwMode="auto">
+          <a:xfrm>
+            <a:off x="328613" y="3724275"/>
+            <a:ext cx="11547475" cy="0"/>
+          </a:xfrm>
+          <a:prstGeom prst="line">
+            <a:avLst/>
+          </a:prstGeom>
+          <a:ln w="6350" cap="flat" cmpd="sng" algn="ctr">
+            <a:solidFill>
+              <a:schemeClr val="tx1"/>
+            </a:solidFill>
+            <a:prstDash val="dash"/>
+            <a:miter lim="800000"/>
+            <a:headEnd type="none" w="med" len="med"/>
+            <a:tailEnd type="none" w="med" len="med"/>
+          </a:ln>
+          <a:effectLst/>
+        </p:spPr>
+        <p:style>
+          <a:lnRef idx="1">
+            <a:schemeClr val="dk1"/>
+          </a:lnRef>
+          <a:fillRef idx="0">
+            <a:schemeClr val="dk1"/>
+          </a:fillRef>
+          <a:effectRef idx="0">
+            <a:schemeClr val="dk1"/>
+          </a:effectRef>
+          <a:fontRef idx="minor">
+            <a:schemeClr val="tx1"/>
+          </a:fontRef>
+        </p:style>
+      </p:cxnSp>
+      <p:cxnSp>
+        <p:nvCxnSpPr>
+          <p:cNvPr id="71" name="Straight Connector 70"/>
+          <p:cNvCxnSpPr/>
+          <p:nvPr>
+            <p:custDataLst>
+              <p:tags r:id="rId5"/>
+            </p:custDataLst>
+          </p:nvPr>
+        </p:nvCxnSpPr>
+        <p:spPr bwMode="auto">
+          <a:xfrm>
+            <a:off x="11757025" y="1438275"/>
+            <a:ext cx="119063" cy="0"/>
+          </a:xfrm>
+          <a:prstGeom prst="line">
+            <a:avLst/>
+          </a:prstGeom>
+          <a:ln w="6350" cap="flat" cmpd="sng" algn="ctr">
+            <a:solidFill>
+              <a:schemeClr val="tx1"/>
+            </a:solidFill>
+            <a:prstDash val="dash"/>
+            <a:miter lim="800000"/>
+            <a:headEnd type="none" w="med" len="med"/>
+            <a:tailEnd type="none" w="med" len="med"/>
+          </a:ln>
+          <a:effectLst/>
+        </p:spPr>
+        <p:style>
+          <a:lnRef idx="1">
+            <a:schemeClr val="dk1"/>
+          </a:lnRef>
+          <a:fillRef idx="0">
+            <a:schemeClr val="dk1"/>
+          </a:fillRef>
+          <a:effectRef idx="0">
+            <a:schemeClr val="dk1"/>
+          </a:effectRef>
+          <a:fontRef idx="minor">
+            <a:schemeClr val="tx1"/>
+          </a:fontRef>
+        </p:style>
+      </p:cxnSp>
+      <p:cxnSp>
+        <p:nvCxnSpPr>
+          <p:cNvPr id="72" name="Straight Connector 71"/>
+          <p:cNvCxnSpPr/>
+          <p:nvPr>
+            <p:custDataLst>
+              <p:tags r:id="rId6"/>
+            </p:custDataLst>
+          </p:nvPr>
+        </p:nvCxnSpPr>
+        <p:spPr bwMode="auto">
+          <a:xfrm flipV="1">
+            <a:off x="11833225" y="1435100"/>
+            <a:ext cx="0" cy="2292350"/>
+          </a:xfrm>
+          <a:prstGeom prst="line">
+            <a:avLst/>
+          </a:prstGeom>
+          <a:ln w="28575" cap="flat" cmpd="sng" algn="ctr">
+            <a:solidFill>
+              <a:schemeClr val="tx1"/>
+            </a:solidFill>
+            <a:prstDash val="solid"/>
+            <a:miter lim="800000"/>
+            <a:headEnd type="none" w="med" len="med"/>
+            <a:tailEnd type="triangle" w="med" len="med"/>
+          </a:ln>
+          <a:effectLst/>
+        </p:spPr>
+        <p:style>
+          <a:lnRef idx="1">
+            <a:schemeClr val="dk1"/>
+          </a:lnRef>
+          <a:fillRef idx="0">
+            <a:schemeClr val="dk1"/>
+          </a:fillRef>
+          <a:effectRef idx="0">
+            <a:schemeClr val="dk1"/>
+          </a:effectRef>
+          <a:fontRef idx="minor">
+            <a:schemeClr val="tx1"/>
+          </a:fontRef>
+        </p:style>
+      </p:cxnSp>
+      <p:sp>
+        <p:nvSpPr>
+          <p:cNvPr id="69" name="Text Placeholder 2"/>
+          <p:cNvSpPr>
+            <a:spLocks noGrp="1"/>
+          </p:cNvSpPr>
+          <p:nvPr>
+            <p:custDataLst>
+              <p:tags r:id="rId7"/>
+            </p:custDataLst>
+          </p:nvPr>
+        </p:nvSpPr>
+        <p:spPr bwMode="auto">
+          <a:xfrm>
+            <a:off x="11176000" y="2444750"/>
+            <a:ext cx="566738" cy="273050"/>
+          </a:xfrm>
+          <a:prstGeom prst="ellipse">
+            <a:avLst/>
+          </a:prstGeom>
+          <a:solidFill>
+            <a:schemeClr val="bg1"/>
+          </a:solidFill>
+          <a:ln w="9525" cmpd="sng" algn="ctr">
+            <a:solidFill>
+              <a:schemeClr val="tx1"/>
+            </a:solidFill>
+          </a:ln>
+          <a:effectLst/>
+        </p:spPr>
+        <p:txBody>
+          <a:bodyPr vert="horz" wrap="none" lIns="0" tIns="0" rIns="0" bIns="0" rtlCol="0" anchor="ctr">
+            <a:noAutofit/>
+          </a:bodyPr>
+          <a:lstStyle>
+            <a:lvl1pPr marL="228600" indent="-228600" algn="l" defTabSz="914400" rtl="0" eaLnBrk="1" latinLnBrk="0" hangingPunct="1">
+              <a:lnSpc>
+                <a:spcPct val="90000"/>
+              </a:lnSpc>
+              <a:spcBef>
+                <a:spcPts val="1000"/>
+              </a:spcBef>
+              <a:buFont typeface="Arial" panose="020B0604020202020204" pitchFamily="34" charset="0"/>
+              <a:buChar char="•"/>
+              <a:defRPr sz="2800" kern="1200">
+                <a:solidFill>
+                  <a:schemeClr val="tx1"/>
+                </a:solidFill>
+                <a:latin typeface="+mn-lt"/>
+                <a:ea typeface="+mn-ea"/>
+                <a:cs typeface="+mn-cs"/>
+              </a:defRPr>
+            </a:lvl1pPr>
+            <a:lvl2pPr marL="685800" indent="-228600" algn="l" defTabSz="914400" rtl="0" eaLnBrk="1" latinLnBrk="0" hangingPunct="1">
+              <a:lnSpc>
+                <a:spcPct val="90000"/>
+              </a:lnSpc>
+              <a:spcBef>
+                <a:spcPts val="500"/>
+              </a:spcBef>
+              <a:buFont typeface="Arial" panose="020B0604020202020204" pitchFamily="34" charset="0"/>
+              <a:buChar char="•"/>
+              <a:defRPr sz="2400" kern="1200">
+                <a:solidFill>
+                  <a:schemeClr val="tx1"/>
+                </a:solidFill>
+                <a:latin typeface="+mn-lt"/>
+                <a:ea typeface="+mn-ea"/>
+                <a:cs typeface="+mn-cs"/>
+              </a:defRPr>
+            </a:lvl2pPr>
+            <a:lvl3pPr marL="1143000" indent="-228600" algn="l" defTabSz="914400" rtl="0" eaLnBrk="1" latinLnBrk="0" hangingPunct="1">
+              <a:lnSpc>
+                <a:spcPct val="90000"/>
+              </a:lnSpc>
+              <a:spcBef>
+                <a:spcPts val="500"/>
+              </a:spcBef>
+              <a:buFont typeface="Arial" panose="020B0604020202020204" pitchFamily="34" charset="0"/>
+              <a:buChar char="•"/>
+              <a:defRPr sz="2000" kern="1200">
+                <a:solidFill>
+                  <a:schemeClr val="tx1"/>
+                </a:solidFill>
+                <a:latin typeface="+mn-lt"/>
+                <a:ea typeface="+mn-ea"/>
+                <a:cs typeface="+mn-cs"/>
+              </a:defRPr>
+            </a:lvl3pPr>
+            <a:lvl4pPr marL="1600200" indent="-228600" algn="l" defTabSz="914400" rtl="0" eaLnBrk="1" latinLnBrk="0" hangingPunct="1">
+              <a:lnSpc>
+                <a:spcPct val="90000"/>
+              </a:lnSpc>
+              <a:spcBef>
+                <a:spcPts val="500"/>
+              </a:spcBef>
+              <a:buFont typeface="Arial" panose="020B0604020202020204" pitchFamily="34" charset="0"/>
+              <a:buChar char="•"/>
+              <a:defRPr sz="1800" kern="1200">
+                <a:solidFill>
+                  <a:schemeClr val="tx1"/>
+                </a:solidFill>
+                <a:latin typeface="+mn-lt"/>
+                <a:ea typeface="+mn-ea"/>
+                <a:cs typeface="+mn-cs"/>
+              </a:defRPr>
+            </a:lvl4pPr>
+            <a:lvl5pPr marL="2057400" indent="-228600" algn="l" defTabSz="914400" rtl="0" eaLnBrk="1" latinLnBrk="0" hangingPunct="1">
+              <a:lnSpc>
+                <a:spcPct val="90000"/>
+              </a:lnSpc>
+              <a:spcBef>
+                <a:spcPts val="500"/>
+              </a:spcBef>
+              <a:buFont typeface="Arial" panose="020B0604020202020204" pitchFamily="34" charset="0"/>
+              <a:buChar char="•"/>
+              <a:defRPr sz="1800" kern="1200">
+                <a:solidFill>
+                  <a:schemeClr val="tx1"/>
+                </a:solidFill>
+                <a:latin typeface="+mn-lt"/>
+                <a:ea typeface="+mn-ea"/>
+                <a:cs typeface="+mn-cs"/>
+              </a:defRPr>
+            </a:lvl5pPr>
+            <a:lvl6pPr marL="2514600" indent="-228600" algn="l" defTabSz="914400" rtl="0" eaLnBrk="1" latinLnBrk="0" hangingPunct="1">
+              <a:lnSpc>
+                <a:spcPct val="90000"/>
+              </a:lnSpc>
+              <a:spcBef>
+                <a:spcPts val="500"/>
+              </a:spcBef>
+              <a:buFont typeface="Arial" panose="020B0604020202020204" pitchFamily="34" charset="0"/>
+              <a:buChar char="•"/>
+              <a:defRPr sz="1800" kern="1200">
+                <a:solidFill>
+                  <a:schemeClr val="tx1"/>
+                </a:solidFill>
+                <a:latin typeface="+mn-lt"/>
+                <a:ea typeface="+mn-ea"/>
+                <a:cs typeface="+mn-cs"/>
+              </a:defRPr>
+            </a:lvl6pPr>
+            <a:lvl7pPr marL="2971800" indent="-228600" algn="l" defTabSz="914400" rtl="0" eaLnBrk="1" latinLnBrk="0" hangingPunct="1">
+              <a:lnSpc>
+                <a:spcPct val="90000"/>
+              </a:lnSpc>
+              <a:spcBef>
+                <a:spcPts val="500"/>
+              </a:spcBef>
+              <a:buFont typeface="Arial" panose="020B0604020202020204" pitchFamily="34" charset="0"/>
+              <a:buChar char="•"/>
+              <a:defRPr sz="1800" kern="1200">
+                <a:solidFill>
+                  <a:schemeClr val="tx1"/>
+                </a:solidFill>
+                <a:latin typeface="+mn-lt"/>
+                <a:ea typeface="+mn-ea"/>
+                <a:cs typeface="+mn-cs"/>
+              </a:defRPr>
+            </a:lvl7pPr>
+            <a:lvl8pPr marL="3429000" indent="-228600" algn="l" defTabSz="914400" rtl="0" eaLnBrk="1" latinLnBrk="0" hangingPunct="1">
+              <a:lnSpc>
+                <a:spcPct val="90000"/>
+              </a:lnSpc>
+              <a:spcBef>
+                <a:spcPts val="500"/>
+              </a:spcBef>
+              <a:buFont typeface="Arial" panose="020B0604020202020204" pitchFamily="34" charset="0"/>
+              <a:buChar char="•"/>
+              <a:defRPr sz="1800" kern="1200">
+                <a:solidFill>
+                  <a:schemeClr val="tx1"/>
+                </a:solidFill>
+                <a:latin typeface="+mn-lt"/>
+                <a:ea typeface="+mn-ea"/>
+                <a:cs typeface="+mn-cs"/>
+              </a:defRPr>
+            </a:lvl8pPr>
+            <a:lvl9pPr marL="3886200" indent="-228600" algn="l" defTabSz="914400" rtl="0" eaLnBrk="1" latinLnBrk="0" hangingPunct="1">
+              <a:lnSpc>
+                <a:spcPct val="90000"/>
+              </a:lnSpc>
+              <a:spcBef>
+                <a:spcPts val="500"/>
+              </a:spcBef>
+              <a:buFont typeface="Arial" panose="020B0604020202020204" pitchFamily="34" charset="0"/>
+              <a:buChar char="•"/>
+              <a:defRPr sz="1800" kern="1200">
+                <a:solidFill>
+                  <a:schemeClr val="tx1"/>
+                </a:solidFill>
+                <a:latin typeface="+mn-lt"/>
+                <a:ea typeface="+mn-ea"/>
+                <a:cs typeface="+mn-cs"/>
+              </a:defRPr>
+            </a:lvl9pPr>
+          </a:lstStyle>
+          <a:p>
+            <a:pPr marL="0" lvl="0" indent="0" algn="ctr">
+              <a:spcBef>
+                <a:spcPct val="0"/>
+              </a:spcBef>
+              <a:spcAft>
+                <a:spcPct val="0"/>
+              </a:spcAft>
+              <a:buNone/>
+            </a:pPr>
+            <a:fld id="{2AF3BC64-73F1-4C4D-924D-23FD3887FF0A}" type="datetime'''''''''''''''+''''''''''4''''6''''''''''''''''%'''">
+              <a:rPr lang="pt-BR" altLang="en-US" sz="1400" b="1" smtClean="0"/>
+              <a:pPr/>
+              <a:t>+46%</a:t>
+            </a:fld>
+            <a:endParaRPr lang="pt-BR" sz="1400" b="1" dirty="0"/>
+          </a:p>
+        </p:txBody>
+      </p:sp>
+      <p:sp>
+        <p:nvSpPr>
+          <p:cNvPr id="17" name="Google Shape;194;p6"/>
+          <p:cNvSpPr txBox="1"/>
+          <p:nvPr/>
+        </p:nvSpPr>
+        <p:spPr>
+          <a:xfrm>
+            <a:off x="0" y="0"/>
+            <a:ext cx="12123880" cy="553968"/>
+          </a:xfrm>
+          <a:prstGeom prst="rect">
+            <a:avLst/>
+          </a:prstGeom>
+          <a:noFill/>
+          <a:ln>
+            <a:noFill/>
+          </a:ln>
+        </p:spPr>
+        <p:txBody>
+          <a:bodyPr spcFirstLastPara="1" wrap="square" lIns="91425" tIns="91425" rIns="91425" bIns="91425" anchor="t" anchorCtr="0">
+            <a:spAutoFit/>
+          </a:bodyPr>
+          <a:lstStyle/>
+          <a:p>
+            <a:pPr marL="0" marR="0" lvl="0" indent="0" algn="just" rtl="0">
+              <a:lnSpc>
+                <a:spcPct val="100000"/>
+              </a:lnSpc>
+              <a:spcBef>
+                <a:spcPts val="0"/>
+              </a:spcBef>
+              <a:spcAft>
+                <a:spcPts val="0"/>
+              </a:spcAft>
+              <a:buClr>
+                <a:srgbClr val="000000"/>
+              </a:buClr>
+              <a:buSzPts val="1400"/>
+              <a:buFont typeface="Arial"/>
+              <a:buNone/>
+            </a:pPr>
+            <a:r>
+              <a:rPr lang="pt-BR" sz="2400" dirty="0" smtClean="0">
+                <a:solidFill>
+                  <a:schemeClr val="dk1"/>
+                </a:solidFill>
+                <a:latin typeface="Montserrat"/>
+                <a:ea typeface="Montserrat"/>
+                <a:cs typeface="Montserrat"/>
+                <a:sym typeface="Montserrat"/>
+              </a:rPr>
+              <a:t>Os preços em </a:t>
+            </a:r>
+            <a:r>
+              <a:rPr lang="pt-BR" sz="2400" b="1" dirty="0" smtClean="0">
+                <a:solidFill>
+                  <a:schemeClr val="dk1"/>
+                </a:solidFill>
+                <a:latin typeface="Montserrat"/>
+                <a:ea typeface="Montserrat"/>
+                <a:cs typeface="Montserrat"/>
+                <a:sym typeface="Montserrat"/>
+              </a:rPr>
+              <a:t>Julho</a:t>
+            </a:r>
+            <a:r>
+              <a:rPr lang="pt-BR" sz="2400" dirty="0" smtClean="0">
+                <a:solidFill>
+                  <a:schemeClr val="dk1"/>
+                </a:solidFill>
+                <a:latin typeface="Montserrat"/>
+                <a:ea typeface="Montserrat"/>
+                <a:cs typeface="Montserrat"/>
+                <a:sym typeface="Montserrat"/>
+              </a:rPr>
+              <a:t> tem forte </a:t>
+            </a:r>
+            <a:r>
+              <a:rPr lang="pt-BR" sz="2400" b="1" dirty="0" smtClean="0">
+                <a:solidFill>
+                  <a:schemeClr val="dk1"/>
+                </a:solidFill>
+                <a:latin typeface="Montserrat"/>
+                <a:ea typeface="Montserrat"/>
+                <a:cs typeface="Montserrat"/>
+                <a:sym typeface="Montserrat"/>
+              </a:rPr>
+              <a:t>tendência</a:t>
+            </a:r>
+            <a:r>
+              <a:rPr lang="pt-BR" sz="2400" dirty="0" smtClean="0">
+                <a:solidFill>
+                  <a:schemeClr val="dk1"/>
+                </a:solidFill>
+                <a:latin typeface="Montserrat"/>
+                <a:ea typeface="Montserrat"/>
+                <a:cs typeface="Montserrat"/>
+                <a:sym typeface="Montserrat"/>
+              </a:rPr>
+              <a:t> de </a:t>
+            </a:r>
+            <a:r>
+              <a:rPr lang="pt-BR" sz="2400" b="1" dirty="0" smtClean="0">
+                <a:solidFill>
+                  <a:schemeClr val="dk1"/>
+                </a:solidFill>
+                <a:latin typeface="Montserrat"/>
+                <a:ea typeface="Montserrat"/>
+                <a:cs typeface="Montserrat"/>
+                <a:sym typeface="Montserrat"/>
+              </a:rPr>
+              <a:t>crescimento</a:t>
+            </a:r>
+            <a:r>
+              <a:rPr lang="pt-BR" sz="2400" dirty="0" smtClean="0">
+                <a:solidFill>
+                  <a:schemeClr val="dk1"/>
+                </a:solidFill>
+                <a:latin typeface="Montserrat"/>
+                <a:ea typeface="Montserrat"/>
+                <a:cs typeface="Montserrat"/>
+                <a:sym typeface="Montserrat"/>
+              </a:rPr>
+              <a:t> desde 2022</a:t>
+            </a:r>
+            <a:endParaRPr sz="2400" i="0" u="none" strike="noStrike" cap="none" dirty="0">
+              <a:solidFill>
+                <a:schemeClr val="dk1"/>
+              </a:solidFill>
+              <a:latin typeface="Montserrat"/>
+              <a:ea typeface="Montserrat"/>
+              <a:cs typeface="Montserrat"/>
+              <a:sym typeface="Montserrat"/>
+            </a:endParaRPr>
+          </a:p>
+        </p:txBody>
+      </p:sp>
+      <p:cxnSp>
+        <p:nvCxnSpPr>
+          <p:cNvPr id="18" name="Google Shape;195;p6"/>
+          <p:cNvCxnSpPr/>
+          <p:nvPr/>
+        </p:nvCxnSpPr>
+        <p:spPr>
+          <a:xfrm>
+            <a:off x="4762" y="609530"/>
+            <a:ext cx="11752119" cy="0"/>
+          </a:xfrm>
+          <a:prstGeom prst="straightConnector1">
+            <a:avLst/>
+          </a:prstGeom>
+          <a:noFill/>
+          <a:ln w="38100" cap="flat" cmpd="sng">
+            <a:solidFill>
+              <a:srgbClr val="70AD47"/>
+            </a:solidFill>
+            <a:prstDash val="solid"/>
+            <a:round/>
+            <a:headEnd type="none" w="sm" len="sm"/>
+            <a:tailEnd type="none" w="sm" len="sm"/>
+          </a:ln>
+        </p:spPr>
+      </p:cxnSp>
+      <p:sp>
+        <p:nvSpPr>
+          <p:cNvPr id="19" name="Google Shape;197;p6"/>
+          <p:cNvSpPr txBox="1"/>
+          <p:nvPr/>
+        </p:nvSpPr>
+        <p:spPr>
+          <a:xfrm>
+            <a:off x="0" y="609530"/>
+            <a:ext cx="10424964" cy="600134"/>
+          </a:xfrm>
+          <a:prstGeom prst="rect">
+            <a:avLst/>
+          </a:prstGeom>
+          <a:noFill/>
+          <a:ln>
+            <a:noFill/>
+          </a:ln>
+        </p:spPr>
+        <p:txBody>
+          <a:bodyPr spcFirstLastPara="1" wrap="square" lIns="91425" tIns="91425" rIns="91425" bIns="91425" anchor="t" anchorCtr="0">
+            <a:spAutoFit/>
+          </a:bodyPr>
+          <a:lstStyle/>
+          <a:p>
+            <a:pPr lvl="0" algn="just">
+              <a:buClr>
+                <a:srgbClr val="000000"/>
+              </a:buClr>
+              <a:buSzPts val="1400"/>
+            </a:pPr>
+            <a:r>
+              <a:rPr lang="pt-BR" sz="1600" b="1" dirty="0">
+                <a:solidFill>
+                  <a:schemeClr val="dk1"/>
+                </a:solidFill>
+                <a:latin typeface="Montserrat"/>
+                <a:ea typeface="Montserrat"/>
+                <a:cs typeface="Montserrat"/>
+                <a:sym typeface="Montserrat"/>
+              </a:rPr>
+              <a:t>Média de preços no mês de julho por ano</a:t>
+            </a:r>
+          </a:p>
+          <a:p>
+            <a:pPr marL="0" marR="0" lvl="0" indent="0" algn="just" rtl="0">
+              <a:lnSpc>
+                <a:spcPct val="100000"/>
+              </a:lnSpc>
+              <a:spcBef>
+                <a:spcPts val="0"/>
+              </a:spcBef>
+              <a:spcAft>
+                <a:spcPts val="0"/>
+              </a:spcAft>
+              <a:buClr>
+                <a:srgbClr val="000000"/>
+              </a:buClr>
+              <a:buSzPts val="1100"/>
+              <a:buFont typeface="Arial"/>
+              <a:buNone/>
+            </a:pPr>
+            <a:r>
+              <a:rPr lang="pt-BR" sz="1100" b="0" i="0" u="none" strike="noStrike" cap="none" dirty="0" smtClean="0">
+                <a:solidFill>
+                  <a:srgbClr val="666666"/>
+                </a:solidFill>
+                <a:latin typeface="Montserrat"/>
+                <a:ea typeface="Montserrat"/>
+                <a:cs typeface="Montserrat"/>
+                <a:sym typeface="Montserrat"/>
+              </a:rPr>
+              <a:t>Em </a:t>
+            </a:r>
+            <a:r>
+              <a:rPr lang="pt-BR" sz="1100" b="0" i="0" u="none" strike="noStrike" cap="none" dirty="0" smtClean="0">
+                <a:solidFill>
+                  <a:srgbClr val="666666"/>
+                </a:solidFill>
+                <a:latin typeface="Montserrat"/>
+                <a:ea typeface="Montserrat"/>
+                <a:cs typeface="Montserrat"/>
+                <a:sym typeface="Montserrat"/>
+              </a:rPr>
+              <a:t>reais</a:t>
+            </a:r>
+          </a:p>
+        </p:txBody>
+      </p:sp>
+      <p:sp>
+        <p:nvSpPr>
+          <p:cNvPr id="53" name="Google Shape;206;p7"/>
+          <p:cNvSpPr txBox="1"/>
+          <p:nvPr/>
+        </p:nvSpPr>
+        <p:spPr>
+          <a:xfrm>
+            <a:off x="0" y="6368964"/>
+            <a:ext cx="2358000" cy="338524"/>
+          </a:xfrm>
+          <a:prstGeom prst="rect">
+            <a:avLst/>
+          </a:prstGeom>
+          <a:noFill/>
+          <a:ln>
+            <a:noFill/>
+          </a:ln>
+        </p:spPr>
+        <p:txBody>
+          <a:bodyPr spcFirstLastPara="1" wrap="square" lIns="91425" tIns="91425" rIns="91425" bIns="91425" anchor="t" anchorCtr="0">
+            <a:spAutoFit/>
+          </a:bodyPr>
+          <a:lstStyle/>
+          <a:p>
+            <a:pPr marL="0" marR="0" lvl="0" indent="0" algn="just" rtl="0">
+              <a:lnSpc>
+                <a:spcPct val="100000"/>
+              </a:lnSpc>
+              <a:spcBef>
+                <a:spcPts val="0"/>
+              </a:spcBef>
+              <a:spcAft>
+                <a:spcPts val="0"/>
+              </a:spcAft>
+              <a:buClr>
+                <a:srgbClr val="000000"/>
+              </a:buClr>
+              <a:buSzPts val="1000"/>
+              <a:buFont typeface="Arial"/>
+              <a:buNone/>
+            </a:pPr>
+            <a:r>
+              <a:rPr lang="pt-BR" sz="1000" b="0" i="0" u="none" strike="noStrike" cap="none" dirty="0">
+                <a:solidFill>
+                  <a:srgbClr val="666666"/>
+                </a:solidFill>
+                <a:latin typeface="Montserrat"/>
+                <a:ea typeface="Montserrat"/>
+                <a:cs typeface="Montserrat"/>
+                <a:sym typeface="Montserrat"/>
+              </a:rPr>
+              <a:t>Fonte: </a:t>
+            </a:r>
+            <a:r>
+              <a:rPr lang="pt-BR" sz="1000" dirty="0" smtClean="0">
+                <a:solidFill>
+                  <a:srgbClr val="666666"/>
+                </a:solidFill>
+                <a:latin typeface="Montserrat"/>
+                <a:ea typeface="Montserrat"/>
+                <a:cs typeface="Montserrat"/>
+                <a:sym typeface="Montserrat"/>
+              </a:rPr>
+              <a:t>Seasa Bahia</a:t>
+            </a:r>
+          </a:p>
+        </p:txBody>
+      </p:sp>
+    </p:spTree>
+    <p:extLst>
+      <p:ext uri="{BB962C8B-B14F-4D97-AF65-F5344CB8AC3E}">
+        <p14:creationId xmlns:p14="http://schemas.microsoft.com/office/powerpoint/2010/main" val="989666619"/>
+      </p:ext>
+    </p:extLst>
+  </p:cSld>
+  <p:clrMapOvr>
+    <a:masterClrMapping/>
+  </p:clrMapOvr>
+  <p:timing>
+    <p:tnLst>
+      <p:par>
+        <p:cTn id="1" dur="indefinite" restart="never" nodeType="tmRoot"/>
+      </p:par>
+    </p:tnLst>
+  </p:timing>
+</p:sld>
+</file>
+
 <file path=ppt/tags/tag1.xml><?xml version="1.0" encoding="utf-8"?>
 <p:tagLst xmlns:a="http://schemas.openxmlformats.org/drawingml/2006/main" xmlns:r="http://schemas.openxmlformats.org/officeDocument/2006/relationships" xmlns:p="http://schemas.openxmlformats.org/presentationml/2006/main">
   <p:tag name="THINKCELLPRESENTATIONDONOTDELETE" val="&lt;?xml version=&quot;1.0&quot; encoding=&quot;UTF-16&quot; standalone=&quot;yes&quot;?&gt;&lt;root reqver=&quot;28224&quot;&gt;&lt;version val=&quot;35546&quot;/&gt;&lt;CPresentation id=&quot;1&quot;&gt;&lt;m_precDefaultNumber&gt;&lt;m_bNumberIsYear val=&quot;1&quot;/&gt;&lt;m_chMinusSymbol&gt;-&lt;/m_chMinusSymbol&gt;&lt;m_chDecimalSymbol17909&gt;,&lt;/m_chDecimalSymbol17909&gt;&lt;m_nGroupingDigits17909 val=&quot;3&quot;/&gt;&lt;m_chGroupingSymbol17909&gt;.&lt;/m_chGroupingSymbol17909&gt;&lt;m_yearfmt&gt;&lt;begin val=&quot;0&quot;/&gt;&lt;end val=&quot;4&quot;/&gt;&lt;/m_yearfmt&gt;&lt;/m_precDefaultNumber&gt;&lt;m_precDefaultPercent&gt;&lt;m_bNumberIsYear val=&quot;1&quot;/&gt;&lt;m_chMinusSymbol&gt;-&lt;/m_chMinusSymbol&gt;&lt;m_nDecimalDigits17909 val=&quot;0&quot;/&gt;&lt;m_chDecimalSymbol17909&gt;,&lt;/m_chDecimalSymbol17909&gt;&lt;m_nGroupingDigits17909 val=&quot;3&quot;/&gt;&lt;m_chGroupingSymbol17909&gt;.&lt;/m_chGroupingSymbol17909&gt;&lt;m_strSuffix17909&gt;%&lt;/m_strSuffix17909&gt;&lt;m_yearfmt&gt;&lt;begin val=&quot;0&quot;/&gt;&lt;end val=&quot;4&quot;/&gt;&lt;/m_yearfmt&gt;&lt;/m_precDefaultPercent&gt;&lt;m_precDefaultDate&gt;&lt;m_bNumberIsYear val=&quot;0&quot;/&gt;&lt;m_strFormatTime&gt;%d/%m/%Y&lt;/m_strFormatTime&gt;&lt;m_yearfmt&gt;&lt;begin val=&quot;0&quot;/&gt;&lt;end val=&quot;0&quot;/&gt;&lt;/m_yearfmt&gt;&lt;/m_precDefaultDate&gt;&lt;m_precDefaultDay&gt;&lt;m_yearfmt&gt;&lt;begin val=&quot;0&quot;/&gt;&lt;end val=&quot;4&quot;/&gt;&lt;/m_yearfmt&gt;&lt;/m_precDefaultDay&gt;&lt;m_precDefaultWeek&gt;&lt;m_yearfmt&gt;&lt;begin val=&quot;0&quot;/&gt;&lt;end val=&quot;4&quot;/&gt;&lt;/m_yearfmt&gt;&lt;/m_precDefaultWeek&gt;&lt;m_precDefaultMonth&gt;&lt;m_yearfmt&gt;&lt;begin val=&quot;0&quot;/&gt;&lt;end val=&quot;4&quot;/&gt;&lt;/m_yearfmt&gt;&lt;/m_precDefaultMonth&gt;&lt;m_precDefaultQuarter&gt;&lt;m_yearfmt&gt;&lt;begin val=&quot;0&quot;/&gt;&lt;end val=&quot;4&quot;/&gt;&lt;/m_yearfmt&gt;&lt;/m_precDefaultQuarter&gt;&lt;m_precDefaultYear&gt;&lt;m_yearfmt&gt;&lt;begin val=&quot;0&quot;/&gt;&lt;end val=&quot;4&quot;/&gt;&lt;/m_yearfmt&gt;&lt;/m_precDefaultYear&gt;&lt;m_precDefaultFYDay&gt;&lt;m_yearfmt&gt;&lt;begin val=&quot;0&quot;/&gt;&lt;end val=&quot;4&quot;/&gt;&lt;/m_yearfmt&gt;&lt;/m_precDefaultFYDay&gt;&lt;m_precDefaultFYWeek&gt;&lt;m_yearfmt&gt;&lt;begin val=&quot;0&quot;/&gt;&lt;end val=&quot;4&quot;/&gt;&lt;/m_yearfmt&gt;&lt;/m_precDefaultFYWeek&gt;&lt;m_precDefaultFYMonth&gt;&lt;m_yearfmt&gt;&lt;begin val=&quot;0&quot;/&gt;&lt;end val=&quot;4&quot;/&gt;&lt;/m_yearfmt&gt;&lt;/m_precDefaultFYMonth&gt;&lt;m_precDefaultFYQuarter&gt;&lt;m_yearfmt&gt;&lt;begin val=&quot;0&quot;/&gt;&lt;end val=&quot;4&quot;/&gt;&lt;/m_yearfmt&gt;&lt;/m_precDefaultFYQuarter&gt;&lt;m_precDefaultFYYear&gt;&lt;m_yearfmt&gt;&lt;begin val=&quot;0&quot;/&gt;&lt;end val=&quot;4&quot;/&gt;&lt;/m_yearfmt&gt;&lt;/m_precDefaultFYYear&gt;&lt;m_mruColor&gt;&lt;m_vecMRU length=&quot;3&quot;&gt;&lt;elem m_fUsage=&quot;1.53899999999999992362E+00&quot;&gt;&lt;m_msothmcolidx val=&quot;0&quot;/&gt;&lt;m_rgb r=&quot;FA&quot; g=&quot;D4&quot; b=&quot;19&quot;/&gt;&lt;/elem&gt;&lt;elem m_fUsage=&quot;1.00000000000000000000E+00&quot;&gt;&lt;m_msothmcolidx val=&quot;0&quot;/&gt;&lt;m_rgb r=&quot;65&quot; g=&quot;56&quot; b=&quot;1E&quot;/&gt;&lt;/elem&gt;&lt;elem m_fUsage=&quot;9.00000000000000022204E-01&quot;&gt;&lt;m_msothmcolidx val=&quot;0&quot;/&gt;&lt;m_rgb r=&quot;FF&quot; g=&quot;E0&quot; b=&quot;6D&quot;/&gt;&lt;/elem&gt;&lt;/m_vecMRU&gt;&lt;/m_mruColor&gt;&lt;m_eweekdayFirstOfWeek val=&quot;1&quot;/&gt;&lt;m_eweekdayFirstOfWorkweek val=&quot;2&quot;/&gt;&lt;m_eweekdayFirstOfWeekend val=&quot;7&quot;/&gt;&lt;/CPresentation&gt;&lt;/root&gt;"/>
@@ -8965,61 +14702,61 @@
 
 <file path=ppt/tags/tag10.xml><?xml version="1.0" encoding="utf-8"?>
 <p:tagLst xmlns:a="http://schemas.openxmlformats.org/drawingml/2006/main" xmlns:r="http://schemas.openxmlformats.org/officeDocument/2006/relationships" xmlns:p="http://schemas.openxmlformats.org/presentationml/2006/main">
-  <p:tag name="THINKCELLSHAPEDONOTDELETE" val="tMH4vW7kPQPEbsY1xtD5dVw"/>
+  <p:tag name="THINKCELLSHAPEDONOTDELETE" val="ttE9Q2lQ2_7xsNR8m2SNiBA"/>
 </p:tagLst>
 </file>
 
 <file path=ppt/tags/tag11.xml><?xml version="1.0" encoding="utf-8"?>
 <p:tagLst xmlns:a="http://schemas.openxmlformats.org/drawingml/2006/main" xmlns:r="http://schemas.openxmlformats.org/officeDocument/2006/relationships" xmlns:p="http://schemas.openxmlformats.org/presentationml/2006/main">
-  <p:tag name="THINKCELLSHAPEDONOTDELETE" val="tPx3vI.x_.fToNi6NRvSYkg"/>
+  <p:tag name="THINKCELLSHAPEDONOTDELETE" val="tetIJcg3jo.x1MQhXZ1vlsQ"/>
 </p:tagLst>
 </file>
 
 <file path=ppt/tags/tag12.xml><?xml version="1.0" encoding="utf-8"?>
 <p:tagLst xmlns:a="http://schemas.openxmlformats.org/drawingml/2006/main" xmlns:r="http://schemas.openxmlformats.org/officeDocument/2006/relationships" xmlns:p="http://schemas.openxmlformats.org/presentationml/2006/main">
-  <p:tag name="THINKCELLSHAPEDONOTDELETE" val="tcbl8aXDDwJz_Skuw2DgJwg"/>
+  <p:tag name="THINKCELLSHAPEDONOTDELETE" val="t83GHV9Sc_9aXKYZs5MRNMA"/>
 </p:tagLst>
 </file>
 
 <file path=ppt/tags/tag13.xml><?xml version="1.0" encoding="utf-8"?>
 <p:tagLst xmlns:a="http://schemas.openxmlformats.org/drawingml/2006/main" xmlns:r="http://schemas.openxmlformats.org/officeDocument/2006/relationships" xmlns:p="http://schemas.openxmlformats.org/presentationml/2006/main">
-  <p:tag name="THINKCELLSHAPEDONOTDELETE" val="tB3NwWr7Ok3mnJgBz_Si83A"/>
+  <p:tag name="THINKCELLSHAPEDONOTDELETE" val="tMH4vW7kPQPEbsY1xtD5dVw"/>
 </p:tagLst>
 </file>
 
 <file path=ppt/tags/tag14.xml><?xml version="1.0" encoding="utf-8"?>
 <p:tagLst xmlns:a="http://schemas.openxmlformats.org/drawingml/2006/main" xmlns:r="http://schemas.openxmlformats.org/officeDocument/2006/relationships" xmlns:p="http://schemas.openxmlformats.org/presentationml/2006/main">
-  <p:tag name="THINKCELLSHAPEDONOTDELETE" val="tWjhErYfkZdfOOlXQdUXJFA"/>
+  <p:tag name="THINKCELLSHAPEDONOTDELETE" val="tPx3vI.x_.fToNi6NRvSYkg"/>
 </p:tagLst>
 </file>
 
 <file path=ppt/tags/tag15.xml><?xml version="1.0" encoding="utf-8"?>
 <p:tagLst xmlns:a="http://schemas.openxmlformats.org/drawingml/2006/main" xmlns:r="http://schemas.openxmlformats.org/officeDocument/2006/relationships" xmlns:p="http://schemas.openxmlformats.org/presentationml/2006/main">
-  <p:tag name="THINKCELLSHAPEDONOTDELETE" val="tinZ3Vfg1VUn51GLoJFFzag"/>
+  <p:tag name="THINKCELLSHAPEDONOTDELETE" val="tcbl8aXDDwJz_Skuw2DgJwg"/>
 </p:tagLst>
 </file>
 
 <file path=ppt/tags/tag16.xml><?xml version="1.0" encoding="utf-8"?>
 <p:tagLst xmlns:a="http://schemas.openxmlformats.org/drawingml/2006/main" xmlns:r="http://schemas.openxmlformats.org/officeDocument/2006/relationships" xmlns:p="http://schemas.openxmlformats.org/presentationml/2006/main">
-  <p:tag name="THINKCELLSHAPEDONOTDELETE" val="tpTA0n4EmkCMGkO7HPGA.5g"/>
+  <p:tag name="THINKCELLSHAPEDONOTDELETE" val="tB3NwWr7Ok3mnJgBz_Si83A"/>
 </p:tagLst>
 </file>
 
 <file path=ppt/tags/tag17.xml><?xml version="1.0" encoding="utf-8"?>
 <p:tagLst xmlns:a="http://schemas.openxmlformats.org/drawingml/2006/main" xmlns:r="http://schemas.openxmlformats.org/officeDocument/2006/relationships" xmlns:p="http://schemas.openxmlformats.org/presentationml/2006/main">
-  <p:tag name="THINKCELLSHAPEDONOTDELETE" val="t2xEGzwyKqac3Q6rWiS1Fsw"/>
+  <p:tag name="THINKCELLSHAPEDONOTDELETE" val="tWjhErYfkZdfOOlXQdUXJFA"/>
 </p:tagLst>
 </file>
 
 <file path=ppt/tags/tag18.xml><?xml version="1.0" encoding="utf-8"?>
 <p:tagLst xmlns:a="http://schemas.openxmlformats.org/drawingml/2006/main" xmlns:r="http://schemas.openxmlformats.org/officeDocument/2006/relationships" xmlns:p="http://schemas.openxmlformats.org/presentationml/2006/main">
-  <p:tag name="THINKCELLSHAPEDONOTDELETE" val="tqXZPpY8vm1QB0tYlDectYw"/>
+  <p:tag name="THINKCELLSHAPEDONOTDELETE" val="tinZ3Vfg1VUn51GLoJFFzag"/>
 </p:tagLst>
 </file>
 
 <file path=ppt/tags/tag19.xml><?xml version="1.0" encoding="utf-8"?>
 <p:tagLst xmlns:a="http://schemas.openxmlformats.org/drawingml/2006/main" xmlns:r="http://schemas.openxmlformats.org/officeDocument/2006/relationships" xmlns:p="http://schemas.openxmlformats.org/presentationml/2006/main">
-  <p:tag name="THINKCELLSHAPEDONOTDELETE" val="tsH9CrQFNntD.S.PwpNesUQ"/>
+  <p:tag name="THINKCELLSHAPEDONOTDELETE" val="tpTA0n4EmkCMGkO7HPGA.5g"/>
 </p:tagLst>
 </file>
 
@@ -9031,55 +14768,61 @@
 
 <file path=ppt/tags/tag20.xml><?xml version="1.0" encoding="utf-8"?>
 <p:tagLst xmlns:a="http://schemas.openxmlformats.org/drawingml/2006/main" xmlns:r="http://schemas.openxmlformats.org/officeDocument/2006/relationships" xmlns:p="http://schemas.openxmlformats.org/presentationml/2006/main">
-  <p:tag name="THINKCELLSHAPEDONOTDELETE" val="tHkGGecSGPyafN9QGFCLqyw"/>
+  <p:tag name="THINKCELLSHAPEDONOTDELETE" val="t2xEGzwyKqac3Q6rWiS1Fsw"/>
 </p:tagLst>
 </file>
 
 <file path=ppt/tags/tag21.xml><?xml version="1.0" encoding="utf-8"?>
 <p:tagLst xmlns:a="http://schemas.openxmlformats.org/drawingml/2006/main" xmlns:r="http://schemas.openxmlformats.org/officeDocument/2006/relationships" xmlns:p="http://schemas.openxmlformats.org/presentationml/2006/main">
-  <p:tag name="THINKCELLSHAPEDONOTDELETE" val="trHcMXdq7zQIHzK4GfHiQEw"/>
+  <p:tag name="THINKCELLSHAPEDONOTDELETE" val="tqXZPpY8vm1QB0tYlDectYw"/>
 </p:tagLst>
 </file>
 
 <file path=ppt/tags/tag22.xml><?xml version="1.0" encoding="utf-8"?>
 <p:tagLst xmlns:a="http://schemas.openxmlformats.org/drawingml/2006/main" xmlns:r="http://schemas.openxmlformats.org/officeDocument/2006/relationships" xmlns:p="http://schemas.openxmlformats.org/presentationml/2006/main">
-  <p:tag name="THINKCELLSHAPEDONOTDELETE" val="thIY4Il1fNJBzvYuTPqrwdw"/>
+  <p:tag name="THINKCELLSHAPEDONOTDELETE" val="tsH9CrQFNntD.S.PwpNesUQ"/>
 </p:tagLst>
 </file>
 
 <file path=ppt/tags/tag23.xml><?xml version="1.0" encoding="utf-8"?>
 <p:tagLst xmlns:a="http://schemas.openxmlformats.org/drawingml/2006/main" xmlns:r="http://schemas.openxmlformats.org/officeDocument/2006/relationships" xmlns:p="http://schemas.openxmlformats.org/presentationml/2006/main">
-  <p:tag name="THINKCELLSHAPEDONOTDELETE" val="tnh9MWJiB_OnehjJEgKlJTg"/>
+  <p:tag name="THINKCELLSHAPEDONOTDELETE" val="tHkGGecSGPyafN9QGFCLqyw"/>
 </p:tagLst>
 </file>
 
 <file path=ppt/tags/tag24.xml><?xml version="1.0" encoding="utf-8"?>
 <p:tagLst xmlns:a="http://schemas.openxmlformats.org/drawingml/2006/main" xmlns:r="http://schemas.openxmlformats.org/officeDocument/2006/relationships" xmlns:p="http://schemas.openxmlformats.org/presentationml/2006/main">
-  <p:tag name="THINKCELLSHAPEDONOTDELETE" val="tKv6Yq4T6e.yLrZeJHgGjtA"/>
+  <p:tag name="THINKCELLSHAPEDONOTDELETE" val="trHcMXdq7zQIHzK4GfHiQEw"/>
 </p:tagLst>
 </file>
 
 <file path=ppt/tags/tag25.xml><?xml version="1.0" encoding="utf-8"?>
 <p:tagLst xmlns:a="http://schemas.openxmlformats.org/drawingml/2006/main" xmlns:r="http://schemas.openxmlformats.org/officeDocument/2006/relationships" xmlns:p="http://schemas.openxmlformats.org/presentationml/2006/main">
-  <p:tag name="THINKCELLSHAPEDONOTDELETE" val="thE4.B8fSO.7jt7lpP7Y_3w"/>
+  <p:tag name="THINKCELLSHAPEDONOTDELETE" val="thIY4Il1fNJBzvYuTPqrwdw"/>
 </p:tagLst>
 </file>
 
 <file path=ppt/tags/tag26.xml><?xml version="1.0" encoding="utf-8"?>
 <p:tagLst xmlns:a="http://schemas.openxmlformats.org/drawingml/2006/main" xmlns:r="http://schemas.openxmlformats.org/officeDocument/2006/relationships" xmlns:p="http://schemas.openxmlformats.org/presentationml/2006/main">
-  <p:tag name="THINKCELLSHAPEDONOTDELETE" val="tfqH_dHg2rIbI_E7BHUFHHQ"/>
+  <p:tag name="THINKCELLSHAPEDONOTDELETE" val="tnh9MWJiB_OnehjJEgKlJTg"/>
 </p:tagLst>
 </file>
 
 <file path=ppt/tags/tag27.xml><?xml version="1.0" encoding="utf-8"?>
 <p:tagLst xmlns:a="http://schemas.openxmlformats.org/drawingml/2006/main" xmlns:r="http://schemas.openxmlformats.org/officeDocument/2006/relationships" xmlns:p="http://schemas.openxmlformats.org/presentationml/2006/main">
-  <p:tag name="THINKCELLSHAPEDONOTDELETE" val="tE3YZUO60B8R2.69vcWNBXw"/>
+  <p:tag name="THINKCELLSHAPEDONOTDELETE" val="tKv6Yq4T6e.yLrZeJHgGjtA"/>
 </p:tagLst>
 </file>
 
 <file path=ppt/tags/tag28.xml><?xml version="1.0" encoding="utf-8"?>
 <p:tagLst xmlns:a="http://schemas.openxmlformats.org/drawingml/2006/main" xmlns:r="http://schemas.openxmlformats.org/officeDocument/2006/relationships" xmlns:p="http://schemas.openxmlformats.org/presentationml/2006/main">
-  <p:tag name="THINKCELLSHAPEDONOTDELETE" val="tx1HvAJx3oodSKfBgr2WNPA"/>
+  <p:tag name="THINKCELLSHAPEDONOTDELETE" val="thE4.B8fSO.7jt7lpP7Y_3w"/>
+</p:tagLst>
+</file>
+
+<file path=ppt/tags/tag29.xml><?xml version="1.0" encoding="utf-8"?>
+<p:tagLst xmlns:a="http://schemas.openxmlformats.org/drawingml/2006/main" xmlns:r="http://schemas.openxmlformats.org/officeDocument/2006/relationships" xmlns:p="http://schemas.openxmlformats.org/presentationml/2006/main">
+  <p:tag name="THINKCELLSHAPEDONOTDELETE" val="tfqH_dHg2rIbI_E7BHUFHHQ"/>
 </p:tagLst>
 </file>
 
@@ -9089,39 +14832,201 @@
 </p:tagLst>
 </file>
 
+<file path=ppt/tags/tag30.xml><?xml version="1.0" encoding="utf-8"?>
+<p:tagLst xmlns:a="http://schemas.openxmlformats.org/drawingml/2006/main" xmlns:r="http://schemas.openxmlformats.org/officeDocument/2006/relationships" xmlns:p="http://schemas.openxmlformats.org/presentationml/2006/main">
+  <p:tag name="THINKCELLSHAPEDONOTDELETE" val="tE3YZUO60B8R2.69vcWNBXw"/>
+</p:tagLst>
+</file>
+
+<file path=ppt/tags/tag31.xml><?xml version="1.0" encoding="utf-8"?>
+<p:tagLst xmlns:a="http://schemas.openxmlformats.org/drawingml/2006/main" xmlns:r="http://schemas.openxmlformats.org/officeDocument/2006/relationships" xmlns:p="http://schemas.openxmlformats.org/presentationml/2006/main">
+  <p:tag name="THINKCELLSHAPEDONOTDELETE" val="tx1HvAJx3oodSKfBgr2WNPA"/>
+</p:tagLst>
+</file>
+
+<file path=ppt/tags/tag32.xml><?xml version="1.0" encoding="utf-8"?>
+<p:tagLst xmlns:a="http://schemas.openxmlformats.org/drawingml/2006/main" xmlns:r="http://schemas.openxmlformats.org/officeDocument/2006/relationships" xmlns:p="http://schemas.openxmlformats.org/presentationml/2006/main">
+  <p:tag name="THINKCELLSHAPEDONOTDELETE" val="tuU3cjS3b48u.31u9Qmwy5w"/>
+</p:tagLst>
+</file>
+
+<file path=ppt/tags/tag33.xml><?xml version="1.0" encoding="utf-8"?>
+<p:tagLst xmlns:a="http://schemas.openxmlformats.org/drawingml/2006/main" xmlns:r="http://schemas.openxmlformats.org/officeDocument/2006/relationships" xmlns:p="http://schemas.openxmlformats.org/presentationml/2006/main">
+  <p:tag name="THINKCELLSHAPEDONOTDELETE" val="thinkcellActiveDocDoNotDelete"/>
+</p:tagLst>
+</file>
+
+<file path=ppt/tags/tag34.xml><?xml version="1.0" encoding="utf-8"?>
+<p:tagLst xmlns:a="http://schemas.openxmlformats.org/drawingml/2006/main" xmlns:r="http://schemas.openxmlformats.org/officeDocument/2006/relationships" xmlns:p="http://schemas.openxmlformats.org/presentationml/2006/main">
+  <p:tag name="THINKCELLSHAPEDONOTDELETE" val="tAe63NMJI.0RmiqDGNfQA.g"/>
+</p:tagLst>
+</file>
+
+<file path=ppt/tags/tag35.xml><?xml version="1.0" encoding="utf-8"?>
+<p:tagLst xmlns:a="http://schemas.openxmlformats.org/drawingml/2006/main" xmlns:r="http://schemas.openxmlformats.org/officeDocument/2006/relationships" xmlns:p="http://schemas.openxmlformats.org/presentationml/2006/main">
+  <p:tag name="THINKCELLSHAPEDONOTDELETE" val="tmK.2r9cgQCeOYTMVGJX8FQ"/>
+</p:tagLst>
+</file>
+
+<file path=ppt/tags/tag36.xml><?xml version="1.0" encoding="utf-8"?>
+<p:tagLst xmlns:a="http://schemas.openxmlformats.org/drawingml/2006/main" xmlns:r="http://schemas.openxmlformats.org/officeDocument/2006/relationships" xmlns:p="http://schemas.openxmlformats.org/presentationml/2006/main">
+  <p:tag name="THINKCELLSHAPEDONOTDELETE" val="tCtCS7O5geqZ_9udIIdJ6xg"/>
+</p:tagLst>
+</file>
+
+<file path=ppt/tags/tag37.xml><?xml version="1.0" encoding="utf-8"?>
+<p:tagLst xmlns:a="http://schemas.openxmlformats.org/drawingml/2006/main" xmlns:r="http://schemas.openxmlformats.org/officeDocument/2006/relationships" xmlns:p="http://schemas.openxmlformats.org/presentationml/2006/main">
+  <p:tag name="THINKCELLSHAPEDONOTDELETE" val="tg_fGvkER7yg2nTS1MIkrbw"/>
+</p:tagLst>
+</file>
+
+<file path=ppt/tags/tag38.xml><?xml version="1.0" encoding="utf-8"?>
+<p:tagLst xmlns:a="http://schemas.openxmlformats.org/drawingml/2006/main" xmlns:r="http://schemas.openxmlformats.org/officeDocument/2006/relationships" xmlns:p="http://schemas.openxmlformats.org/presentationml/2006/main">
+  <p:tag name="THINKCELLSHAPEDONOTDELETE" val="thFsnFtMtfmZeAoN0FYDB4A"/>
+</p:tagLst>
+</file>
+
+<file path=ppt/tags/tag39.xml><?xml version="1.0" encoding="utf-8"?>
+<p:tagLst xmlns:a="http://schemas.openxmlformats.org/drawingml/2006/main" xmlns:r="http://schemas.openxmlformats.org/officeDocument/2006/relationships" xmlns:p="http://schemas.openxmlformats.org/presentationml/2006/main">
+  <p:tag name="THINKCELLSHAPEDONOTDELETE" val="tH_Wla6MSS6lVFOdpaB1g0Q"/>
+</p:tagLst>
+</file>
+
 <file path=ppt/tags/tag4.xml><?xml version="1.0" encoding="utf-8"?>
 <p:tagLst xmlns:a="http://schemas.openxmlformats.org/drawingml/2006/main" xmlns:r="http://schemas.openxmlformats.org/officeDocument/2006/relationships" xmlns:p="http://schemas.openxmlformats.org/presentationml/2006/main">
   <p:tag name="THINKCELLSHAPEDONOTDELETE" val="tAe63NMJI.0RmiqDGNfQA.g"/>
 </p:tagLst>
 </file>
 
+<file path=ppt/tags/tag40.xml><?xml version="1.0" encoding="utf-8"?>
+<p:tagLst xmlns:a="http://schemas.openxmlformats.org/drawingml/2006/main" xmlns:r="http://schemas.openxmlformats.org/officeDocument/2006/relationships" xmlns:p="http://schemas.openxmlformats.org/presentationml/2006/main">
+  <p:tag name="THINKCELLSHAPEDONOTDELETE" val="ttE9Q2lQ2_7xsNR8m2SNiBA"/>
+</p:tagLst>
+</file>
+
+<file path=ppt/tags/tag41.xml><?xml version="1.0" encoding="utf-8"?>
+<p:tagLst xmlns:a="http://schemas.openxmlformats.org/drawingml/2006/main" xmlns:r="http://schemas.openxmlformats.org/officeDocument/2006/relationships" xmlns:p="http://schemas.openxmlformats.org/presentationml/2006/main">
+  <p:tag name="THINKCELLSHAPEDONOTDELETE" val="tetIJcg3jo.x1MQhXZ1vlsQ"/>
+</p:tagLst>
+</file>
+
+<file path=ppt/tags/tag42.xml><?xml version="1.0" encoding="utf-8"?>
+<p:tagLst xmlns:a="http://schemas.openxmlformats.org/drawingml/2006/main" xmlns:r="http://schemas.openxmlformats.org/officeDocument/2006/relationships" xmlns:p="http://schemas.openxmlformats.org/presentationml/2006/main">
+  <p:tag name="THINKCELLSHAPEDONOTDELETE" val="t83GHV9Sc_9aXKYZs5MRNMA"/>
+</p:tagLst>
+</file>
+
+<file path=ppt/tags/tag43.xml><?xml version="1.0" encoding="utf-8"?>
+<p:tagLst xmlns:a="http://schemas.openxmlformats.org/drawingml/2006/main" xmlns:r="http://schemas.openxmlformats.org/officeDocument/2006/relationships" xmlns:p="http://schemas.openxmlformats.org/presentationml/2006/main">
+  <p:tag name="THINKCELLSHAPEDONOTDELETE" val="tMH4vW7kPQPEbsY1xtD5dVw"/>
+</p:tagLst>
+</file>
+
+<file path=ppt/tags/tag44.xml><?xml version="1.0" encoding="utf-8"?>
+<p:tagLst xmlns:a="http://schemas.openxmlformats.org/drawingml/2006/main" xmlns:r="http://schemas.openxmlformats.org/officeDocument/2006/relationships" xmlns:p="http://schemas.openxmlformats.org/presentationml/2006/main">
+  <p:tag name="THINKCELLSHAPEDONOTDELETE" val="tPx3vI.x_.fToNi6NRvSYkg"/>
+</p:tagLst>
+</file>
+
+<file path=ppt/tags/tag45.xml><?xml version="1.0" encoding="utf-8"?>
+<p:tagLst xmlns:a="http://schemas.openxmlformats.org/drawingml/2006/main" xmlns:r="http://schemas.openxmlformats.org/officeDocument/2006/relationships" xmlns:p="http://schemas.openxmlformats.org/presentationml/2006/main">
+  <p:tag name="THINKCELLSHAPEDONOTDELETE" val="tcbl8aXDDwJz_Skuw2DgJwg"/>
+</p:tagLst>
+</file>
+
+<file path=ppt/tags/tag46.xml><?xml version="1.0" encoding="utf-8"?>
+<p:tagLst xmlns:a="http://schemas.openxmlformats.org/drawingml/2006/main" xmlns:r="http://schemas.openxmlformats.org/officeDocument/2006/relationships" xmlns:p="http://schemas.openxmlformats.org/presentationml/2006/main">
+  <p:tag name="THINKCELLSHAPEDONOTDELETE" val="tB3NwWr7Ok3mnJgBz_Si83A"/>
+</p:tagLst>
+</file>
+
+<file path=ppt/tags/tag47.xml><?xml version="1.0" encoding="utf-8"?>
+<p:tagLst xmlns:a="http://schemas.openxmlformats.org/drawingml/2006/main" xmlns:r="http://schemas.openxmlformats.org/officeDocument/2006/relationships" xmlns:p="http://schemas.openxmlformats.org/presentationml/2006/main">
+  <p:tag name="THINKCELLSHAPEDONOTDELETE" val="tWjhErYfkZdfOOlXQdUXJFA"/>
+</p:tagLst>
+</file>
+
+<file path=ppt/tags/tag48.xml><?xml version="1.0" encoding="utf-8"?>
+<p:tagLst xmlns:a="http://schemas.openxmlformats.org/drawingml/2006/main" xmlns:r="http://schemas.openxmlformats.org/officeDocument/2006/relationships" xmlns:p="http://schemas.openxmlformats.org/presentationml/2006/main">
+  <p:tag name="THINKCELLSHAPEDONOTDELETE" val="tinZ3Vfg1VUn51GLoJFFzag"/>
+</p:tagLst>
+</file>
+
+<file path=ppt/tags/tag49.xml><?xml version="1.0" encoding="utf-8"?>
+<p:tagLst xmlns:a="http://schemas.openxmlformats.org/drawingml/2006/main" xmlns:r="http://schemas.openxmlformats.org/officeDocument/2006/relationships" xmlns:p="http://schemas.openxmlformats.org/presentationml/2006/main">
+  <p:tag name="THINKCELLSHAPEDONOTDELETE" val="tpTA0n4EmkCMGkO7HPGA.5g"/>
+</p:tagLst>
+</file>
+
 <file path=ppt/tags/tag5.xml><?xml version="1.0" encoding="utf-8"?>
+<p:tagLst xmlns:a="http://schemas.openxmlformats.org/drawingml/2006/main" xmlns:r="http://schemas.openxmlformats.org/officeDocument/2006/relationships" xmlns:p="http://schemas.openxmlformats.org/presentationml/2006/main">
+  <p:tag name="THINKCELLSHAPEDONOTDELETE" val="tAuBjT1ACZoV5uis5JkqCnA"/>
+</p:tagLst>
+</file>
+
+<file path=ppt/tags/tag50.xml><?xml version="1.0" encoding="utf-8"?>
+<p:tagLst xmlns:a="http://schemas.openxmlformats.org/drawingml/2006/main" xmlns:r="http://schemas.openxmlformats.org/officeDocument/2006/relationships" xmlns:p="http://schemas.openxmlformats.org/presentationml/2006/main">
+  <p:tag name="THINKCELLSHAPEDONOTDELETE" val="twH2i6dh8TmgfEP1JrgmCuQ"/>
+</p:tagLst>
+</file>
+
+<file path=ppt/tags/tag51.xml><?xml version="1.0" encoding="utf-8"?>
+<p:tagLst xmlns:a="http://schemas.openxmlformats.org/drawingml/2006/main" xmlns:r="http://schemas.openxmlformats.org/officeDocument/2006/relationships" xmlns:p="http://schemas.openxmlformats.org/presentationml/2006/main">
+  <p:tag name="THINKCELLSHAPEDONOTDELETE" val="thinkcellActiveDocDoNotDelete"/>
+</p:tagLst>
+</file>
+
+<file path=ppt/tags/tag52.xml><?xml version="1.0" encoding="utf-8"?>
+<p:tagLst xmlns:a="http://schemas.openxmlformats.org/drawingml/2006/main" xmlns:r="http://schemas.openxmlformats.org/officeDocument/2006/relationships" xmlns:p="http://schemas.openxmlformats.org/presentationml/2006/main">
+  <p:tag name="THINKCELLSHAPEDONOTDELETE" val="t9_aEDcjv2KL.xbxJUOSnxA"/>
+</p:tagLst>
+</file>
+
+<file path=ppt/tags/tag53.xml><?xml version="1.0" encoding="utf-8"?>
+<p:tagLst xmlns:a="http://schemas.openxmlformats.org/drawingml/2006/main" xmlns:r="http://schemas.openxmlformats.org/officeDocument/2006/relationships" xmlns:p="http://schemas.openxmlformats.org/presentationml/2006/main">
+  <p:tag name="THINKCELLSHAPEDONOTDELETE" val="tZggeznkfc8pZJrOIqy7BXQ"/>
+</p:tagLst>
+</file>
+
+<file path=ppt/tags/tag54.xml><?xml version="1.0" encoding="utf-8"?>
+<p:tagLst xmlns:a="http://schemas.openxmlformats.org/drawingml/2006/main" xmlns:r="http://schemas.openxmlformats.org/officeDocument/2006/relationships" xmlns:p="http://schemas.openxmlformats.org/presentationml/2006/main">
+  <p:tag name="THINKCELLSHAPEDONOTDELETE" val="tMQfx6FDT0F6k0N_Z9pbExA"/>
+</p:tagLst>
+</file>
+
+<file path=ppt/tags/tag55.xml><?xml version="1.0" encoding="utf-8"?>
+<p:tagLst xmlns:a="http://schemas.openxmlformats.org/drawingml/2006/main" xmlns:r="http://schemas.openxmlformats.org/officeDocument/2006/relationships" xmlns:p="http://schemas.openxmlformats.org/presentationml/2006/main">
+  <p:tag name="THINKCELLSHAPEDONOTDELETE" val="t_1_fDAR6PC9AvAPnAO9K0Q"/>
+</p:tagLst>
+</file>
+
+<file path=ppt/tags/tag56.xml><?xml version="1.0" encoding="utf-8"?>
+<p:tagLst xmlns:a="http://schemas.openxmlformats.org/drawingml/2006/main" xmlns:r="http://schemas.openxmlformats.org/officeDocument/2006/relationships" xmlns:p="http://schemas.openxmlformats.org/presentationml/2006/main">
+  <p:tag name="THINKCELLSHAPEDONOTDELETE" val="tTTTrlsjq1Pq.hp2_4bhqiw"/>
+</p:tagLst>
+</file>
+
+<file path=ppt/tags/tag6.xml><?xml version="1.0" encoding="utf-8"?>
+<p:tagLst xmlns:a="http://schemas.openxmlformats.org/drawingml/2006/main" xmlns:r="http://schemas.openxmlformats.org/officeDocument/2006/relationships" xmlns:p="http://schemas.openxmlformats.org/presentationml/2006/main">
+  <p:tag name="THINKCELLSHAPEDONOTDELETE" val="tSq2F_mnmFuKy0EYn4LH_HQ"/>
+</p:tagLst>
+</file>
+
+<file path=ppt/tags/tag7.xml><?xml version="1.0" encoding="utf-8"?>
+<p:tagLst xmlns:a="http://schemas.openxmlformats.org/drawingml/2006/main" xmlns:r="http://schemas.openxmlformats.org/officeDocument/2006/relationships" xmlns:p="http://schemas.openxmlformats.org/presentationml/2006/main">
+  <p:tag name="THINKCELLSHAPEDONOTDELETE" val="tR63iP7iJI26GXqQ1_Xw0rQ"/>
+</p:tagLst>
+</file>
+
+<file path=ppt/tags/tag8.xml><?xml version="1.0" encoding="utf-8"?>
 <p:tagLst xmlns:a="http://schemas.openxmlformats.org/drawingml/2006/main" xmlns:r="http://schemas.openxmlformats.org/officeDocument/2006/relationships" xmlns:p="http://schemas.openxmlformats.org/presentationml/2006/main">
   <p:tag name="THINKCELLSHAPEDONOTDELETE" val="thFsnFtMtfmZeAoN0FYDB4A"/>
 </p:tagLst>
 </file>
 
-<file path=ppt/tags/tag6.xml><?xml version="1.0" encoding="utf-8"?>
+<file path=ppt/tags/tag9.xml><?xml version="1.0" encoding="utf-8"?>
 <p:tagLst xmlns:a="http://schemas.openxmlformats.org/drawingml/2006/main" xmlns:r="http://schemas.openxmlformats.org/officeDocument/2006/relationships" xmlns:p="http://schemas.openxmlformats.org/presentationml/2006/main">
   <p:tag name="THINKCELLSHAPEDONOTDELETE" val="tH_Wla6MSS6lVFOdpaB1g0Q"/>
-</p:tagLst>
-</file>
-
-<file path=ppt/tags/tag7.xml><?xml version="1.0" encoding="utf-8"?>
-<p:tagLst xmlns:a="http://schemas.openxmlformats.org/drawingml/2006/main" xmlns:r="http://schemas.openxmlformats.org/officeDocument/2006/relationships" xmlns:p="http://schemas.openxmlformats.org/presentationml/2006/main">
-  <p:tag name="THINKCELLSHAPEDONOTDELETE" val="ttE9Q2lQ2_7xsNR8m2SNiBA"/>
-</p:tagLst>
-</file>
-
-<file path=ppt/tags/tag8.xml><?xml version="1.0" encoding="utf-8"?>
-<p:tagLst xmlns:a="http://schemas.openxmlformats.org/drawingml/2006/main" xmlns:r="http://schemas.openxmlformats.org/officeDocument/2006/relationships" xmlns:p="http://schemas.openxmlformats.org/presentationml/2006/main">
-  <p:tag name="THINKCELLSHAPEDONOTDELETE" val="tetIJcg3jo.x1MQhXZ1vlsQ"/>
-</p:tagLst>
-</file>
-
-<file path=ppt/tags/tag9.xml><?xml version="1.0" encoding="utf-8"?>
-<p:tagLst xmlns:a="http://schemas.openxmlformats.org/drawingml/2006/main" xmlns:r="http://schemas.openxmlformats.org/officeDocument/2006/relationships" xmlns:p="http://schemas.openxmlformats.org/presentationml/2006/main">
-  <p:tag name="THINKCELLSHAPEDONOTDELETE" val="t83GHV9Sc_9aXKYZs5MRNMA"/>
 </p:tagLst>
 </file>
 
